--- a/Паттерн MVC.pptx
+++ b/Паттерн MVC.pptx
@@ -18,6 +18,8 @@
     <p:sldId id="263" r:id="rId12"/>
     <p:sldId id="264" r:id="rId13"/>
     <p:sldId id="265" r:id="rId14"/>
+    <p:sldId id="267" r:id="rId15"/>
+    <p:sldId id="268" r:id="rId16"/>
   </p:sldIdLst>
   <p:sldSz cx="12192000" cy="6858000"/>
   <p:notesSz cx="6858000" cy="9144000"/>
@@ -220,173 +222,6 @@
 </file>
 
 <file path=ppt/slideLayouts/slideLayout10.xml><?xml version="1.0" encoding="utf-8"?>
-<p:sldLayout xmlns:a="http://schemas.openxmlformats.org/drawingml/2006/main" xmlns:r="http://schemas.openxmlformats.org/officeDocument/2006/relationships" xmlns:p="http://schemas.openxmlformats.org/presentationml/2006/main" type="twoObj" preserve="1">
-  <p:cSld name="Два объекта">
-    <p:spTree>
-      <p:nvGrpSpPr>
-        <p:cNvPr id="1" name=""/>
-        <p:cNvGrpSpPr/>
-        <p:nvPr/>
-      </p:nvGrpSpPr>
-      <p:grpSpPr>
-        <a:xfrm>
-          <a:off x="0" y="0"/>
-          <a:ext cx="0" cy="0"/>
-          <a:chOff x="0" y="0"/>
-          <a:chExt cx="0" cy="0"/>
-        </a:xfrm>
-      </p:grpSpPr>
-      <p:sp>
-        <p:nvSpPr>
-          <p:cNvPr id="2" name="Заголовок 1"/>
-          <p:cNvSpPr>
-            <a:spLocks noGrp="1"/>
-          </p:cNvSpPr>
-          <p:nvPr>
-            <p:ph type="title"/>
-          </p:nvPr>
-        </p:nvSpPr>
-        <p:spPr/>
-        <p:txBody>
-          <a:bodyPr/>
-          <a:lstStyle/>
-          <a:p>
-            <a:r>
-              <a:rPr lang="en-US"/>
-              <a:t>Click to edit Master title style</a:t>
-            </a:r>
-            <a:endParaRPr lang="ru-RU"/>
-          </a:p>
-        </p:txBody>
-      </p:sp>
-      <p:sp>
-        <p:nvSpPr>
-          <p:cNvPr id="3" name="Объект 2"/>
-          <p:cNvSpPr>
-            <a:spLocks noGrp="1"/>
-          </p:cNvSpPr>
-          <p:nvPr>
-            <p:ph sz="half" idx="1"/>
-          </p:nvPr>
-        </p:nvSpPr>
-        <p:spPr>
-          <a:xfrm>
-            <a:off x="609600" y="1604964"/>
-            <a:ext cx="5384800" cy="3976687"/>
-          </a:xfrm>
-        </p:spPr>
-        <p:txBody>
-          <a:bodyPr/>
-          <a:lstStyle/>
-          <a:p>
-            <a:pPr lvl="0"/>
-            <a:r>
-              <a:rPr lang="en-US"/>
-              <a:t>Edit Master text styles</a:t>
-            </a:r>
-          </a:p>
-          <a:p>
-            <a:pPr lvl="1"/>
-            <a:r>
-              <a:rPr lang="en-US"/>
-              <a:t>Second level</a:t>
-            </a:r>
-          </a:p>
-          <a:p>
-            <a:pPr lvl="2"/>
-            <a:r>
-              <a:rPr lang="en-US"/>
-              <a:t>Third level</a:t>
-            </a:r>
-          </a:p>
-          <a:p>
-            <a:pPr lvl="3"/>
-            <a:r>
-              <a:rPr lang="en-US"/>
-              <a:t>Fourth level</a:t>
-            </a:r>
-          </a:p>
-          <a:p>
-            <a:pPr lvl="4"/>
-            <a:r>
-              <a:rPr lang="en-US"/>
-              <a:t>Fifth level</a:t>
-            </a:r>
-            <a:endParaRPr lang="ru-RU"/>
-          </a:p>
-        </p:txBody>
-      </p:sp>
-      <p:sp>
-        <p:nvSpPr>
-          <p:cNvPr id="4" name="Объект 3"/>
-          <p:cNvSpPr>
-            <a:spLocks noGrp="1"/>
-          </p:cNvSpPr>
-          <p:nvPr>
-            <p:ph sz="half" idx="2"/>
-          </p:nvPr>
-        </p:nvSpPr>
-        <p:spPr>
-          <a:xfrm>
-            <a:off x="6197600" y="1604964"/>
-            <a:ext cx="5384800" cy="3976687"/>
-          </a:xfrm>
-        </p:spPr>
-        <p:txBody>
-          <a:bodyPr/>
-          <a:lstStyle/>
-          <a:p>
-            <a:pPr lvl="0"/>
-            <a:r>
-              <a:rPr lang="en-US"/>
-              <a:t>Edit Master text styles</a:t>
-            </a:r>
-          </a:p>
-          <a:p>
-            <a:pPr lvl="1"/>
-            <a:r>
-              <a:rPr lang="en-US"/>
-              <a:t>Second level</a:t>
-            </a:r>
-          </a:p>
-          <a:p>
-            <a:pPr lvl="2"/>
-            <a:r>
-              <a:rPr lang="en-US"/>
-              <a:t>Third level</a:t>
-            </a:r>
-          </a:p>
-          <a:p>
-            <a:pPr lvl="3"/>
-            <a:r>
-              <a:rPr lang="en-US"/>
-              <a:t>Fourth level</a:t>
-            </a:r>
-          </a:p>
-          <a:p>
-            <a:pPr lvl="4"/>
-            <a:r>
-              <a:rPr lang="en-US"/>
-              <a:t>Fifth level</a:t>
-            </a:r>
-            <a:endParaRPr lang="ru-RU"/>
-          </a:p>
-        </p:txBody>
-      </p:sp>
-    </p:spTree>
-    <p:extLst>
-      <p:ext uri="{BB962C8B-B14F-4D97-AF65-F5344CB8AC3E}">
-        <p14:creationId xmlns:p14="http://schemas.microsoft.com/office/powerpoint/2010/main" val="13129778"/>
-      </p:ext>
-    </p:extLst>
-  </p:cSld>
-  <p:clrMapOvr>
-    <a:masterClrMapping/>
-  </p:clrMapOvr>
-</p:sldLayout>
-</file>
-
-<file path=ppt/slideLayouts/slideLayout11.xml><?xml version="1.0" encoding="utf-8"?>
 <p:sldLayout xmlns:a="http://schemas.openxmlformats.org/drawingml/2006/main" xmlns:r="http://schemas.openxmlformats.org/officeDocument/2006/relationships" xmlns:p="http://schemas.openxmlformats.org/presentationml/2006/main" preserve="1">
   <p:cSld name="Сравнение">
     <p:spTree>
@@ -709,7 +544,7 @@
 </p:sldLayout>
 </file>
 
-<file path=ppt/slideLayouts/slideLayout12.xml><?xml version="1.0" encoding="utf-8"?>
+<file path=ppt/slideLayouts/slideLayout11.xml><?xml version="1.0" encoding="utf-8"?>
 <p:sldLayout xmlns:a="http://schemas.openxmlformats.org/drawingml/2006/main" xmlns:r="http://schemas.openxmlformats.org/officeDocument/2006/relationships" xmlns:p="http://schemas.openxmlformats.org/presentationml/2006/main" preserve="1">
   <p:cSld name="Только заголовок">
     <p:spTree>
@@ -788,7 +623,7 @@
 </p:sldLayout>
 </file>
 
-<file path=ppt/slideLayouts/slideLayout13.xml><?xml version="1.0" encoding="utf-8"?>
+<file path=ppt/slideLayouts/slideLayout12.xml><?xml version="1.0" encoding="utf-8"?>
 <p:sldLayout xmlns:a="http://schemas.openxmlformats.org/drawingml/2006/main" xmlns:r="http://schemas.openxmlformats.org/officeDocument/2006/relationships" xmlns:p="http://schemas.openxmlformats.org/presentationml/2006/main" type="blank" preserve="1">
   <p:cSld name="Пустой слайд">
     <p:spTree>
@@ -818,7 +653,7 @@
 </p:sldLayout>
 </file>
 
-<file path=ppt/slideLayouts/slideLayout14.xml><?xml version="1.0" encoding="utf-8"?>
+<file path=ppt/slideLayouts/slideLayout13.xml><?xml version="1.0" encoding="utf-8"?>
 <p:sldLayout xmlns:a="http://schemas.openxmlformats.org/drawingml/2006/main" xmlns:r="http://schemas.openxmlformats.org/officeDocument/2006/relationships" xmlns:p="http://schemas.openxmlformats.org/presentationml/2006/main" type="objTx" preserve="1">
   <p:cSld name="Объект с подписью">
     <p:spTree>
@@ -1030,7 +865,7 @@
 </p:sldLayout>
 </file>
 
-<file path=ppt/slideLayouts/slideLayout15.xml><?xml version="1.0" encoding="utf-8"?>
+<file path=ppt/slideLayouts/slideLayout14.xml><?xml version="1.0" encoding="utf-8"?>
 <p:sldLayout xmlns:a="http://schemas.openxmlformats.org/drawingml/2006/main" xmlns:r="http://schemas.openxmlformats.org/officeDocument/2006/relationships" xmlns:p="http://schemas.openxmlformats.org/presentationml/2006/main" preserve="1">
   <p:cSld name="Заголовок и вертикальный текст">
     <p:spTree>
@@ -1161,7 +996,7 @@
 </p:sldLayout>
 </file>
 
-<file path=ppt/slideLayouts/slideLayout16.xml><?xml version="1.0" encoding="utf-8"?>
+<file path=ppt/slideLayouts/slideLayout15.xml><?xml version="1.0" encoding="utf-8"?>
 <p:sldLayout xmlns:a="http://schemas.openxmlformats.org/drawingml/2006/main" xmlns:r="http://schemas.openxmlformats.org/officeDocument/2006/relationships" xmlns:p="http://schemas.openxmlformats.org/presentationml/2006/main" preserve="1">
   <p:cSld name="Пользовательский макет">
     <p:spTree>
@@ -1240,7 +1075,7 @@
 </p:sldLayout>
 </file>
 
-<file path=ppt/slideLayouts/slideLayout17.xml><?xml version="1.0" encoding="utf-8"?>
+<file path=ppt/slideLayouts/slideLayout16.xml><?xml version="1.0" encoding="utf-8"?>
 <p:sldLayout xmlns:a="http://schemas.openxmlformats.org/drawingml/2006/main" xmlns:r="http://schemas.openxmlformats.org/officeDocument/2006/relationships" xmlns:p="http://schemas.openxmlformats.org/presentationml/2006/main" type="titleOnly">
   <p:cSld name="Title Only">
     <p:spTree>
@@ -1381,7 +1216,7 @@
 </p:sldLayout>
 </file>
 
-<file path=ppt/slideLayouts/slideLayout18.xml><?xml version="1.0" encoding="utf-8"?>
+<file path=ppt/slideLayouts/slideLayout17.xml><?xml version="1.0" encoding="utf-8"?>
 <p:sldLayout xmlns:a="http://schemas.openxmlformats.org/drawingml/2006/main" xmlns:r="http://schemas.openxmlformats.org/officeDocument/2006/relationships" xmlns:p="http://schemas.openxmlformats.org/presentationml/2006/main" type="obj">
   <p:cSld name="Title and Content">
     <p:spTree>
@@ -1579,7 +1414,7 @@
 </p:sldLayout>
 </file>
 
-<file path=ppt/slideLayouts/slideLayout19.xml><?xml version="1.0" encoding="utf-8"?>
+<file path=ppt/slideLayouts/slideLayout18.xml><?xml version="1.0" encoding="utf-8"?>
 <p:sldLayout xmlns:a="http://schemas.openxmlformats.org/drawingml/2006/main" xmlns:r="http://schemas.openxmlformats.org/officeDocument/2006/relationships" xmlns:p="http://schemas.openxmlformats.org/presentationml/2006/main" type="title" preserve="1">
   <p:cSld name="Титульный слайд">
     <p:spTree>
@@ -1762,6 +1597,176 @@
     <p:extLst>
       <p:ext uri="{BB962C8B-B14F-4D97-AF65-F5344CB8AC3E}">
         <p14:creationId xmlns:p14="http://schemas.microsoft.com/office/powerpoint/2010/main" val="2927602947"/>
+      </p:ext>
+    </p:extLst>
+  </p:cSld>
+  <p:clrMapOvr>
+    <a:masterClrMapping/>
+  </p:clrMapOvr>
+</p:sldLayout>
+</file>
+
+<file path=ppt/slideLayouts/slideLayout19.xml><?xml version="1.0" encoding="utf-8"?>
+<p:sldLayout xmlns:a="http://schemas.openxmlformats.org/drawingml/2006/main" xmlns:r="http://schemas.openxmlformats.org/officeDocument/2006/relationships" xmlns:p="http://schemas.openxmlformats.org/presentationml/2006/main" type="obj" preserve="1">
+  <p:cSld name="Заголовок и объект">
+    <p:spTree>
+      <p:nvGrpSpPr>
+        <p:cNvPr id="1" name=""/>
+        <p:cNvGrpSpPr/>
+        <p:nvPr/>
+      </p:nvGrpSpPr>
+      <p:grpSpPr>
+        <a:xfrm>
+          <a:off x="0" y="0"/>
+          <a:ext cx="0" cy="0"/>
+          <a:chOff x="0" y="0"/>
+          <a:chExt cx="0" cy="0"/>
+        </a:xfrm>
+      </p:grpSpPr>
+      <p:sp>
+        <p:nvSpPr>
+          <p:cNvPr id="2" name="Title 1"/>
+          <p:cNvSpPr>
+            <a:spLocks noGrp="1"/>
+          </p:cNvSpPr>
+          <p:nvPr>
+            <p:ph type="title"/>
+          </p:nvPr>
+        </p:nvSpPr>
+        <p:spPr/>
+        <p:txBody>
+          <a:bodyPr/>
+          <a:lstStyle/>
+          <a:p>
+            <a:r>
+              <a:rPr lang="en-US"/>
+              <a:t>Click to edit Master title style</a:t>
+            </a:r>
+            <a:endParaRPr lang="en-US" dirty="0"/>
+          </a:p>
+        </p:txBody>
+      </p:sp>
+      <p:sp>
+        <p:nvSpPr>
+          <p:cNvPr id="3" name="Content Placeholder 2"/>
+          <p:cNvSpPr>
+            <a:spLocks noGrp="1"/>
+          </p:cNvSpPr>
+          <p:nvPr>
+            <p:ph idx="1"/>
+          </p:nvPr>
+        </p:nvSpPr>
+        <p:spPr/>
+        <p:txBody>
+          <a:bodyPr/>
+          <a:lstStyle/>
+          <a:p>
+            <a:pPr lvl="0"/>
+            <a:r>
+              <a:rPr lang="en-US"/>
+              <a:t>Edit Master text styles</a:t>
+            </a:r>
+          </a:p>
+          <a:p>
+            <a:pPr lvl="1"/>
+            <a:r>
+              <a:rPr lang="en-US"/>
+              <a:t>Second level</a:t>
+            </a:r>
+          </a:p>
+          <a:p>
+            <a:pPr lvl="2"/>
+            <a:r>
+              <a:rPr lang="en-US"/>
+              <a:t>Third level</a:t>
+            </a:r>
+          </a:p>
+          <a:p>
+            <a:pPr lvl="3"/>
+            <a:r>
+              <a:rPr lang="en-US"/>
+              <a:t>Fourth level</a:t>
+            </a:r>
+          </a:p>
+          <a:p>
+            <a:pPr lvl="4"/>
+            <a:r>
+              <a:rPr lang="en-US"/>
+              <a:t>Fifth level</a:t>
+            </a:r>
+            <a:endParaRPr lang="en-US" dirty="0"/>
+          </a:p>
+        </p:txBody>
+      </p:sp>
+      <p:sp>
+        <p:nvSpPr>
+          <p:cNvPr id="4" name="Date Placeholder 3"/>
+          <p:cNvSpPr>
+            <a:spLocks noGrp="1"/>
+          </p:cNvSpPr>
+          <p:nvPr>
+            <p:ph type="dt" sz="half" idx="10"/>
+          </p:nvPr>
+        </p:nvSpPr>
+        <p:spPr/>
+        <p:txBody>
+          <a:bodyPr/>
+          <a:lstStyle/>
+          <a:p>
+            <a:fld id="{C764DE79-268F-4C1A-8933-263129D2AF90}" type="datetimeFigureOut">
+              <a:rPr lang="en-US" dirty="0"/>
+              <a:t>3/22/2018</a:t>
+            </a:fld>
+            <a:endParaRPr lang="en-US" dirty="0"/>
+          </a:p>
+        </p:txBody>
+      </p:sp>
+      <p:sp>
+        <p:nvSpPr>
+          <p:cNvPr id="5" name="Footer Placeholder 4"/>
+          <p:cNvSpPr>
+            <a:spLocks noGrp="1"/>
+          </p:cNvSpPr>
+          <p:nvPr>
+            <p:ph type="ftr" sz="quarter" idx="11"/>
+          </p:nvPr>
+        </p:nvSpPr>
+        <p:spPr/>
+        <p:txBody>
+          <a:bodyPr/>
+          <a:lstStyle/>
+          <a:p>
+            <a:endParaRPr lang="en-US" dirty="0"/>
+          </a:p>
+        </p:txBody>
+      </p:sp>
+      <p:sp>
+        <p:nvSpPr>
+          <p:cNvPr id="6" name="Slide Number Placeholder 5"/>
+          <p:cNvSpPr>
+            <a:spLocks noGrp="1"/>
+          </p:cNvSpPr>
+          <p:nvPr>
+            <p:ph type="sldNum" sz="quarter" idx="12"/>
+          </p:nvPr>
+        </p:nvSpPr>
+        <p:spPr/>
+        <p:txBody>
+          <a:bodyPr/>
+          <a:lstStyle/>
+          <a:p>
+            <a:fld id="{48F63A3B-78C7-47BE-AE5E-E10140E04643}" type="slidenum">
+              <a:rPr lang="en-US" dirty="0"/>
+              <a:t>‹#›</a:t>
+            </a:fld>
+            <a:endParaRPr lang="en-US" dirty="0"/>
+          </a:p>
+        </p:txBody>
+      </p:sp>
+    </p:spTree>
+    <p:extLst>
+      <p:ext uri="{BB962C8B-B14F-4D97-AF65-F5344CB8AC3E}">
+        <p14:creationId xmlns:p14="http://schemas.microsoft.com/office/powerpoint/2010/main" val="743774606"/>
       </p:ext>
     </p:extLst>
   </p:cSld>
@@ -1992,176 +1997,6 @@
 </file>
 
 <file path=ppt/slideLayouts/slideLayout20.xml><?xml version="1.0" encoding="utf-8"?>
-<p:sldLayout xmlns:a="http://schemas.openxmlformats.org/drawingml/2006/main" xmlns:r="http://schemas.openxmlformats.org/officeDocument/2006/relationships" xmlns:p="http://schemas.openxmlformats.org/presentationml/2006/main" type="obj" preserve="1">
-  <p:cSld name="Заголовок и объект">
-    <p:spTree>
-      <p:nvGrpSpPr>
-        <p:cNvPr id="1" name=""/>
-        <p:cNvGrpSpPr/>
-        <p:nvPr/>
-      </p:nvGrpSpPr>
-      <p:grpSpPr>
-        <a:xfrm>
-          <a:off x="0" y="0"/>
-          <a:ext cx="0" cy="0"/>
-          <a:chOff x="0" y="0"/>
-          <a:chExt cx="0" cy="0"/>
-        </a:xfrm>
-      </p:grpSpPr>
-      <p:sp>
-        <p:nvSpPr>
-          <p:cNvPr id="2" name="Title 1"/>
-          <p:cNvSpPr>
-            <a:spLocks noGrp="1"/>
-          </p:cNvSpPr>
-          <p:nvPr>
-            <p:ph type="title"/>
-          </p:nvPr>
-        </p:nvSpPr>
-        <p:spPr/>
-        <p:txBody>
-          <a:bodyPr/>
-          <a:lstStyle/>
-          <a:p>
-            <a:r>
-              <a:rPr lang="en-US"/>
-              <a:t>Click to edit Master title style</a:t>
-            </a:r>
-            <a:endParaRPr lang="en-US" dirty="0"/>
-          </a:p>
-        </p:txBody>
-      </p:sp>
-      <p:sp>
-        <p:nvSpPr>
-          <p:cNvPr id="3" name="Content Placeholder 2"/>
-          <p:cNvSpPr>
-            <a:spLocks noGrp="1"/>
-          </p:cNvSpPr>
-          <p:nvPr>
-            <p:ph idx="1"/>
-          </p:nvPr>
-        </p:nvSpPr>
-        <p:spPr/>
-        <p:txBody>
-          <a:bodyPr/>
-          <a:lstStyle/>
-          <a:p>
-            <a:pPr lvl="0"/>
-            <a:r>
-              <a:rPr lang="en-US"/>
-              <a:t>Edit Master text styles</a:t>
-            </a:r>
-          </a:p>
-          <a:p>
-            <a:pPr lvl="1"/>
-            <a:r>
-              <a:rPr lang="en-US"/>
-              <a:t>Second level</a:t>
-            </a:r>
-          </a:p>
-          <a:p>
-            <a:pPr lvl="2"/>
-            <a:r>
-              <a:rPr lang="en-US"/>
-              <a:t>Third level</a:t>
-            </a:r>
-          </a:p>
-          <a:p>
-            <a:pPr lvl="3"/>
-            <a:r>
-              <a:rPr lang="en-US"/>
-              <a:t>Fourth level</a:t>
-            </a:r>
-          </a:p>
-          <a:p>
-            <a:pPr lvl="4"/>
-            <a:r>
-              <a:rPr lang="en-US"/>
-              <a:t>Fifth level</a:t>
-            </a:r>
-            <a:endParaRPr lang="en-US" dirty="0"/>
-          </a:p>
-        </p:txBody>
-      </p:sp>
-      <p:sp>
-        <p:nvSpPr>
-          <p:cNvPr id="4" name="Date Placeholder 3"/>
-          <p:cNvSpPr>
-            <a:spLocks noGrp="1"/>
-          </p:cNvSpPr>
-          <p:nvPr>
-            <p:ph type="dt" sz="half" idx="10"/>
-          </p:nvPr>
-        </p:nvSpPr>
-        <p:spPr/>
-        <p:txBody>
-          <a:bodyPr/>
-          <a:lstStyle/>
-          <a:p>
-            <a:fld id="{C764DE79-268F-4C1A-8933-263129D2AF90}" type="datetimeFigureOut">
-              <a:rPr lang="en-US" dirty="0"/>
-              <a:t>3/22/2018</a:t>
-            </a:fld>
-            <a:endParaRPr lang="en-US" dirty="0"/>
-          </a:p>
-        </p:txBody>
-      </p:sp>
-      <p:sp>
-        <p:nvSpPr>
-          <p:cNvPr id="5" name="Footer Placeholder 4"/>
-          <p:cNvSpPr>
-            <a:spLocks noGrp="1"/>
-          </p:cNvSpPr>
-          <p:nvPr>
-            <p:ph type="ftr" sz="quarter" idx="11"/>
-          </p:nvPr>
-        </p:nvSpPr>
-        <p:spPr/>
-        <p:txBody>
-          <a:bodyPr/>
-          <a:lstStyle/>
-          <a:p>
-            <a:endParaRPr lang="en-US" dirty="0"/>
-          </a:p>
-        </p:txBody>
-      </p:sp>
-      <p:sp>
-        <p:nvSpPr>
-          <p:cNvPr id="6" name="Slide Number Placeholder 5"/>
-          <p:cNvSpPr>
-            <a:spLocks noGrp="1"/>
-          </p:cNvSpPr>
-          <p:nvPr>
-            <p:ph type="sldNum" sz="quarter" idx="12"/>
-          </p:nvPr>
-        </p:nvSpPr>
-        <p:spPr/>
-        <p:txBody>
-          <a:bodyPr/>
-          <a:lstStyle/>
-          <a:p>
-            <a:fld id="{48F63A3B-78C7-47BE-AE5E-E10140E04643}" type="slidenum">
-              <a:rPr lang="en-US" dirty="0"/>
-              <a:t>‹#›</a:t>
-            </a:fld>
-            <a:endParaRPr lang="en-US" dirty="0"/>
-          </a:p>
-        </p:txBody>
-      </p:sp>
-    </p:spTree>
-    <p:extLst>
-      <p:ext uri="{BB962C8B-B14F-4D97-AF65-F5344CB8AC3E}">
-        <p14:creationId xmlns:p14="http://schemas.microsoft.com/office/powerpoint/2010/main" val="743774606"/>
-      </p:ext>
-    </p:extLst>
-  </p:cSld>
-  <p:clrMapOvr>
-    <a:masterClrMapping/>
-  </p:clrMapOvr>
-</p:sldLayout>
-</file>
-
-<file path=ppt/slideLayouts/slideLayout21.xml><?xml version="1.0" encoding="utf-8"?>
 <p:sldLayout xmlns:a="http://schemas.openxmlformats.org/drawingml/2006/main" xmlns:r="http://schemas.openxmlformats.org/officeDocument/2006/relationships" xmlns:p="http://schemas.openxmlformats.org/presentationml/2006/main" type="secHead" preserve="1">
   <p:cSld name="Заголовок раздела">
     <p:spTree>
@@ -2407,7 +2242,7 @@
 </p:sldLayout>
 </file>
 
-<file path=ppt/slideLayouts/slideLayout22.xml><?xml version="1.0" encoding="utf-8"?>
+<file path=ppt/slideLayouts/slideLayout21.xml><?xml version="1.0" encoding="utf-8"?>
 <p:sldLayout xmlns:a="http://schemas.openxmlformats.org/drawingml/2006/main" xmlns:r="http://schemas.openxmlformats.org/officeDocument/2006/relationships" xmlns:p="http://schemas.openxmlformats.org/presentationml/2006/main" type="twoObj" preserve="1">
   <p:cSld name="Два объекта">
     <p:spTree>
@@ -2639,7 +2474,7 @@
 </p:sldLayout>
 </file>
 
-<file path=ppt/slideLayouts/slideLayout23.xml><?xml version="1.0" encoding="utf-8"?>
+<file path=ppt/slideLayouts/slideLayout22.xml><?xml version="1.0" encoding="utf-8"?>
 <p:sldLayout xmlns:a="http://schemas.openxmlformats.org/drawingml/2006/main" xmlns:r="http://schemas.openxmlformats.org/officeDocument/2006/relationships" xmlns:p="http://schemas.openxmlformats.org/presentationml/2006/main" type="twoTxTwoObj" preserve="1">
   <p:cSld name="Сравнение">
     <p:spTree>
@@ -3006,7 +2841,7 @@
 </p:sldLayout>
 </file>
 
-<file path=ppt/slideLayouts/slideLayout24.xml><?xml version="1.0" encoding="utf-8"?>
+<file path=ppt/slideLayouts/slideLayout23.xml><?xml version="1.0" encoding="utf-8"?>
 <p:sldLayout xmlns:a="http://schemas.openxmlformats.org/drawingml/2006/main" xmlns:r="http://schemas.openxmlformats.org/officeDocument/2006/relationships" xmlns:p="http://schemas.openxmlformats.org/presentationml/2006/main" type="titleOnly" preserve="1">
   <p:cSld name="Только заголовок">
     <p:spTree>
@@ -3124,7 +2959,7 @@
 </p:sldLayout>
 </file>
 
-<file path=ppt/slideLayouts/slideLayout25.xml><?xml version="1.0" encoding="utf-8"?>
+<file path=ppt/slideLayouts/slideLayout24.xml><?xml version="1.0" encoding="utf-8"?>
 <p:sldLayout xmlns:a="http://schemas.openxmlformats.org/drawingml/2006/main" xmlns:r="http://schemas.openxmlformats.org/officeDocument/2006/relationships" xmlns:p="http://schemas.openxmlformats.org/presentationml/2006/main" type="blank" preserve="1">
   <p:cSld name="Пустой слайд">
     <p:spTree>
@@ -3219,7 +3054,7 @@
 </p:sldLayout>
 </file>
 
-<file path=ppt/slideLayouts/slideLayout26.xml><?xml version="1.0" encoding="utf-8"?>
+<file path=ppt/slideLayouts/slideLayout25.xml><?xml version="1.0" encoding="utf-8"?>
 <p:sldLayout xmlns:a="http://schemas.openxmlformats.org/drawingml/2006/main" xmlns:r="http://schemas.openxmlformats.org/officeDocument/2006/relationships" xmlns:p="http://schemas.openxmlformats.org/presentationml/2006/main" type="objTx" preserve="1">
   <p:cSld name="Объект с подписью">
     <p:spTree>
@@ -3496,7 +3331,7 @@
 </p:sldLayout>
 </file>
 
-<file path=ppt/slideLayouts/slideLayout27.xml><?xml version="1.0" encoding="utf-8"?>
+<file path=ppt/slideLayouts/slideLayout26.xml><?xml version="1.0" encoding="utf-8"?>
 <p:sldLayout xmlns:a="http://schemas.openxmlformats.org/drawingml/2006/main" xmlns:r="http://schemas.openxmlformats.org/officeDocument/2006/relationships" xmlns:p="http://schemas.openxmlformats.org/presentationml/2006/main" type="picTx" preserve="1">
   <p:cSld name="Рисунок с подписью">
     <p:spTree>
@@ -3753,7 +3588,7 @@
 </p:sldLayout>
 </file>
 
-<file path=ppt/slideLayouts/slideLayout28.xml><?xml version="1.0" encoding="utf-8"?>
+<file path=ppt/slideLayouts/slideLayout27.xml><?xml version="1.0" encoding="utf-8"?>
 <p:sldLayout xmlns:a="http://schemas.openxmlformats.org/drawingml/2006/main" xmlns:r="http://schemas.openxmlformats.org/officeDocument/2006/relationships" xmlns:p="http://schemas.openxmlformats.org/presentationml/2006/main" type="vertTx" preserve="1">
   <p:cSld name="Заголовок и вертикальный текст">
     <p:spTree>
@@ -3923,7 +3758,7 @@
 </p:sldLayout>
 </file>
 
-<file path=ppt/slideLayouts/slideLayout29.xml><?xml version="1.0" encoding="utf-8"?>
+<file path=ppt/slideLayouts/slideLayout28.xml><?xml version="1.0" encoding="utf-8"?>
 <p:sldLayout xmlns:a="http://schemas.openxmlformats.org/drawingml/2006/main" xmlns:r="http://schemas.openxmlformats.org/officeDocument/2006/relationships" xmlns:p="http://schemas.openxmlformats.org/presentationml/2006/main" type="vertTitleAndTx" preserve="1">
   <p:cSld name="Вертикальный заголовок и текст">
     <p:spTree>
@@ -4094,6 +3929,64 @@
     <p:extLst>
       <p:ext uri="{BB962C8B-B14F-4D97-AF65-F5344CB8AC3E}">
         <p14:creationId xmlns:p14="http://schemas.microsoft.com/office/powerpoint/2010/main" val="3407003495"/>
+      </p:ext>
+    </p:extLst>
+  </p:cSld>
+  <p:clrMapOvr>
+    <a:masterClrMapping/>
+  </p:clrMapOvr>
+</p:sldLayout>
+</file>
+
+<file path=ppt/slideLayouts/slideLayout29.xml><?xml version="1.0" encoding="utf-8"?>
+<p:sldLayout xmlns:a="http://schemas.openxmlformats.org/drawingml/2006/main" xmlns:r="http://schemas.openxmlformats.org/officeDocument/2006/relationships" xmlns:p="http://schemas.openxmlformats.org/presentationml/2006/main" preserve="1">
+  <p:cSld name="Пользовательский макет">
+    <p:spTree>
+      <p:nvGrpSpPr>
+        <p:cNvPr id="1" name=""/>
+        <p:cNvGrpSpPr/>
+        <p:nvPr/>
+      </p:nvGrpSpPr>
+      <p:grpSpPr>
+        <a:xfrm>
+          <a:off x="0" y="0"/>
+          <a:ext cx="0" cy="0"/>
+          <a:chOff x="0" y="0"/>
+          <a:chExt cx="0" cy="0"/>
+        </a:xfrm>
+      </p:grpSpPr>
+      <p:sp>
+        <p:nvSpPr>
+          <p:cNvPr id="2" name="Заголовок 1"/>
+          <p:cNvSpPr>
+            <a:spLocks noGrp="1"/>
+          </p:cNvSpPr>
+          <p:nvPr>
+            <p:ph type="title"/>
+          </p:nvPr>
+        </p:nvSpPr>
+        <p:spPr>
+          <a:xfrm>
+            <a:off x="476251" y="273051"/>
+            <a:ext cx="10970683" cy="441325"/>
+          </a:xfrm>
+        </p:spPr>
+        <p:txBody>
+          <a:bodyPr/>
+          <a:lstStyle/>
+          <a:p>
+            <a:r>
+              <a:rPr lang="en-US"/>
+              <a:t>Click to edit Master title style</a:t>
+            </a:r>
+            <a:endParaRPr lang="ru-RU"/>
+          </a:p>
+        </p:txBody>
+      </p:sp>
+    </p:spTree>
+    <p:extLst>
+      <p:ext uri="{BB962C8B-B14F-4D97-AF65-F5344CB8AC3E}">
+        <p14:creationId xmlns:p14="http://schemas.microsoft.com/office/powerpoint/2010/main" val="2174905242"/>
       </p:ext>
     </p:extLst>
   </p:cSld>
@@ -4244,263 +4137,7 @@
 </p:sldLayout>
 </file>
 
-<file path=ppt/slideLayouts/slideLayout30.xml><?xml version="1.0" encoding="utf-8"?>
-<p:sldLayout xmlns:a="http://schemas.openxmlformats.org/drawingml/2006/main" xmlns:r="http://schemas.openxmlformats.org/officeDocument/2006/relationships" xmlns:p="http://schemas.openxmlformats.org/presentationml/2006/main" preserve="1">
-  <p:cSld name="Пользовательский макет">
-    <p:spTree>
-      <p:nvGrpSpPr>
-        <p:cNvPr id="1" name=""/>
-        <p:cNvGrpSpPr/>
-        <p:nvPr/>
-      </p:nvGrpSpPr>
-      <p:grpSpPr>
-        <a:xfrm>
-          <a:off x="0" y="0"/>
-          <a:ext cx="0" cy="0"/>
-          <a:chOff x="0" y="0"/>
-          <a:chExt cx="0" cy="0"/>
-        </a:xfrm>
-      </p:grpSpPr>
-      <p:sp>
-        <p:nvSpPr>
-          <p:cNvPr id="2" name="Заголовок 1"/>
-          <p:cNvSpPr>
-            <a:spLocks noGrp="1"/>
-          </p:cNvSpPr>
-          <p:nvPr>
-            <p:ph type="title"/>
-          </p:nvPr>
-        </p:nvSpPr>
-        <p:spPr>
-          <a:xfrm>
-            <a:off x="476251" y="273051"/>
-            <a:ext cx="10970683" cy="441325"/>
-          </a:xfrm>
-        </p:spPr>
-        <p:txBody>
-          <a:bodyPr/>
-          <a:lstStyle/>
-          <a:p>
-            <a:r>
-              <a:rPr lang="en-US"/>
-              <a:t>Click to edit Master title style</a:t>
-            </a:r>
-            <a:endParaRPr lang="ru-RU"/>
-          </a:p>
-        </p:txBody>
-      </p:sp>
-    </p:spTree>
-    <p:extLst>
-      <p:ext uri="{BB962C8B-B14F-4D97-AF65-F5344CB8AC3E}">
-        <p14:creationId xmlns:p14="http://schemas.microsoft.com/office/powerpoint/2010/main" val="2174905242"/>
-      </p:ext>
-    </p:extLst>
-  </p:cSld>
-  <p:clrMapOvr>
-    <a:masterClrMapping/>
-  </p:clrMapOvr>
-</p:sldLayout>
-</file>
-
 <file path=ppt/slideLayouts/slideLayout4.xml><?xml version="1.0" encoding="utf-8"?>
-<p:sldLayout xmlns:a="http://schemas.openxmlformats.org/drawingml/2006/main" xmlns:r="http://schemas.openxmlformats.org/officeDocument/2006/relationships" xmlns:p="http://schemas.openxmlformats.org/presentationml/2006/main" type="obj">
-  <p:cSld name="Title and Content">
-    <p:spTree>
-      <p:nvGrpSpPr>
-        <p:cNvPr id="1" name=""/>
-        <p:cNvGrpSpPr/>
-        <p:nvPr/>
-      </p:nvGrpSpPr>
-      <p:grpSpPr>
-        <a:xfrm>
-          <a:off x="0" y="0"/>
-          <a:ext cx="0" cy="0"/>
-          <a:chOff x="0" y="0"/>
-          <a:chExt cx="0" cy="0"/>
-        </a:xfrm>
-      </p:grpSpPr>
-      <p:sp>
-        <p:nvSpPr>
-          <p:cNvPr id="2" name="Title 1">
-            <a:extLst>
-              <a:ext uri="{FF2B5EF4-FFF2-40B4-BE49-F238E27FC236}">
-                <a16:creationId xmlns:a16="http://schemas.microsoft.com/office/drawing/2014/main" id="{90C4897E-5FB0-48E0-BDD9-0A83ABB76F06}"/>
-              </a:ext>
-            </a:extLst>
-          </p:cNvPr>
-          <p:cNvSpPr>
-            <a:spLocks noGrp="1"/>
-          </p:cNvSpPr>
-          <p:nvPr>
-            <p:ph type="title"/>
-          </p:nvPr>
-        </p:nvSpPr>
-        <p:spPr/>
-        <p:txBody>
-          <a:bodyPr/>
-          <a:lstStyle/>
-          <a:p>
-            <a:r>
-              <a:rPr lang="en-US"/>
-              <a:t>Click to edit Master title style</a:t>
-            </a:r>
-          </a:p>
-        </p:txBody>
-      </p:sp>
-      <p:sp>
-        <p:nvSpPr>
-          <p:cNvPr id="3" name="Content Placeholder 2">
-            <a:extLst>
-              <a:ext uri="{FF2B5EF4-FFF2-40B4-BE49-F238E27FC236}">
-                <a16:creationId xmlns:a16="http://schemas.microsoft.com/office/drawing/2014/main" id="{611C3A6C-4FC2-4A7D-86F1-9A63C9DFFEEF}"/>
-              </a:ext>
-            </a:extLst>
-          </p:cNvPr>
-          <p:cNvSpPr>
-            <a:spLocks noGrp="1"/>
-          </p:cNvSpPr>
-          <p:nvPr>
-            <p:ph idx="1"/>
-          </p:nvPr>
-        </p:nvSpPr>
-        <p:spPr/>
-        <p:txBody>
-          <a:bodyPr/>
-          <a:lstStyle/>
-          <a:p>
-            <a:pPr lvl="0"/>
-            <a:r>
-              <a:rPr lang="en-US"/>
-              <a:t>Edit Master text styles</a:t>
-            </a:r>
-          </a:p>
-          <a:p>
-            <a:pPr lvl="1"/>
-            <a:r>
-              <a:rPr lang="en-US"/>
-              <a:t>Second level</a:t>
-            </a:r>
-          </a:p>
-          <a:p>
-            <a:pPr lvl="2"/>
-            <a:r>
-              <a:rPr lang="en-US"/>
-              <a:t>Third level</a:t>
-            </a:r>
-          </a:p>
-          <a:p>
-            <a:pPr lvl="3"/>
-            <a:r>
-              <a:rPr lang="en-US"/>
-              <a:t>Fourth level</a:t>
-            </a:r>
-          </a:p>
-          <a:p>
-            <a:pPr lvl="4"/>
-            <a:r>
-              <a:rPr lang="en-US"/>
-              <a:t>Fifth level</a:t>
-            </a:r>
-          </a:p>
-        </p:txBody>
-      </p:sp>
-      <p:sp>
-        <p:nvSpPr>
-          <p:cNvPr id="4" name="Date Placeholder 3">
-            <a:extLst>
-              <a:ext uri="{FF2B5EF4-FFF2-40B4-BE49-F238E27FC236}">
-                <a16:creationId xmlns:a16="http://schemas.microsoft.com/office/drawing/2014/main" id="{694B90EB-3143-4939-B542-0E93367F8932}"/>
-              </a:ext>
-            </a:extLst>
-          </p:cNvPr>
-          <p:cNvSpPr>
-            <a:spLocks noGrp="1"/>
-          </p:cNvSpPr>
-          <p:nvPr>
-            <p:ph type="dt" sz="half" idx="10"/>
-          </p:nvPr>
-        </p:nvSpPr>
-        <p:spPr/>
-        <p:txBody>
-          <a:bodyPr/>
-          <a:lstStyle/>
-          <a:p>
-            <a:fld id="{98B268AD-4E81-4577-BD5E-7A237943881D}" type="datetimeFigureOut">
-              <a:rPr lang="en-US" smtClean="0"/>
-              <a:t>3/22/2018</a:t>
-            </a:fld>
-            <a:endParaRPr lang="en-US"/>
-          </a:p>
-        </p:txBody>
-      </p:sp>
-      <p:sp>
-        <p:nvSpPr>
-          <p:cNvPr id="5" name="Footer Placeholder 4">
-            <a:extLst>
-              <a:ext uri="{FF2B5EF4-FFF2-40B4-BE49-F238E27FC236}">
-                <a16:creationId xmlns:a16="http://schemas.microsoft.com/office/drawing/2014/main" id="{3F2CCF52-CE51-4A62-8AD2-DF4C8FB2C3F1}"/>
-              </a:ext>
-            </a:extLst>
-          </p:cNvPr>
-          <p:cNvSpPr>
-            <a:spLocks noGrp="1"/>
-          </p:cNvSpPr>
-          <p:nvPr>
-            <p:ph type="ftr" sz="quarter" idx="11"/>
-          </p:nvPr>
-        </p:nvSpPr>
-        <p:spPr/>
-        <p:txBody>
-          <a:bodyPr/>
-          <a:lstStyle/>
-          <a:p>
-            <a:endParaRPr lang="en-US"/>
-          </a:p>
-        </p:txBody>
-      </p:sp>
-      <p:sp>
-        <p:nvSpPr>
-          <p:cNvPr id="6" name="Slide Number Placeholder 5">
-            <a:extLst>
-              <a:ext uri="{FF2B5EF4-FFF2-40B4-BE49-F238E27FC236}">
-                <a16:creationId xmlns:a16="http://schemas.microsoft.com/office/drawing/2014/main" id="{1D236B55-C3F7-41A9-89F6-CC7988F2B46F}"/>
-              </a:ext>
-            </a:extLst>
-          </p:cNvPr>
-          <p:cNvSpPr>
-            <a:spLocks noGrp="1"/>
-          </p:cNvSpPr>
-          <p:nvPr>
-            <p:ph type="sldNum" sz="quarter" idx="12"/>
-          </p:nvPr>
-        </p:nvSpPr>
-        <p:spPr/>
-        <p:txBody>
-          <a:bodyPr/>
-          <a:lstStyle/>
-          <a:p>
-            <a:fld id="{8679A571-FCF2-4963-A9FF-B7695BB81D3D}" type="slidenum">
-              <a:rPr lang="en-US" smtClean="0"/>
-              <a:t>‹#›</a:t>
-            </a:fld>
-            <a:endParaRPr lang="en-US"/>
-          </a:p>
-        </p:txBody>
-      </p:sp>
-    </p:spTree>
-    <p:extLst>
-      <p:ext uri="{BB962C8B-B14F-4D97-AF65-F5344CB8AC3E}">
-        <p14:creationId xmlns:p14="http://schemas.microsoft.com/office/powerpoint/2010/main" val="3958347622"/>
-      </p:ext>
-    </p:extLst>
-  </p:cSld>
-  <p:clrMapOvr>
-    <a:masterClrMapping/>
-  </p:clrMapOvr>
-</p:sldLayout>
-</file>
-
-<file path=ppt/slideLayouts/slideLayout5.xml><?xml version="1.0" encoding="utf-8"?>
 <p:sldLayout xmlns:a="http://schemas.openxmlformats.org/drawingml/2006/main" xmlns:r="http://schemas.openxmlformats.org/officeDocument/2006/relationships" xmlns:p="http://schemas.openxmlformats.org/presentationml/2006/main">
   <p:cSld name="Только заголовок">
     <p:spTree>
@@ -4579,7 +4216,7 @@
 </p:sldLayout>
 </file>
 
-<file path=ppt/slideLayouts/slideLayout6.xml><?xml version="1.0" encoding="utf-8"?>
+<file path=ppt/slideLayouts/slideLayout5.xml><?xml version="1.0" encoding="utf-8"?>
 <p:sldLayout xmlns:a="http://schemas.openxmlformats.org/drawingml/2006/main" xmlns:r="http://schemas.openxmlformats.org/officeDocument/2006/relationships" xmlns:p="http://schemas.openxmlformats.org/presentationml/2006/main">
   <p:cSld name="Заголовок и объект">
     <p:spTree>
@@ -4710,7 +4347,7 @@
 </p:sldLayout>
 </file>
 
-<file path=ppt/slideLayouts/slideLayout7.xml><?xml version="1.0" encoding="utf-8"?>
+<file path=ppt/slideLayouts/slideLayout6.xml><?xml version="1.0" encoding="utf-8"?>
 <p:sldLayout xmlns:a="http://schemas.openxmlformats.org/drawingml/2006/main" xmlns:r="http://schemas.openxmlformats.org/officeDocument/2006/relationships" xmlns:p="http://schemas.openxmlformats.org/presentationml/2006/main" type="title" preserve="1">
   <p:cSld name="Титульный слайд">
     <p:spTree>
@@ -5014,7 +4651,7 @@
 </p:sldLayout>
 </file>
 
-<file path=ppt/slideLayouts/slideLayout8.xml><?xml version="1.0" encoding="utf-8"?>
+<file path=ppt/slideLayouts/slideLayout7.xml><?xml version="1.0" encoding="utf-8"?>
 <p:sldLayout xmlns:a="http://schemas.openxmlformats.org/drawingml/2006/main" xmlns:r="http://schemas.openxmlformats.org/officeDocument/2006/relationships" xmlns:p="http://schemas.openxmlformats.org/presentationml/2006/main" preserve="1">
   <p:cSld name="Заголовок и объект">
     <p:spTree>
@@ -5145,7 +4782,7 @@
 </p:sldLayout>
 </file>
 
-<file path=ppt/slideLayouts/slideLayout9.xml><?xml version="1.0" encoding="utf-8"?>
+<file path=ppt/slideLayouts/slideLayout8.xml><?xml version="1.0" encoding="utf-8"?>
 <p:sldLayout xmlns:a="http://schemas.openxmlformats.org/drawingml/2006/main" xmlns:r="http://schemas.openxmlformats.org/officeDocument/2006/relationships" xmlns:p="http://schemas.openxmlformats.org/presentationml/2006/main" type="secHead" preserve="1">
   <p:cSld name="Заголовок раздела">
     <p:spTree>
@@ -5263,6 +4900,173 @@
     <p:extLst>
       <p:ext uri="{BB962C8B-B14F-4D97-AF65-F5344CB8AC3E}">
         <p14:creationId xmlns:p14="http://schemas.microsoft.com/office/powerpoint/2010/main" val="890604891"/>
+      </p:ext>
+    </p:extLst>
+  </p:cSld>
+  <p:clrMapOvr>
+    <a:masterClrMapping/>
+  </p:clrMapOvr>
+</p:sldLayout>
+</file>
+
+<file path=ppt/slideLayouts/slideLayout9.xml><?xml version="1.0" encoding="utf-8"?>
+<p:sldLayout xmlns:a="http://schemas.openxmlformats.org/drawingml/2006/main" xmlns:r="http://schemas.openxmlformats.org/officeDocument/2006/relationships" xmlns:p="http://schemas.openxmlformats.org/presentationml/2006/main" type="twoObj" preserve="1">
+  <p:cSld name="Два объекта">
+    <p:spTree>
+      <p:nvGrpSpPr>
+        <p:cNvPr id="1" name=""/>
+        <p:cNvGrpSpPr/>
+        <p:nvPr/>
+      </p:nvGrpSpPr>
+      <p:grpSpPr>
+        <a:xfrm>
+          <a:off x="0" y="0"/>
+          <a:ext cx="0" cy="0"/>
+          <a:chOff x="0" y="0"/>
+          <a:chExt cx="0" cy="0"/>
+        </a:xfrm>
+      </p:grpSpPr>
+      <p:sp>
+        <p:nvSpPr>
+          <p:cNvPr id="2" name="Заголовок 1"/>
+          <p:cNvSpPr>
+            <a:spLocks noGrp="1"/>
+          </p:cNvSpPr>
+          <p:nvPr>
+            <p:ph type="title"/>
+          </p:nvPr>
+        </p:nvSpPr>
+        <p:spPr/>
+        <p:txBody>
+          <a:bodyPr/>
+          <a:lstStyle/>
+          <a:p>
+            <a:r>
+              <a:rPr lang="en-US"/>
+              <a:t>Click to edit Master title style</a:t>
+            </a:r>
+            <a:endParaRPr lang="ru-RU"/>
+          </a:p>
+        </p:txBody>
+      </p:sp>
+      <p:sp>
+        <p:nvSpPr>
+          <p:cNvPr id="3" name="Объект 2"/>
+          <p:cNvSpPr>
+            <a:spLocks noGrp="1"/>
+          </p:cNvSpPr>
+          <p:nvPr>
+            <p:ph sz="half" idx="1"/>
+          </p:nvPr>
+        </p:nvSpPr>
+        <p:spPr>
+          <a:xfrm>
+            <a:off x="609600" y="1604964"/>
+            <a:ext cx="5384800" cy="3976687"/>
+          </a:xfrm>
+        </p:spPr>
+        <p:txBody>
+          <a:bodyPr/>
+          <a:lstStyle/>
+          <a:p>
+            <a:pPr lvl="0"/>
+            <a:r>
+              <a:rPr lang="en-US"/>
+              <a:t>Edit Master text styles</a:t>
+            </a:r>
+          </a:p>
+          <a:p>
+            <a:pPr lvl="1"/>
+            <a:r>
+              <a:rPr lang="en-US"/>
+              <a:t>Second level</a:t>
+            </a:r>
+          </a:p>
+          <a:p>
+            <a:pPr lvl="2"/>
+            <a:r>
+              <a:rPr lang="en-US"/>
+              <a:t>Third level</a:t>
+            </a:r>
+          </a:p>
+          <a:p>
+            <a:pPr lvl="3"/>
+            <a:r>
+              <a:rPr lang="en-US"/>
+              <a:t>Fourth level</a:t>
+            </a:r>
+          </a:p>
+          <a:p>
+            <a:pPr lvl="4"/>
+            <a:r>
+              <a:rPr lang="en-US"/>
+              <a:t>Fifth level</a:t>
+            </a:r>
+            <a:endParaRPr lang="ru-RU"/>
+          </a:p>
+        </p:txBody>
+      </p:sp>
+      <p:sp>
+        <p:nvSpPr>
+          <p:cNvPr id="4" name="Объект 3"/>
+          <p:cNvSpPr>
+            <a:spLocks noGrp="1"/>
+          </p:cNvSpPr>
+          <p:nvPr>
+            <p:ph sz="half" idx="2"/>
+          </p:nvPr>
+        </p:nvSpPr>
+        <p:spPr>
+          <a:xfrm>
+            <a:off x="6197600" y="1604964"/>
+            <a:ext cx="5384800" cy="3976687"/>
+          </a:xfrm>
+        </p:spPr>
+        <p:txBody>
+          <a:bodyPr/>
+          <a:lstStyle/>
+          <a:p>
+            <a:pPr lvl="0"/>
+            <a:r>
+              <a:rPr lang="en-US"/>
+              <a:t>Edit Master text styles</a:t>
+            </a:r>
+          </a:p>
+          <a:p>
+            <a:pPr lvl="1"/>
+            <a:r>
+              <a:rPr lang="en-US"/>
+              <a:t>Second level</a:t>
+            </a:r>
+          </a:p>
+          <a:p>
+            <a:pPr lvl="2"/>
+            <a:r>
+              <a:rPr lang="en-US"/>
+              <a:t>Third level</a:t>
+            </a:r>
+          </a:p>
+          <a:p>
+            <a:pPr lvl="3"/>
+            <a:r>
+              <a:rPr lang="en-US"/>
+              <a:t>Fourth level</a:t>
+            </a:r>
+          </a:p>
+          <a:p>
+            <a:pPr lvl="4"/>
+            <a:r>
+              <a:rPr lang="en-US"/>
+              <a:t>Fifth level</a:t>
+            </a:r>
+            <a:endParaRPr lang="ru-RU"/>
+          </a:p>
+        </p:txBody>
+      </p:sp>
+    </p:spTree>
+    <p:extLst>
+      <p:ext uri="{BB962C8B-B14F-4D97-AF65-F5344CB8AC3E}">
+        <p14:creationId xmlns:p14="http://schemas.microsoft.com/office/powerpoint/2010/main" val="13129778"/>
       </p:ext>
     </p:extLst>
   </p:cSld>
@@ -5309,7 +5113,7 @@
           <p:nvPr/>
         </p:nvPicPr>
         <p:blipFill>
-          <a:blip r:embed="rId8" cstate="print">
+          <a:blip r:embed="rId7" cstate="print">
             <a:extLst>
               <a:ext uri="{28A0092B-C50C-407E-A947-70E740481C1C}">
                 <a14:useLocalDpi xmlns:a14="http://schemas.microsoft.com/office/drawing/2010/main" val="0"/>
@@ -5342,9 +5146,8 @@
     <p:sldLayoutId id="2147483661" r:id="rId1"/>
     <p:sldLayoutId id="2147483662" r:id="rId2"/>
     <p:sldLayoutId id="2147483663" r:id="rId3"/>
-    <p:sldLayoutId id="2147483664" r:id="rId4"/>
-    <p:sldLayoutId id="2147483691" r:id="rId5"/>
-    <p:sldLayoutId id="2147483692" r:id="rId6"/>
+    <p:sldLayoutId id="2147483691" r:id="rId4"/>
+    <p:sldLayoutId id="2147483692" r:id="rId5"/>
   </p:sldLayoutIdLst>
   <p:txStyles>
     <p:titleStyle>
@@ -7598,16 +7401,12 @@
               <a:t>Разделяя код на отдельные составляющие</a:t>
             </a:r>
             <a:r>
-              <a:rPr lang="en-US"/>
+              <a:rPr lang="en-US" dirty="0"/>
               <a:t>,</a:t>
             </a:r>
             <a:r>
-              <a:rPr lang="ru-RU"/>
-              <a:t> </a:t>
-            </a:r>
-            <a:r>
               <a:rPr lang="ru-RU" dirty="0"/>
-              <a:t>позволяет разрабатывать бизнес-логику и </a:t>
+              <a:t> позволяет разрабатывать бизнес-логику и </a:t>
             </a:r>
             <a:r>
               <a:rPr lang="en-US" dirty="0"/>
@@ -7757,6 +7556,142 @@
 </p:sld>
 </file>
 
+<file path=ppt/slides/slide12.xml><?xml version="1.0" encoding="utf-8"?>
+<p:sld xmlns:a="http://schemas.openxmlformats.org/drawingml/2006/main" xmlns:r="http://schemas.openxmlformats.org/officeDocument/2006/relationships" xmlns:p="http://schemas.openxmlformats.org/presentationml/2006/main">
+  <p:cSld>
+    <p:spTree>
+      <p:nvGrpSpPr>
+        <p:cNvPr id="1" name=""/>
+        <p:cNvGrpSpPr/>
+        <p:nvPr/>
+      </p:nvGrpSpPr>
+      <p:grpSpPr>
+        <a:xfrm>
+          <a:off x="0" y="0"/>
+          <a:ext cx="0" cy="0"/>
+          <a:chOff x="0" y="0"/>
+          <a:chExt cx="0" cy="0"/>
+        </a:xfrm>
+      </p:grpSpPr>
+      <p:sp>
+        <p:nvSpPr>
+          <p:cNvPr id="2" name="Title 1">
+            <a:extLst>
+              <a:ext uri="{FF2B5EF4-FFF2-40B4-BE49-F238E27FC236}">
+                <a16:creationId xmlns:a16="http://schemas.microsoft.com/office/drawing/2014/main" id="{DD144102-7E32-40F1-A09A-43BFF4A3741A}"/>
+              </a:ext>
+            </a:extLst>
+          </p:cNvPr>
+          <p:cNvSpPr>
+            <a:spLocks noGrp="1"/>
+          </p:cNvSpPr>
+          <p:nvPr>
+            <p:ph type="title" idx="4294967295"/>
+          </p:nvPr>
+        </p:nvSpPr>
+        <p:spPr>
+          <a:xfrm>
+            <a:off x="476251" y="273050"/>
+            <a:ext cx="10970683" cy="923764"/>
+          </a:xfrm>
+        </p:spPr>
+        <p:txBody>
+          <a:bodyPr/>
+          <a:lstStyle/>
+          <a:p>
+            <a:r>
+              <a:rPr lang="ru-RU" dirty="0"/>
+              <a:t>Пример</a:t>
+            </a:r>
+            <a:endParaRPr lang="en-US" dirty="0"/>
+          </a:p>
+        </p:txBody>
+      </p:sp>
+    </p:spTree>
+    <p:extLst>
+      <p:ext uri="{BB962C8B-B14F-4D97-AF65-F5344CB8AC3E}">
+        <p14:creationId xmlns:p14="http://schemas.microsoft.com/office/powerpoint/2010/main" val="960205906"/>
+      </p:ext>
+    </p:extLst>
+  </p:cSld>
+  <p:clrMapOvr>
+    <a:masterClrMapping/>
+  </p:clrMapOvr>
+</p:sld>
+</file>
+
+<file path=ppt/slides/slide13.xml><?xml version="1.0" encoding="utf-8"?>
+<p:sld xmlns:a="http://schemas.openxmlformats.org/drawingml/2006/main" xmlns:r="http://schemas.openxmlformats.org/officeDocument/2006/relationships" xmlns:p="http://schemas.openxmlformats.org/presentationml/2006/main">
+  <p:cSld>
+    <p:spTree>
+      <p:nvGrpSpPr>
+        <p:cNvPr id="1" name=""/>
+        <p:cNvGrpSpPr/>
+        <p:nvPr/>
+      </p:nvGrpSpPr>
+      <p:grpSpPr>
+        <a:xfrm>
+          <a:off x="0" y="0"/>
+          <a:ext cx="0" cy="0"/>
+          <a:chOff x="0" y="0"/>
+          <a:chExt cx="0" cy="0"/>
+        </a:xfrm>
+      </p:grpSpPr>
+      <p:sp>
+        <p:nvSpPr>
+          <p:cNvPr id="2" name="Title 1">
+            <a:extLst>
+              <a:ext uri="{FF2B5EF4-FFF2-40B4-BE49-F238E27FC236}">
+                <a16:creationId xmlns:a16="http://schemas.microsoft.com/office/drawing/2014/main" id="{DD144102-7E32-40F1-A09A-43BFF4A3741A}"/>
+              </a:ext>
+            </a:extLst>
+          </p:cNvPr>
+          <p:cNvSpPr>
+            <a:spLocks noGrp="1"/>
+          </p:cNvSpPr>
+          <p:nvPr>
+            <p:ph type="title" idx="4294967295"/>
+          </p:nvPr>
+        </p:nvSpPr>
+        <p:spPr>
+          <a:xfrm>
+            <a:off x="476251" y="273050"/>
+            <a:ext cx="10970683" cy="923764"/>
+          </a:xfrm>
+        </p:spPr>
+        <p:txBody>
+          <a:bodyPr/>
+          <a:lstStyle/>
+          <a:p>
+            <a:r>
+              <a:rPr lang="ru-RU" dirty="0"/>
+              <a:t>Как убедится что </a:t>
+            </a:r>
+            <a:r>
+              <a:rPr lang="en-US" dirty="0"/>
+              <a:t>MVC </a:t>
+            </a:r>
+            <a:r>
+              <a:rPr lang="ru-RU" dirty="0"/>
+              <a:t>реализован верно?</a:t>
+            </a:r>
+            <a:endParaRPr lang="en-US" dirty="0"/>
+          </a:p>
+        </p:txBody>
+      </p:sp>
+    </p:spTree>
+    <p:extLst>
+      <p:ext uri="{BB962C8B-B14F-4D97-AF65-F5344CB8AC3E}">
+        <p14:creationId xmlns:p14="http://schemas.microsoft.com/office/powerpoint/2010/main" val="794208253"/>
+      </p:ext>
+    </p:extLst>
+  </p:cSld>
+  <p:clrMapOvr>
+    <a:masterClrMapping/>
+  </p:clrMapOvr>
+</p:sld>
+</file>
+
 <file path=ppt/slides/slide2.xml><?xml version="1.0" encoding="utf-8"?>
 <p:sld xmlns:a="http://schemas.openxmlformats.org/drawingml/2006/main" xmlns:r="http://schemas.openxmlformats.org/officeDocument/2006/relationships" xmlns:p="http://schemas.openxmlformats.org/presentationml/2006/main">
   <p:cSld>
@@ -7797,7 +7732,7 @@
           <a:p>
             <a:r>
               <a:rPr lang="ru-RU" dirty="0"/>
-              <a:t>Что такое ООП?</a:t>
+              <a:t>Что означает ООП?</a:t>
             </a:r>
             <a:endParaRPr lang="en-US" dirty="0"/>
           </a:p>
@@ -7897,7 +7832,7 @@
           <a:p>
             <a:r>
               <a:rPr lang="ru-RU" dirty="0"/>
-              <a:t>Что такое ООП?</a:t>
+              <a:t>Что означает ООП?</a:t>
             </a:r>
             <a:endParaRPr lang="en-US" dirty="0"/>
           </a:p>

--- a/Паттерн MVC.pptx
+++ b/Паттерн MVC.pptx
@@ -7310,7 +7310,7 @@
           <a:lstStyle/>
           <a:p>
             <a:r>
-              <a:rPr lang="en-US" dirty="0"/>
+              <a:rPr lang="en-US" sz="8800" dirty="0"/>
               <a:t>MVC</a:t>
             </a:r>
           </a:p>
@@ -7338,10 +7338,10 @@
           <a:lstStyle/>
           <a:p>
             <a:r>
-              <a:rPr lang="ru-RU" dirty="0"/>
+              <a:rPr lang="ru-RU" sz="4400" dirty="0"/>
               <a:t>Проектирование интерфейсов</a:t>
             </a:r>
-            <a:endParaRPr lang="en-US" dirty="0"/>
+            <a:endParaRPr lang="en-US" sz="4400" dirty="0"/>
           </a:p>
         </p:txBody>
       </p:sp>
@@ -7397,26 +7397,26 @@
           <a:lstStyle/>
           <a:p>
             <a:r>
-              <a:rPr lang="ru-RU" dirty="0"/>
+              <a:rPr lang="ru-RU" sz="2400" dirty="0"/>
               <a:t>Разделяя код на отдельные составляющие</a:t>
             </a:r>
             <a:r>
-              <a:rPr lang="en-US" dirty="0"/>
+              <a:rPr lang="en-US" sz="2400" dirty="0"/>
               <a:t>,</a:t>
             </a:r>
             <a:r>
-              <a:rPr lang="ru-RU" dirty="0"/>
+              <a:rPr lang="ru-RU" sz="2400" dirty="0"/>
               <a:t> позволяет разрабатывать бизнес-логику и </a:t>
             </a:r>
             <a:r>
-              <a:rPr lang="en-US" dirty="0"/>
+              <a:rPr lang="en-US" sz="2400" dirty="0"/>
               <a:t>UI </a:t>
             </a:r>
             <a:r>
-              <a:rPr lang="ru-RU" dirty="0"/>
+              <a:rPr lang="ru-RU" sz="2400" dirty="0"/>
               <a:t>представление отдельно</a:t>
             </a:r>
-            <a:endParaRPr lang="en-US" dirty="0"/>
+            <a:endParaRPr lang="en-US" sz="2400" dirty="0"/>
           </a:p>
         </p:txBody>
       </p:sp>
@@ -7442,11 +7442,11 @@
           <a:lstStyle/>
           <a:p>
             <a:r>
-              <a:rPr lang="ru-RU" dirty="0"/>
+              <a:rPr lang="ru-RU" sz="4400" dirty="0"/>
               <a:t>Какие проблемы решает </a:t>
             </a:r>
             <a:r>
-              <a:rPr lang="en-US" dirty="0"/>
+              <a:rPr lang="en-US" sz="4400" dirty="0"/>
               <a:t>MVC?</a:t>
             </a:r>
           </a:p>
@@ -7504,10 +7504,10 @@
           <a:lstStyle/>
           <a:p>
             <a:r>
-              <a:rPr lang="ru-RU" dirty="0"/>
+              <a:rPr lang="ru-RU" sz="2400" dirty="0"/>
               <a:t>Снижает связность кода, что облегает внесение изменений и новых фунциональностей </a:t>
             </a:r>
-            <a:endParaRPr lang="en-US" dirty="0"/>
+            <a:endParaRPr lang="en-US" sz="2400" dirty="0"/>
           </a:p>
         </p:txBody>
       </p:sp>
@@ -7533,11 +7533,11 @@
           <a:lstStyle/>
           <a:p>
             <a:r>
-              <a:rPr lang="ru-RU" dirty="0"/>
+              <a:rPr lang="ru-RU" sz="4400" dirty="0"/>
               <a:t>Какие проблемы решает </a:t>
             </a:r>
             <a:r>
-              <a:rPr lang="en-US" dirty="0"/>
+              <a:rPr lang="en-US" sz="4400" dirty="0"/>
               <a:t>MVC?</a:t>
             </a:r>
           </a:p>
@@ -7600,10 +7600,10 @@
           <a:lstStyle/>
           <a:p>
             <a:r>
-              <a:rPr lang="ru-RU" dirty="0"/>
+              <a:rPr lang="ru-RU" sz="4400" dirty="0"/>
               <a:t>Пример</a:t>
             </a:r>
-            <a:endParaRPr lang="en-US" dirty="0"/>
+            <a:endParaRPr lang="en-US" sz="4400" dirty="0"/>
           </a:p>
         </p:txBody>
       </p:sp>
@@ -7664,18 +7664,24 @@
           <a:lstStyle/>
           <a:p>
             <a:r>
-              <a:rPr lang="ru-RU" dirty="0"/>
+              <a:rPr lang="ru-RU" sz="4400" dirty="0"/>
               <a:t>Как убедится что </a:t>
             </a:r>
             <a:r>
-              <a:rPr lang="en-US" dirty="0"/>
+              <a:rPr lang="en-US" sz="4400" dirty="0"/>
               <a:t>MVC </a:t>
             </a:r>
-            <a:r>
-              <a:rPr lang="ru-RU" dirty="0"/>
-              <a:t>реализован верно?</a:t>
-            </a:r>
-            <a:endParaRPr lang="en-US" dirty="0"/>
+            <a:br>
+              <a:rPr lang="en-US" sz="4400" dirty="0"/>
+            </a:br>
+            <a:r>
+              <a:rPr lang="ru-RU" sz="4400" dirty="0"/>
+              <a:t>реализован верно</a:t>
+            </a:r>
+            <a:r>
+              <a:rPr lang="en-US" sz="4400" dirty="0"/>
+              <a:t>?</a:t>
+            </a:r>
           </a:p>
         </p:txBody>
       </p:sp>
@@ -7731,10 +7737,10 @@
           <a:lstStyle/>
           <a:p>
             <a:r>
-              <a:rPr lang="ru-RU" dirty="0"/>
+              <a:rPr lang="ru-RU" sz="4400" dirty="0"/>
               <a:t>Что означает ООП?</a:t>
             </a:r>
-            <a:endParaRPr lang="en-US" dirty="0"/>
+            <a:endParaRPr lang="en-US" sz="4400" dirty="0"/>
           </a:p>
         </p:txBody>
       </p:sp>
@@ -7790,22 +7796,22 @@
           <a:lstStyle/>
           <a:p>
             <a:r>
-              <a:rPr lang="ru-RU" dirty="0"/>
+              <a:rPr lang="ru-RU" sz="2400" dirty="0"/>
               <a:t>Наследование</a:t>
             </a:r>
           </a:p>
           <a:p>
             <a:r>
-              <a:rPr lang="ru-RU" dirty="0"/>
+              <a:rPr lang="ru-RU" sz="2400" dirty="0"/>
               <a:t>Инкапсуляция</a:t>
             </a:r>
           </a:p>
           <a:p>
             <a:r>
-              <a:rPr lang="ru-RU" dirty="0"/>
+              <a:rPr lang="ru-RU" sz="2400" dirty="0"/>
               <a:t>Полиморфизм</a:t>
             </a:r>
-            <a:endParaRPr lang="en-US" dirty="0"/>
+            <a:endParaRPr lang="en-US" sz="2400" dirty="0"/>
           </a:p>
         </p:txBody>
       </p:sp>
@@ -7831,10 +7837,10 @@
           <a:lstStyle/>
           <a:p>
             <a:r>
-              <a:rPr lang="ru-RU" dirty="0"/>
+              <a:rPr lang="ru-RU" sz="4400" dirty="0"/>
               <a:t>Что означает ООП?</a:t>
             </a:r>
-            <a:endParaRPr lang="en-US" dirty="0"/>
+            <a:endParaRPr lang="en-US" sz="4400" dirty="0"/>
           </a:p>
         </p:txBody>
       </p:sp>
@@ -7890,10 +7896,10 @@
           <a:lstStyle/>
           <a:p>
             <a:r>
-              <a:rPr lang="ru-RU" dirty="0"/>
+              <a:rPr lang="ru-RU" sz="4400" dirty="0"/>
               <a:t>Зачем? Для чего?</a:t>
             </a:r>
-            <a:endParaRPr lang="en-US" dirty="0"/>
+            <a:endParaRPr lang="en-US" sz="4400" dirty="0"/>
           </a:p>
         </p:txBody>
       </p:sp>
@@ -7949,16 +7955,16 @@
           <a:lstStyle/>
           <a:p>
             <a:r>
-              <a:rPr lang="ru-RU" dirty="0"/>
+              <a:rPr lang="ru-RU" sz="2400" dirty="0"/>
               <a:t>Борьба со сложностью</a:t>
             </a:r>
           </a:p>
           <a:p>
             <a:r>
-              <a:rPr lang="ru-RU" dirty="0"/>
+              <a:rPr lang="ru-RU" sz="2400" dirty="0"/>
               <a:t>Ответ на будущие изменения</a:t>
             </a:r>
-            <a:endParaRPr lang="en-US" dirty="0"/>
+            <a:endParaRPr lang="en-US" sz="2400" dirty="0"/>
           </a:p>
         </p:txBody>
       </p:sp>
@@ -7984,10 +7990,10 @@
           <a:lstStyle/>
           <a:p>
             <a:r>
-              <a:rPr lang="ru-RU" dirty="0"/>
+              <a:rPr lang="ru-RU" sz="4400" dirty="0"/>
               <a:t>Зачем? Для чего?</a:t>
             </a:r>
-            <a:endParaRPr lang="en-US" dirty="0"/>
+            <a:endParaRPr lang="en-US" sz="4400" dirty="0"/>
           </a:p>
         </p:txBody>
       </p:sp>
@@ -8043,10 +8049,10 @@
           <a:lstStyle/>
           <a:p>
             <a:r>
-              <a:rPr lang="ru-RU" dirty="0"/>
+              <a:rPr lang="ru-RU" sz="4400" dirty="0"/>
               <a:t>Что такое паттерн?</a:t>
             </a:r>
-            <a:endParaRPr lang="en-US" dirty="0"/>
+            <a:endParaRPr lang="en-US" sz="4400" dirty="0"/>
           </a:p>
         </p:txBody>
       </p:sp>
@@ -8102,10 +8108,10 @@
           <a:lstStyle/>
           <a:p>
             <a:r>
-              <a:rPr lang="ru-RU" dirty="0"/>
+              <a:rPr lang="ru-RU" sz="2400" dirty="0"/>
               <a:t>Паттерн -  повторяемая архитектурная конструкция, представляющая собой решение проблемы проектирования в рамках некоторого часто возникающего контекста.</a:t>
             </a:r>
-            <a:endParaRPr lang="en-US" dirty="0"/>
+            <a:endParaRPr lang="en-US" sz="2400" dirty="0"/>
           </a:p>
         </p:txBody>
       </p:sp>
@@ -8131,10 +8137,10 @@
           <a:lstStyle/>
           <a:p>
             <a:r>
-              <a:rPr lang="ru-RU" dirty="0"/>
+              <a:rPr lang="ru-RU" sz="4400" dirty="0"/>
               <a:t>Что такое паттерн?</a:t>
             </a:r>
-            <a:endParaRPr lang="en-US" dirty="0"/>
+            <a:endParaRPr lang="en-US" sz="4400" dirty="0"/>
           </a:p>
         </p:txBody>
       </p:sp>
@@ -8190,11 +8196,11 @@
           <a:lstStyle/>
           <a:p>
             <a:r>
-              <a:rPr lang="ru-RU" dirty="0"/>
+              <a:rPr lang="ru-RU" sz="4400" dirty="0"/>
               <a:t>Паттерн </a:t>
             </a:r>
             <a:r>
-              <a:rPr lang="en-US" dirty="0"/>
+              <a:rPr lang="en-US" sz="4400" dirty="0"/>
               <a:t>MVC</a:t>
             </a:r>
           </a:p>
@@ -8681,11 +8687,11 @@
           <a:lstStyle/>
           <a:p>
             <a:r>
-              <a:rPr lang="ru-RU" dirty="0"/>
+              <a:rPr lang="ru-RU" sz="4400" dirty="0"/>
               <a:t>Какие проблемы решает </a:t>
             </a:r>
             <a:r>
-              <a:rPr lang="en-US" dirty="0"/>
+              <a:rPr lang="en-US" sz="4400" dirty="0"/>
               <a:t>MVC?</a:t>
             </a:r>
           </a:p>

--- a/Паттерн MVC.pptx
+++ b/Паттерн MVC.pptx
@@ -6,20 +6,25 @@
     <p:sldMasterId id="2147483665" r:id="rId2"/>
     <p:sldMasterId id="2147483676" r:id="rId3"/>
   </p:sldMasterIdLst>
+  <p:notesMasterIdLst>
+    <p:notesMasterId r:id="rId19"/>
+  </p:notesMasterIdLst>
   <p:sldIdLst>
     <p:sldId id="256" r:id="rId4"/>
     <p:sldId id="257" r:id="rId5"/>
-    <p:sldId id="258" r:id="rId6"/>
+    <p:sldId id="270" r:id="rId6"/>
     <p:sldId id="259" r:id="rId7"/>
     <p:sldId id="260" r:id="rId8"/>
-    <p:sldId id="261" r:id="rId9"/>
-    <p:sldId id="262" r:id="rId10"/>
-    <p:sldId id="266" r:id="rId11"/>
-    <p:sldId id="263" r:id="rId12"/>
+    <p:sldId id="269" r:id="rId9"/>
+    <p:sldId id="261" r:id="rId10"/>
+    <p:sldId id="262" r:id="rId11"/>
+    <p:sldId id="266" r:id="rId12"/>
     <p:sldId id="264" r:id="rId13"/>
     <p:sldId id="265" r:id="rId14"/>
-    <p:sldId id="267" r:id="rId15"/>
-    <p:sldId id="268" r:id="rId16"/>
+    <p:sldId id="271" r:id="rId15"/>
+    <p:sldId id="267" r:id="rId16"/>
+    <p:sldId id="268" r:id="rId17"/>
+    <p:sldId id="272" r:id="rId18"/>
   </p:sldIdLst>
   <p:sldSz cx="12192000" cy="6858000"/>
   <p:notesSz cx="6858000" cy="9144000"/>
@@ -148,6 +153,11 @@
       </a:defRPr>
     </a:lvl9pPr>
   </p:defaultTextStyle>
+  <p:extLst>
+    <p:ext uri="{EFAFB233-063F-42B5-8137-9DF3F51BA10A}">
+      <p15:sldGuideLst xmlns:p15="http://schemas.microsoft.com/office/powerpoint/2012/main"/>
+    </p:ext>
+  </p:extLst>
 </p:presentation>
 </file>
 
@@ -161,6 +171,967 @@
     </p:extLst>
   </p:cmAuthor>
 </p:cmAuthorLst>
+</file>
+
+<file path=ppt/notesMasters/notesMaster1.xml><?xml version="1.0" encoding="utf-8"?>
+<p:notesMaster xmlns:a="http://schemas.openxmlformats.org/drawingml/2006/main" xmlns:r="http://schemas.openxmlformats.org/officeDocument/2006/relationships" xmlns:p="http://schemas.openxmlformats.org/presentationml/2006/main">
+  <p:cSld>
+    <p:bg>
+      <p:bgRef idx="1001">
+        <a:schemeClr val="bg1"/>
+      </p:bgRef>
+    </p:bg>
+    <p:spTree>
+      <p:nvGrpSpPr>
+        <p:cNvPr id="1" name=""/>
+        <p:cNvGrpSpPr/>
+        <p:nvPr/>
+      </p:nvGrpSpPr>
+      <p:grpSpPr>
+        <a:xfrm>
+          <a:off x="0" y="0"/>
+          <a:ext cx="0" cy="0"/>
+          <a:chOff x="0" y="0"/>
+          <a:chExt cx="0" cy="0"/>
+        </a:xfrm>
+      </p:grpSpPr>
+      <p:sp>
+        <p:nvSpPr>
+          <p:cNvPr id="2" name="Header Placeholder 1"/>
+          <p:cNvSpPr>
+            <a:spLocks noGrp="1"/>
+          </p:cNvSpPr>
+          <p:nvPr>
+            <p:ph type="hdr" sz="quarter"/>
+          </p:nvPr>
+        </p:nvSpPr>
+        <p:spPr>
+          <a:xfrm>
+            <a:off x="0" y="0"/>
+            <a:ext cx="2971800" cy="458788"/>
+          </a:xfrm>
+          <a:prstGeom prst="rect">
+            <a:avLst/>
+          </a:prstGeom>
+        </p:spPr>
+        <p:txBody>
+          <a:bodyPr vert="horz" lIns="91440" tIns="45720" rIns="91440" bIns="45720" rtlCol="0"/>
+          <a:lstStyle>
+            <a:lvl1pPr algn="l">
+              <a:defRPr sz="1200"/>
+            </a:lvl1pPr>
+          </a:lstStyle>
+          <a:p>
+            <a:endParaRPr lang="en-US"/>
+          </a:p>
+        </p:txBody>
+      </p:sp>
+      <p:sp>
+        <p:nvSpPr>
+          <p:cNvPr id="3" name="Date Placeholder 2"/>
+          <p:cNvSpPr>
+            <a:spLocks noGrp="1"/>
+          </p:cNvSpPr>
+          <p:nvPr>
+            <p:ph type="dt" idx="1"/>
+          </p:nvPr>
+        </p:nvSpPr>
+        <p:spPr>
+          <a:xfrm>
+            <a:off x="3884613" y="0"/>
+            <a:ext cx="2971800" cy="458788"/>
+          </a:xfrm>
+          <a:prstGeom prst="rect">
+            <a:avLst/>
+          </a:prstGeom>
+        </p:spPr>
+        <p:txBody>
+          <a:bodyPr vert="horz" lIns="91440" tIns="45720" rIns="91440" bIns="45720" rtlCol="0"/>
+          <a:lstStyle>
+            <a:lvl1pPr algn="r">
+              <a:defRPr sz="1200"/>
+            </a:lvl1pPr>
+          </a:lstStyle>
+          <a:p>
+            <a:fld id="{A08AE0FB-D782-4B9B-9888-8825F771E691}" type="datetimeFigureOut">
+              <a:rPr lang="en-US" smtClean="0"/>
+              <a:t>2/21/2019</a:t>
+            </a:fld>
+            <a:endParaRPr lang="en-US"/>
+          </a:p>
+        </p:txBody>
+      </p:sp>
+      <p:sp>
+        <p:nvSpPr>
+          <p:cNvPr id="4" name="Slide Image Placeholder 3"/>
+          <p:cNvSpPr>
+            <a:spLocks noGrp="1" noRot="1" noChangeAspect="1"/>
+          </p:cNvSpPr>
+          <p:nvPr>
+            <p:ph type="sldImg" idx="2"/>
+          </p:nvPr>
+        </p:nvSpPr>
+        <p:spPr>
+          <a:xfrm>
+            <a:off x="685800" y="1143000"/>
+            <a:ext cx="5486400" cy="3086100"/>
+          </a:xfrm>
+          <a:prstGeom prst="rect">
+            <a:avLst/>
+          </a:prstGeom>
+          <a:noFill/>
+          <a:ln w="12700">
+            <a:solidFill>
+              <a:prstClr val="black"/>
+            </a:solidFill>
+          </a:ln>
+        </p:spPr>
+        <p:txBody>
+          <a:bodyPr vert="horz" lIns="91440" tIns="45720" rIns="91440" bIns="45720" rtlCol="0" anchor="ctr"/>
+          <a:lstStyle/>
+          <a:p>
+            <a:endParaRPr lang="en-US"/>
+          </a:p>
+        </p:txBody>
+      </p:sp>
+      <p:sp>
+        <p:nvSpPr>
+          <p:cNvPr id="5" name="Notes Placeholder 4"/>
+          <p:cNvSpPr>
+            <a:spLocks noGrp="1"/>
+          </p:cNvSpPr>
+          <p:nvPr>
+            <p:ph type="body" sz="quarter" idx="3"/>
+          </p:nvPr>
+        </p:nvSpPr>
+        <p:spPr>
+          <a:xfrm>
+            <a:off x="685800" y="4400550"/>
+            <a:ext cx="5486400" cy="3600450"/>
+          </a:xfrm>
+          <a:prstGeom prst="rect">
+            <a:avLst/>
+          </a:prstGeom>
+        </p:spPr>
+        <p:txBody>
+          <a:bodyPr vert="horz" lIns="91440" tIns="45720" rIns="91440" bIns="45720" rtlCol="0"/>
+          <a:lstStyle/>
+          <a:p>
+            <a:pPr lvl="0"/>
+            <a:r>
+              <a:rPr lang="en-US"/>
+              <a:t>Edit Master text styles</a:t>
+            </a:r>
+          </a:p>
+          <a:p>
+            <a:pPr lvl="1"/>
+            <a:r>
+              <a:rPr lang="en-US"/>
+              <a:t>Second level</a:t>
+            </a:r>
+          </a:p>
+          <a:p>
+            <a:pPr lvl="2"/>
+            <a:r>
+              <a:rPr lang="en-US"/>
+              <a:t>Third level</a:t>
+            </a:r>
+          </a:p>
+          <a:p>
+            <a:pPr lvl="3"/>
+            <a:r>
+              <a:rPr lang="en-US"/>
+              <a:t>Fourth level</a:t>
+            </a:r>
+          </a:p>
+          <a:p>
+            <a:pPr lvl="4"/>
+            <a:r>
+              <a:rPr lang="en-US"/>
+              <a:t>Fifth level</a:t>
+            </a:r>
+          </a:p>
+        </p:txBody>
+      </p:sp>
+      <p:sp>
+        <p:nvSpPr>
+          <p:cNvPr id="6" name="Footer Placeholder 5"/>
+          <p:cNvSpPr>
+            <a:spLocks noGrp="1"/>
+          </p:cNvSpPr>
+          <p:nvPr>
+            <p:ph type="ftr" sz="quarter" idx="4"/>
+          </p:nvPr>
+        </p:nvSpPr>
+        <p:spPr>
+          <a:xfrm>
+            <a:off x="0" y="8685213"/>
+            <a:ext cx="2971800" cy="458787"/>
+          </a:xfrm>
+          <a:prstGeom prst="rect">
+            <a:avLst/>
+          </a:prstGeom>
+        </p:spPr>
+        <p:txBody>
+          <a:bodyPr vert="horz" lIns="91440" tIns="45720" rIns="91440" bIns="45720" rtlCol="0" anchor="b"/>
+          <a:lstStyle>
+            <a:lvl1pPr algn="l">
+              <a:defRPr sz="1200"/>
+            </a:lvl1pPr>
+          </a:lstStyle>
+          <a:p>
+            <a:endParaRPr lang="en-US"/>
+          </a:p>
+        </p:txBody>
+      </p:sp>
+      <p:sp>
+        <p:nvSpPr>
+          <p:cNvPr id="7" name="Slide Number Placeholder 6"/>
+          <p:cNvSpPr>
+            <a:spLocks noGrp="1"/>
+          </p:cNvSpPr>
+          <p:nvPr>
+            <p:ph type="sldNum" sz="quarter" idx="5"/>
+          </p:nvPr>
+        </p:nvSpPr>
+        <p:spPr>
+          <a:xfrm>
+            <a:off x="3884613" y="8685213"/>
+            <a:ext cx="2971800" cy="458787"/>
+          </a:xfrm>
+          <a:prstGeom prst="rect">
+            <a:avLst/>
+          </a:prstGeom>
+        </p:spPr>
+        <p:txBody>
+          <a:bodyPr vert="horz" lIns="91440" tIns="45720" rIns="91440" bIns="45720" rtlCol="0" anchor="b"/>
+          <a:lstStyle>
+            <a:lvl1pPr algn="r">
+              <a:defRPr sz="1200"/>
+            </a:lvl1pPr>
+          </a:lstStyle>
+          <a:p>
+            <a:fld id="{13EFAFE1-556C-4699-B5AC-21C248603E02}" type="slidenum">
+              <a:rPr lang="en-US" smtClean="0"/>
+              <a:t>‹#›</a:t>
+            </a:fld>
+            <a:endParaRPr lang="en-US"/>
+          </a:p>
+        </p:txBody>
+      </p:sp>
+    </p:spTree>
+    <p:extLst>
+      <p:ext uri="{BB962C8B-B14F-4D97-AF65-F5344CB8AC3E}">
+        <p14:creationId xmlns:p14="http://schemas.microsoft.com/office/powerpoint/2010/main" val="743998119"/>
+      </p:ext>
+    </p:extLst>
+  </p:cSld>
+  <p:clrMap bg1="lt1" tx1="dk1" bg2="lt2" tx2="dk2" accent1="accent1" accent2="accent2" accent3="accent3" accent4="accent4" accent5="accent5" accent6="accent6" hlink="hlink" folHlink="folHlink"/>
+  <p:notesStyle>
+    <a:lvl1pPr marL="0" algn="l" defTabSz="914400" rtl="0" eaLnBrk="1" latinLnBrk="0" hangingPunct="1">
+      <a:defRPr sz="1200" kern="1200">
+        <a:solidFill>
+          <a:schemeClr val="tx1"/>
+        </a:solidFill>
+        <a:latin typeface="+mn-lt"/>
+        <a:ea typeface="+mn-ea"/>
+        <a:cs typeface="+mn-cs"/>
+      </a:defRPr>
+    </a:lvl1pPr>
+    <a:lvl2pPr marL="457200" algn="l" defTabSz="914400" rtl="0" eaLnBrk="1" latinLnBrk="0" hangingPunct="1">
+      <a:defRPr sz="1200" kern="1200">
+        <a:solidFill>
+          <a:schemeClr val="tx1"/>
+        </a:solidFill>
+        <a:latin typeface="+mn-lt"/>
+        <a:ea typeface="+mn-ea"/>
+        <a:cs typeface="+mn-cs"/>
+      </a:defRPr>
+    </a:lvl2pPr>
+    <a:lvl3pPr marL="914400" algn="l" defTabSz="914400" rtl="0" eaLnBrk="1" latinLnBrk="0" hangingPunct="1">
+      <a:defRPr sz="1200" kern="1200">
+        <a:solidFill>
+          <a:schemeClr val="tx1"/>
+        </a:solidFill>
+        <a:latin typeface="+mn-lt"/>
+        <a:ea typeface="+mn-ea"/>
+        <a:cs typeface="+mn-cs"/>
+      </a:defRPr>
+    </a:lvl3pPr>
+    <a:lvl4pPr marL="1371600" algn="l" defTabSz="914400" rtl="0" eaLnBrk="1" latinLnBrk="0" hangingPunct="1">
+      <a:defRPr sz="1200" kern="1200">
+        <a:solidFill>
+          <a:schemeClr val="tx1"/>
+        </a:solidFill>
+        <a:latin typeface="+mn-lt"/>
+        <a:ea typeface="+mn-ea"/>
+        <a:cs typeface="+mn-cs"/>
+      </a:defRPr>
+    </a:lvl4pPr>
+    <a:lvl5pPr marL="1828800" algn="l" defTabSz="914400" rtl="0" eaLnBrk="1" latinLnBrk="0" hangingPunct="1">
+      <a:defRPr sz="1200" kern="1200">
+        <a:solidFill>
+          <a:schemeClr val="tx1"/>
+        </a:solidFill>
+        <a:latin typeface="+mn-lt"/>
+        <a:ea typeface="+mn-ea"/>
+        <a:cs typeface="+mn-cs"/>
+      </a:defRPr>
+    </a:lvl5pPr>
+    <a:lvl6pPr marL="2286000" algn="l" defTabSz="914400" rtl="0" eaLnBrk="1" latinLnBrk="0" hangingPunct="1">
+      <a:defRPr sz="1200" kern="1200">
+        <a:solidFill>
+          <a:schemeClr val="tx1"/>
+        </a:solidFill>
+        <a:latin typeface="+mn-lt"/>
+        <a:ea typeface="+mn-ea"/>
+        <a:cs typeface="+mn-cs"/>
+      </a:defRPr>
+    </a:lvl6pPr>
+    <a:lvl7pPr marL="2743200" algn="l" defTabSz="914400" rtl="0" eaLnBrk="1" latinLnBrk="0" hangingPunct="1">
+      <a:defRPr sz="1200" kern="1200">
+        <a:solidFill>
+          <a:schemeClr val="tx1"/>
+        </a:solidFill>
+        <a:latin typeface="+mn-lt"/>
+        <a:ea typeface="+mn-ea"/>
+        <a:cs typeface="+mn-cs"/>
+      </a:defRPr>
+    </a:lvl7pPr>
+    <a:lvl8pPr marL="3200400" algn="l" defTabSz="914400" rtl="0" eaLnBrk="1" latinLnBrk="0" hangingPunct="1">
+      <a:defRPr sz="1200" kern="1200">
+        <a:solidFill>
+          <a:schemeClr val="tx1"/>
+        </a:solidFill>
+        <a:latin typeface="+mn-lt"/>
+        <a:ea typeface="+mn-ea"/>
+        <a:cs typeface="+mn-cs"/>
+      </a:defRPr>
+    </a:lvl8pPr>
+    <a:lvl9pPr marL="3657600" algn="l" defTabSz="914400" rtl="0" eaLnBrk="1" latinLnBrk="0" hangingPunct="1">
+      <a:defRPr sz="1200" kern="1200">
+        <a:solidFill>
+          <a:schemeClr val="tx1"/>
+        </a:solidFill>
+        <a:latin typeface="+mn-lt"/>
+        <a:ea typeface="+mn-ea"/>
+        <a:cs typeface="+mn-cs"/>
+      </a:defRPr>
+    </a:lvl9pPr>
+  </p:notesStyle>
+</p:notesMaster>
+</file>
+
+<file path=ppt/notesSlides/notesSlide1.xml><?xml version="1.0" encoding="utf-8"?>
+<p:notes xmlns:a="http://schemas.openxmlformats.org/drawingml/2006/main" xmlns:r="http://schemas.openxmlformats.org/officeDocument/2006/relationships" xmlns:p="http://schemas.openxmlformats.org/presentationml/2006/main">
+  <p:cSld>
+    <p:spTree>
+      <p:nvGrpSpPr>
+        <p:cNvPr id="1" name=""/>
+        <p:cNvGrpSpPr/>
+        <p:nvPr/>
+      </p:nvGrpSpPr>
+      <p:grpSpPr>
+        <a:xfrm>
+          <a:off x="0" y="0"/>
+          <a:ext cx="0" cy="0"/>
+          <a:chOff x="0" y="0"/>
+          <a:chExt cx="0" cy="0"/>
+        </a:xfrm>
+      </p:grpSpPr>
+      <p:sp>
+        <p:nvSpPr>
+          <p:cNvPr id="2" name="Slide Image Placeholder 1"/>
+          <p:cNvSpPr>
+            <a:spLocks noGrp="1" noRot="1" noChangeAspect="1"/>
+          </p:cNvSpPr>
+          <p:nvPr>
+            <p:ph type="sldImg"/>
+          </p:nvPr>
+        </p:nvSpPr>
+        <p:spPr/>
+      </p:sp>
+      <p:sp>
+        <p:nvSpPr>
+          <p:cNvPr id="3" name="Notes Placeholder 2"/>
+          <p:cNvSpPr>
+            <a:spLocks noGrp="1"/>
+          </p:cNvSpPr>
+          <p:nvPr>
+            <p:ph type="body" idx="1"/>
+          </p:nvPr>
+        </p:nvSpPr>
+        <p:spPr/>
+        <p:txBody>
+          <a:bodyPr/>
+          <a:lstStyle/>
+          <a:p>
+            <a:r>
+              <a:rPr lang="ru-RU" dirty="0"/>
+              <a:t>Вначале давайте поговорим о том чем по сути является ООП</a:t>
+            </a:r>
+            <a:endParaRPr lang="en-US" dirty="0"/>
+          </a:p>
+        </p:txBody>
+      </p:sp>
+      <p:sp>
+        <p:nvSpPr>
+          <p:cNvPr id="4" name="Slide Number Placeholder 3"/>
+          <p:cNvSpPr>
+            <a:spLocks noGrp="1"/>
+          </p:cNvSpPr>
+          <p:nvPr>
+            <p:ph type="sldNum" sz="quarter" idx="5"/>
+          </p:nvPr>
+        </p:nvSpPr>
+        <p:spPr/>
+        <p:txBody>
+          <a:bodyPr/>
+          <a:lstStyle/>
+          <a:p>
+            <a:fld id="{13EFAFE1-556C-4699-B5AC-21C248603E02}" type="slidenum">
+              <a:rPr lang="en-US" smtClean="0"/>
+              <a:t>2</a:t>
+            </a:fld>
+            <a:endParaRPr lang="en-US"/>
+          </a:p>
+        </p:txBody>
+      </p:sp>
+    </p:spTree>
+    <p:extLst>
+      <p:ext uri="{BB962C8B-B14F-4D97-AF65-F5344CB8AC3E}">
+        <p14:creationId xmlns:p14="http://schemas.microsoft.com/office/powerpoint/2010/main" val="3999839452"/>
+      </p:ext>
+    </p:extLst>
+  </p:cSld>
+  <p:clrMapOvr>
+    <a:masterClrMapping/>
+  </p:clrMapOvr>
+</p:notes>
+</file>
+
+<file path=ppt/notesSlides/notesSlide2.xml><?xml version="1.0" encoding="utf-8"?>
+<p:notes xmlns:a="http://schemas.openxmlformats.org/drawingml/2006/main" xmlns:r="http://schemas.openxmlformats.org/officeDocument/2006/relationships" xmlns:p="http://schemas.openxmlformats.org/presentationml/2006/main">
+  <p:cSld>
+    <p:spTree>
+      <p:nvGrpSpPr>
+        <p:cNvPr id="1" name=""/>
+        <p:cNvGrpSpPr/>
+        <p:nvPr/>
+      </p:nvGrpSpPr>
+      <p:grpSpPr>
+        <a:xfrm>
+          <a:off x="0" y="0"/>
+          <a:ext cx="0" cy="0"/>
+          <a:chOff x="0" y="0"/>
+          <a:chExt cx="0" cy="0"/>
+        </a:xfrm>
+      </p:grpSpPr>
+      <p:sp>
+        <p:nvSpPr>
+          <p:cNvPr id="2" name="Slide Image Placeholder 1"/>
+          <p:cNvSpPr>
+            <a:spLocks noGrp="1" noRot="1" noChangeAspect="1"/>
+          </p:cNvSpPr>
+          <p:nvPr>
+            <p:ph type="sldImg"/>
+          </p:nvPr>
+        </p:nvSpPr>
+        <p:spPr/>
+      </p:sp>
+      <p:sp>
+        <p:nvSpPr>
+          <p:cNvPr id="3" name="Notes Placeholder 2"/>
+          <p:cNvSpPr>
+            <a:spLocks noGrp="1"/>
+          </p:cNvSpPr>
+          <p:nvPr>
+            <p:ph type="body" idx="1"/>
+          </p:nvPr>
+        </p:nvSpPr>
+        <p:spPr/>
+        <p:txBody>
+          <a:bodyPr/>
+          <a:lstStyle/>
+          <a:p>
+            <a:r>
+              <a:rPr lang="ru-RU" dirty="0"/>
+              <a:t>Главное чего мы хотим этим добится – организовать код таким образом чтобы с ним было удобно работать</a:t>
+            </a:r>
+            <a:endParaRPr lang="en-US" dirty="0"/>
+          </a:p>
+        </p:txBody>
+      </p:sp>
+      <p:sp>
+        <p:nvSpPr>
+          <p:cNvPr id="4" name="Slide Number Placeholder 3"/>
+          <p:cNvSpPr>
+            <a:spLocks noGrp="1"/>
+          </p:cNvSpPr>
+          <p:nvPr>
+            <p:ph type="sldNum" sz="quarter" idx="5"/>
+          </p:nvPr>
+        </p:nvSpPr>
+        <p:spPr/>
+        <p:txBody>
+          <a:bodyPr/>
+          <a:lstStyle/>
+          <a:p>
+            <a:fld id="{13EFAFE1-556C-4699-B5AC-21C248603E02}" type="slidenum">
+              <a:rPr lang="en-US" smtClean="0"/>
+              <a:t>3</a:t>
+            </a:fld>
+            <a:endParaRPr lang="en-US"/>
+          </a:p>
+        </p:txBody>
+      </p:sp>
+    </p:spTree>
+    <p:extLst>
+      <p:ext uri="{BB962C8B-B14F-4D97-AF65-F5344CB8AC3E}">
+        <p14:creationId xmlns:p14="http://schemas.microsoft.com/office/powerpoint/2010/main" val="3285009093"/>
+      </p:ext>
+    </p:extLst>
+  </p:cSld>
+  <p:clrMapOvr>
+    <a:masterClrMapping/>
+  </p:clrMapOvr>
+</p:notes>
+</file>
+
+<file path=ppt/notesSlides/notesSlide3.xml><?xml version="1.0" encoding="utf-8"?>
+<p:notes xmlns:a="http://schemas.openxmlformats.org/drawingml/2006/main" xmlns:r="http://schemas.openxmlformats.org/officeDocument/2006/relationships" xmlns:p="http://schemas.openxmlformats.org/presentationml/2006/main">
+  <p:cSld>
+    <p:spTree>
+      <p:nvGrpSpPr>
+        <p:cNvPr id="1" name=""/>
+        <p:cNvGrpSpPr/>
+        <p:nvPr/>
+      </p:nvGrpSpPr>
+      <p:grpSpPr>
+        <a:xfrm>
+          <a:off x="0" y="0"/>
+          <a:ext cx="0" cy="0"/>
+          <a:chOff x="0" y="0"/>
+          <a:chExt cx="0" cy="0"/>
+        </a:xfrm>
+      </p:grpSpPr>
+      <p:sp>
+        <p:nvSpPr>
+          <p:cNvPr id="2" name="Slide Image Placeholder 1"/>
+          <p:cNvSpPr>
+            <a:spLocks noGrp="1" noRot="1" noChangeAspect="1"/>
+          </p:cNvSpPr>
+          <p:nvPr>
+            <p:ph type="sldImg"/>
+          </p:nvPr>
+        </p:nvSpPr>
+        <p:spPr/>
+      </p:sp>
+      <p:sp>
+        <p:nvSpPr>
+          <p:cNvPr id="3" name="Notes Placeholder 2"/>
+          <p:cNvSpPr>
+            <a:spLocks noGrp="1"/>
+          </p:cNvSpPr>
+          <p:nvPr>
+            <p:ph type="body" idx="1"/>
+          </p:nvPr>
+        </p:nvSpPr>
+        <p:spPr/>
+        <p:txBody>
+          <a:bodyPr/>
+          <a:lstStyle/>
+          <a:p>
+            <a:r>
+              <a:rPr lang="ru-RU" dirty="0"/>
+              <a:t>Для чего это нужно? Какие цели мы при этом преследуем? Как вы думаете?</a:t>
+            </a:r>
+            <a:endParaRPr lang="en-US" dirty="0"/>
+          </a:p>
+        </p:txBody>
+      </p:sp>
+      <p:sp>
+        <p:nvSpPr>
+          <p:cNvPr id="4" name="Slide Number Placeholder 3"/>
+          <p:cNvSpPr>
+            <a:spLocks noGrp="1"/>
+          </p:cNvSpPr>
+          <p:nvPr>
+            <p:ph type="sldNum" sz="quarter" idx="5"/>
+          </p:nvPr>
+        </p:nvSpPr>
+        <p:spPr/>
+        <p:txBody>
+          <a:bodyPr/>
+          <a:lstStyle/>
+          <a:p>
+            <a:fld id="{13EFAFE1-556C-4699-B5AC-21C248603E02}" type="slidenum">
+              <a:rPr lang="en-US" smtClean="0"/>
+              <a:t>4</a:t>
+            </a:fld>
+            <a:endParaRPr lang="en-US"/>
+          </a:p>
+        </p:txBody>
+      </p:sp>
+    </p:spTree>
+    <p:extLst>
+      <p:ext uri="{BB962C8B-B14F-4D97-AF65-F5344CB8AC3E}">
+        <p14:creationId xmlns:p14="http://schemas.microsoft.com/office/powerpoint/2010/main" val="251909843"/>
+      </p:ext>
+    </p:extLst>
+  </p:cSld>
+  <p:clrMapOvr>
+    <a:masterClrMapping/>
+  </p:clrMapOvr>
+</p:notes>
+</file>
+
+<file path=ppt/notesSlides/notesSlide4.xml><?xml version="1.0" encoding="utf-8"?>
+<p:notes xmlns:a="http://schemas.openxmlformats.org/drawingml/2006/main" xmlns:r="http://schemas.openxmlformats.org/officeDocument/2006/relationships" xmlns:p="http://schemas.openxmlformats.org/presentationml/2006/main">
+  <p:cSld>
+    <p:spTree>
+      <p:nvGrpSpPr>
+        <p:cNvPr id="1" name=""/>
+        <p:cNvGrpSpPr/>
+        <p:nvPr/>
+      </p:nvGrpSpPr>
+      <p:grpSpPr>
+        <a:xfrm>
+          <a:off x="0" y="0"/>
+          <a:ext cx="0" cy="0"/>
+          <a:chOff x="0" y="0"/>
+          <a:chExt cx="0" cy="0"/>
+        </a:xfrm>
+      </p:grpSpPr>
+      <p:sp>
+        <p:nvSpPr>
+          <p:cNvPr id="2" name="Slide Image Placeholder 1"/>
+          <p:cNvSpPr>
+            <a:spLocks noGrp="1" noRot="1" noChangeAspect="1"/>
+          </p:cNvSpPr>
+          <p:nvPr>
+            <p:ph type="sldImg"/>
+          </p:nvPr>
+        </p:nvSpPr>
+        <p:spPr/>
+      </p:sp>
+      <p:sp>
+        <p:nvSpPr>
+          <p:cNvPr id="3" name="Notes Placeholder 2"/>
+          <p:cNvSpPr>
+            <a:spLocks noGrp="1"/>
+          </p:cNvSpPr>
+          <p:nvPr>
+            <p:ph type="body" idx="1"/>
+          </p:nvPr>
+        </p:nvSpPr>
+        <p:spPr/>
+        <p:txBody>
+          <a:bodyPr/>
+          <a:lstStyle/>
+          <a:p>
+            <a:r>
+              <a:rPr lang="ru-RU" dirty="0"/>
+              <a:t>В итоге все сводится к одному</a:t>
+            </a:r>
+            <a:endParaRPr lang="en-US" dirty="0"/>
+          </a:p>
+        </p:txBody>
+      </p:sp>
+      <p:sp>
+        <p:nvSpPr>
+          <p:cNvPr id="4" name="Slide Number Placeholder 3"/>
+          <p:cNvSpPr>
+            <a:spLocks noGrp="1"/>
+          </p:cNvSpPr>
+          <p:nvPr>
+            <p:ph type="sldNum" sz="quarter" idx="5"/>
+          </p:nvPr>
+        </p:nvSpPr>
+        <p:spPr/>
+        <p:txBody>
+          <a:bodyPr/>
+          <a:lstStyle/>
+          <a:p>
+            <a:fld id="{13EFAFE1-556C-4699-B5AC-21C248603E02}" type="slidenum">
+              <a:rPr lang="en-US" smtClean="0"/>
+              <a:t>6</a:t>
+            </a:fld>
+            <a:endParaRPr lang="en-US"/>
+          </a:p>
+        </p:txBody>
+      </p:sp>
+    </p:spTree>
+    <p:extLst>
+      <p:ext uri="{BB962C8B-B14F-4D97-AF65-F5344CB8AC3E}">
+        <p14:creationId xmlns:p14="http://schemas.microsoft.com/office/powerpoint/2010/main" val="170601484"/>
+      </p:ext>
+    </p:extLst>
+  </p:cSld>
+  <p:clrMapOvr>
+    <a:masterClrMapping/>
+  </p:clrMapOvr>
+</p:notes>
+</file>
+
+<file path=ppt/notesSlides/notesSlide5.xml><?xml version="1.0" encoding="utf-8"?>
+<p:notes xmlns:a="http://schemas.openxmlformats.org/drawingml/2006/main" xmlns:r="http://schemas.openxmlformats.org/officeDocument/2006/relationships" xmlns:p="http://schemas.openxmlformats.org/presentationml/2006/main">
+  <p:cSld>
+    <p:spTree>
+      <p:nvGrpSpPr>
+        <p:cNvPr id="1" name=""/>
+        <p:cNvGrpSpPr/>
+        <p:nvPr/>
+      </p:nvGrpSpPr>
+      <p:grpSpPr>
+        <a:xfrm>
+          <a:off x="0" y="0"/>
+          <a:ext cx="0" cy="0"/>
+          <a:chOff x="0" y="0"/>
+          <a:chExt cx="0" cy="0"/>
+        </a:xfrm>
+      </p:grpSpPr>
+      <p:sp>
+        <p:nvSpPr>
+          <p:cNvPr id="2" name="Slide Image Placeholder 1"/>
+          <p:cNvSpPr>
+            <a:spLocks noGrp="1" noRot="1" noChangeAspect="1"/>
+          </p:cNvSpPr>
+          <p:nvPr>
+            <p:ph type="sldImg"/>
+          </p:nvPr>
+        </p:nvSpPr>
+        <p:spPr/>
+      </p:sp>
+      <p:sp>
+        <p:nvSpPr>
+          <p:cNvPr id="3" name="Notes Placeholder 2"/>
+          <p:cNvSpPr>
+            <a:spLocks noGrp="1"/>
+          </p:cNvSpPr>
+          <p:nvPr>
+            <p:ph type="body" idx="1"/>
+          </p:nvPr>
+        </p:nvSpPr>
+        <p:spPr/>
+        <p:txBody>
+          <a:bodyPr/>
+          <a:lstStyle/>
+          <a:p>
+            <a:endParaRPr lang="en-US" dirty="0"/>
+          </a:p>
+        </p:txBody>
+      </p:sp>
+      <p:sp>
+        <p:nvSpPr>
+          <p:cNvPr id="4" name="Slide Number Placeholder 3"/>
+          <p:cNvSpPr>
+            <a:spLocks noGrp="1"/>
+          </p:cNvSpPr>
+          <p:nvPr>
+            <p:ph type="sldNum" sz="quarter" idx="5"/>
+          </p:nvPr>
+        </p:nvSpPr>
+        <p:spPr/>
+        <p:txBody>
+          <a:bodyPr/>
+          <a:lstStyle/>
+          <a:p>
+            <a:fld id="{13EFAFE1-556C-4699-B5AC-21C248603E02}" type="slidenum">
+              <a:rPr lang="en-US" smtClean="0"/>
+              <a:t>7</a:t>
+            </a:fld>
+            <a:endParaRPr lang="en-US"/>
+          </a:p>
+        </p:txBody>
+      </p:sp>
+    </p:spTree>
+    <p:extLst>
+      <p:ext uri="{BB962C8B-B14F-4D97-AF65-F5344CB8AC3E}">
+        <p14:creationId xmlns:p14="http://schemas.microsoft.com/office/powerpoint/2010/main" val="2785818521"/>
+      </p:ext>
+    </p:extLst>
+  </p:cSld>
+  <p:clrMapOvr>
+    <a:masterClrMapping/>
+  </p:clrMapOvr>
+</p:notes>
+</file>
+
+<file path=ppt/notesSlides/notesSlide6.xml><?xml version="1.0" encoding="utf-8"?>
+<p:notes xmlns:a="http://schemas.openxmlformats.org/drawingml/2006/main" xmlns:r="http://schemas.openxmlformats.org/officeDocument/2006/relationships" xmlns:p="http://schemas.openxmlformats.org/presentationml/2006/main">
+  <p:cSld>
+    <p:spTree>
+      <p:nvGrpSpPr>
+        <p:cNvPr id="1" name=""/>
+        <p:cNvGrpSpPr/>
+        <p:nvPr/>
+      </p:nvGrpSpPr>
+      <p:grpSpPr>
+        <a:xfrm>
+          <a:off x="0" y="0"/>
+          <a:ext cx="0" cy="0"/>
+          <a:chOff x="0" y="0"/>
+          <a:chExt cx="0" cy="0"/>
+        </a:xfrm>
+      </p:grpSpPr>
+      <p:sp>
+        <p:nvSpPr>
+          <p:cNvPr id="2" name="Slide Image Placeholder 1"/>
+          <p:cNvSpPr>
+            <a:spLocks noGrp="1" noRot="1" noChangeAspect="1"/>
+          </p:cNvSpPr>
+          <p:nvPr>
+            <p:ph type="sldImg"/>
+          </p:nvPr>
+        </p:nvSpPr>
+        <p:spPr/>
+      </p:sp>
+      <p:sp>
+        <p:nvSpPr>
+          <p:cNvPr id="3" name="Notes Placeholder 2"/>
+          <p:cNvSpPr>
+            <a:spLocks noGrp="1"/>
+          </p:cNvSpPr>
+          <p:nvPr>
+            <p:ph type="body" idx="1"/>
+          </p:nvPr>
+        </p:nvSpPr>
+        <p:spPr/>
+        <p:txBody>
+          <a:bodyPr/>
+          <a:lstStyle/>
+          <a:p>
+            <a:r>
+              <a:rPr lang="ru-RU" dirty="0"/>
+              <a:t>Обычно использование паттернов обозначается в именах классов, таким образом разработчик который знакомится с кодом (и знаком с паттернами) сразу может понять каким именно образом устроено взаимодействие между объектами.</a:t>
+            </a:r>
+            <a:endParaRPr lang="en-US" dirty="0"/>
+          </a:p>
+        </p:txBody>
+      </p:sp>
+      <p:sp>
+        <p:nvSpPr>
+          <p:cNvPr id="4" name="Slide Number Placeholder 3"/>
+          <p:cNvSpPr>
+            <a:spLocks noGrp="1"/>
+          </p:cNvSpPr>
+          <p:nvPr>
+            <p:ph type="sldNum" sz="quarter" idx="5"/>
+          </p:nvPr>
+        </p:nvSpPr>
+        <p:spPr/>
+        <p:txBody>
+          <a:bodyPr/>
+          <a:lstStyle/>
+          <a:p>
+            <a:fld id="{13EFAFE1-556C-4699-B5AC-21C248603E02}" type="slidenum">
+              <a:rPr lang="en-US" smtClean="0"/>
+              <a:t>8</a:t>
+            </a:fld>
+            <a:endParaRPr lang="en-US"/>
+          </a:p>
+        </p:txBody>
+      </p:sp>
+    </p:spTree>
+    <p:extLst>
+      <p:ext uri="{BB962C8B-B14F-4D97-AF65-F5344CB8AC3E}">
+        <p14:creationId xmlns:p14="http://schemas.microsoft.com/office/powerpoint/2010/main" val="2387001676"/>
+      </p:ext>
+    </p:extLst>
+  </p:cSld>
+  <p:clrMapOvr>
+    <a:masterClrMapping/>
+  </p:clrMapOvr>
+</p:notes>
+</file>
+
+<file path=ppt/notesSlides/notesSlide7.xml><?xml version="1.0" encoding="utf-8"?>
+<p:notes xmlns:a="http://schemas.openxmlformats.org/drawingml/2006/main" xmlns:r="http://schemas.openxmlformats.org/officeDocument/2006/relationships" xmlns:p="http://schemas.openxmlformats.org/presentationml/2006/main">
+  <p:cSld>
+    <p:spTree>
+      <p:nvGrpSpPr>
+        <p:cNvPr id="1" name=""/>
+        <p:cNvGrpSpPr/>
+        <p:nvPr/>
+      </p:nvGrpSpPr>
+      <p:grpSpPr>
+        <a:xfrm>
+          <a:off x="0" y="0"/>
+          <a:ext cx="0" cy="0"/>
+          <a:chOff x="0" y="0"/>
+          <a:chExt cx="0" cy="0"/>
+        </a:xfrm>
+      </p:grpSpPr>
+      <p:sp>
+        <p:nvSpPr>
+          <p:cNvPr id="2" name="Slide Image Placeholder 1"/>
+          <p:cNvSpPr>
+            <a:spLocks noGrp="1" noRot="1" noChangeAspect="1"/>
+          </p:cNvSpPr>
+          <p:nvPr>
+            <p:ph type="sldImg"/>
+          </p:nvPr>
+        </p:nvSpPr>
+        <p:spPr/>
+      </p:sp>
+      <p:sp>
+        <p:nvSpPr>
+          <p:cNvPr id="3" name="Notes Placeholder 2"/>
+          <p:cNvSpPr>
+            <a:spLocks noGrp="1"/>
+          </p:cNvSpPr>
+          <p:nvPr>
+            <p:ph type="body" idx="1"/>
+          </p:nvPr>
+        </p:nvSpPr>
+        <p:spPr/>
+        <p:txBody>
+          <a:bodyPr/>
+          <a:lstStyle/>
+          <a:p>
+            <a:r>
+              <a:rPr lang="ru-RU" dirty="0"/>
+              <a:t>Рассказать про ситуацию когда одна форма знает про другие формы</a:t>
+            </a:r>
+            <a:endParaRPr lang="en-US" dirty="0"/>
+          </a:p>
+        </p:txBody>
+      </p:sp>
+      <p:sp>
+        <p:nvSpPr>
+          <p:cNvPr id="4" name="Slide Number Placeholder 3"/>
+          <p:cNvSpPr>
+            <a:spLocks noGrp="1"/>
+          </p:cNvSpPr>
+          <p:nvPr>
+            <p:ph type="sldNum" sz="quarter" idx="5"/>
+          </p:nvPr>
+        </p:nvSpPr>
+        <p:spPr/>
+        <p:txBody>
+          <a:bodyPr/>
+          <a:lstStyle/>
+          <a:p>
+            <a:fld id="{13EFAFE1-556C-4699-B5AC-21C248603E02}" type="slidenum">
+              <a:rPr lang="en-US" smtClean="0"/>
+              <a:t>11</a:t>
+            </a:fld>
+            <a:endParaRPr lang="en-US"/>
+          </a:p>
+        </p:txBody>
+      </p:sp>
+    </p:spTree>
+    <p:extLst>
+      <p:ext uri="{BB962C8B-B14F-4D97-AF65-F5344CB8AC3E}">
+        <p14:creationId xmlns:p14="http://schemas.microsoft.com/office/powerpoint/2010/main" val="2290199907"/>
+      </p:ext>
+    </p:extLst>
+  </p:cSld>
+  <p:clrMapOvr>
+    <a:masterClrMapping/>
+  </p:clrMapOvr>
+</p:notes>
 </file>
 
 <file path=ppt/slideLayouts/slideLayout1.xml><?xml version="1.0" encoding="utf-8"?>
@@ -1143,7 +2114,7 @@
           <a:p>
             <a:fld id="{98B268AD-4E81-4577-BD5E-7A237943881D}" type="datetimeFigureOut">
               <a:rPr lang="en-US" smtClean="0"/>
-              <a:t>3/22/2018</a:t>
+              <a:t>2/18/2019</a:t>
             </a:fld>
             <a:endParaRPr lang="en-US"/>
           </a:p>
@@ -1341,7 +2312,7 @@
           <a:p>
             <a:fld id="{98B268AD-4E81-4577-BD5E-7A237943881D}" type="datetimeFigureOut">
               <a:rPr lang="en-US" smtClean="0"/>
-              <a:t>3/22/2018</a:t>
+              <a:t>2/18/2019</a:t>
             </a:fld>
             <a:endParaRPr lang="en-US"/>
           </a:p>
@@ -1545,7 +2516,7 @@
           <a:p>
             <a:fld id="{C764DE79-268F-4C1A-8933-263129D2AF90}" type="datetimeFigureOut">
               <a:rPr lang="en-US" dirty="0"/>
-              <a:t>3/22/2018</a:t>
+              <a:t>2/18/2019</a:t>
             </a:fld>
             <a:endParaRPr lang="en-US" dirty="0"/>
           </a:p>
@@ -1715,7 +2686,7 @@
           <a:p>
             <a:fld id="{C764DE79-268F-4C1A-8933-263129D2AF90}" type="datetimeFigureOut">
               <a:rPr lang="en-US" dirty="0"/>
-              <a:t>3/22/2018</a:t>
+              <a:t>2/18/2019</a:t>
             </a:fld>
             <a:endParaRPr lang="en-US" dirty="0"/>
           </a:p>
@@ -1923,7 +2894,7 @@
           <a:p>
             <a:fld id="{98B268AD-4E81-4577-BD5E-7A237943881D}" type="datetimeFigureOut">
               <a:rPr lang="en-US" smtClean="0"/>
-              <a:t>3/22/2018</a:t>
+              <a:t>2/18/2019</a:t>
             </a:fld>
             <a:endParaRPr lang="en-US"/>
           </a:p>
@@ -2181,7 +3152,7 @@
           <a:p>
             <a:fld id="{C764DE79-268F-4C1A-8933-263129D2AF90}" type="datetimeFigureOut">
               <a:rPr lang="en-US" dirty="0"/>
-              <a:t>3/22/2018</a:t>
+              <a:t>2/18/2019</a:t>
             </a:fld>
             <a:endParaRPr lang="en-US" dirty="0"/>
           </a:p>
@@ -2413,7 +3384,7 @@
           <a:p>
             <a:fld id="{C764DE79-268F-4C1A-8933-263129D2AF90}" type="datetimeFigureOut">
               <a:rPr lang="en-US" dirty="0"/>
-              <a:t>3/22/2018</a:t>
+              <a:t>2/18/2019</a:t>
             </a:fld>
             <a:endParaRPr lang="en-US" dirty="0"/>
           </a:p>
@@ -2780,7 +3751,7 @@
           <a:p>
             <a:fld id="{C764DE79-268F-4C1A-8933-263129D2AF90}" type="datetimeFigureOut">
               <a:rPr lang="en-US" dirty="0"/>
-              <a:t>3/22/2018</a:t>
+              <a:t>2/18/2019</a:t>
             </a:fld>
             <a:endParaRPr lang="en-US" dirty="0"/>
           </a:p>
@@ -2898,7 +3869,7 @@
           <a:p>
             <a:fld id="{C764DE79-268F-4C1A-8933-263129D2AF90}" type="datetimeFigureOut">
               <a:rPr lang="en-US" dirty="0"/>
-              <a:t>3/22/2018</a:t>
+              <a:t>2/18/2019</a:t>
             </a:fld>
             <a:endParaRPr lang="en-US" dirty="0"/>
           </a:p>
@@ -2993,7 +3964,7 @@
           <a:p>
             <a:fld id="{C764DE79-268F-4C1A-8933-263129D2AF90}" type="datetimeFigureOut">
               <a:rPr lang="en-US" dirty="0"/>
-              <a:t>3/22/2018</a:t>
+              <a:t>2/18/2019</a:t>
             </a:fld>
             <a:endParaRPr lang="en-US" dirty="0"/>
           </a:p>
@@ -3270,7 +4241,7 @@
           <a:p>
             <a:fld id="{C764DE79-268F-4C1A-8933-263129D2AF90}" type="datetimeFigureOut">
               <a:rPr lang="en-US" dirty="0"/>
-              <a:t>3/22/2018</a:t>
+              <a:t>2/18/2019</a:t>
             </a:fld>
             <a:endParaRPr lang="en-US" dirty="0"/>
           </a:p>
@@ -3527,7 +4498,7 @@
           <a:p>
             <a:fld id="{C764DE79-268F-4C1A-8933-263129D2AF90}" type="datetimeFigureOut">
               <a:rPr lang="en-US" dirty="0"/>
-              <a:t>3/22/2018</a:t>
+              <a:t>2/18/2019</a:t>
             </a:fld>
             <a:endParaRPr lang="en-US" dirty="0"/>
           </a:p>
@@ -3697,7 +4668,7 @@
           <a:p>
             <a:fld id="{C764DE79-268F-4C1A-8933-263129D2AF90}" type="datetimeFigureOut">
               <a:rPr lang="en-US" dirty="0"/>
-              <a:t>3/22/2018</a:t>
+              <a:t>2/18/2019</a:t>
             </a:fld>
             <a:endParaRPr lang="en-US" dirty="0"/>
           </a:p>
@@ -3877,7 +4848,7 @@
           <a:p>
             <a:fld id="{C764DE79-268F-4C1A-8933-263129D2AF90}" type="datetimeFigureOut">
               <a:rPr lang="en-US" dirty="0"/>
-              <a:t>3/22/2018</a:t>
+              <a:t>2/18/2019</a:t>
             </a:fld>
             <a:endParaRPr lang="en-US" dirty="0"/>
           </a:p>
@@ -4064,7 +5035,7 @@
           <a:p>
             <a:fld id="{98B268AD-4E81-4577-BD5E-7A237943881D}" type="datetimeFigureOut">
               <a:rPr lang="en-US" smtClean="0"/>
-              <a:t>3/22/2018</a:t>
+              <a:t>2/18/2019</a:t>
             </a:fld>
             <a:endParaRPr lang="en-US"/>
           </a:p>
@@ -6810,7 +7781,7 @@
           <a:p>
             <a:fld id="{C764DE79-268F-4C1A-8933-263129D2AF90}" type="datetimeFigureOut">
               <a:rPr lang="en-US" dirty="0"/>
-              <a:t>3/22/2018</a:t>
+              <a:t>2/18/2019</a:t>
             </a:fld>
             <a:endParaRPr lang="en-US" dirty="0"/>
           </a:p>
@@ -7339,9 +8310,28 @@
           <a:p>
             <a:r>
               <a:rPr lang="ru-RU" sz="4400" dirty="0"/>
-              <a:t>Проектирование интерфейсов</a:t>
-            </a:r>
-            <a:endParaRPr lang="en-US" sz="4400" dirty="0"/>
+              <a:t>Проектирование</a:t>
+            </a:r>
+            <a:r>
+              <a:rPr lang="en-US" sz="4400" dirty="0"/>
+              <a:t> </a:t>
+            </a:r>
+            <a:r>
+              <a:rPr lang="ru-RU" sz="4400" dirty="0"/>
+              <a:t>приложений</a:t>
+            </a:r>
+            <a:r>
+              <a:rPr lang="en-US" sz="4400" dirty="0"/>
+              <a:t> </a:t>
+            </a:r>
+            <a:r>
+              <a:rPr lang="ru-RU" sz="4400" dirty="0"/>
+              <a:t>с использованием паттерна </a:t>
+            </a:r>
+            <a:r>
+              <a:rPr lang="en-US" sz="4400" dirty="0"/>
+              <a:t>MVC</a:t>
+            </a:r>
           </a:p>
         </p:txBody>
       </p:sp>
@@ -7406,7 +8396,14 @@
             </a:r>
             <a:r>
               <a:rPr lang="ru-RU" sz="2400" dirty="0"/>
-              <a:t> позволяет разрабатывать бизнес-логику и </a:t>
+              <a:t> позволяет разрабатывать </a:t>
+            </a:r>
+            <a:br>
+              <a:rPr lang="en-US" sz="2400" dirty="0"/>
+            </a:br>
+            <a:r>
+              <a:rPr lang="ru-RU" sz="2400" dirty="0"/>
+              <a:t>бизнес-логику и </a:t>
             </a:r>
             <a:r>
               <a:rPr lang="en-US" sz="2400" dirty="0"/>
@@ -7414,7 +8411,14 @@
             </a:r>
             <a:r>
               <a:rPr lang="ru-RU" sz="2400" dirty="0"/>
-              <a:t>представление отдельно</a:t>
+              <a:t>представление отдельно, тестировать бизнес-логику </a:t>
+            </a:r>
+            <a:br>
+              <a:rPr lang="en-US" sz="2400" dirty="0"/>
+            </a:br>
+            <a:r>
+              <a:rPr lang="ru-RU" sz="2400" dirty="0"/>
+              <a:t>отдельно от графической составляющей</a:t>
             </a:r>
             <a:endParaRPr lang="en-US" sz="2400" dirty="0"/>
           </a:p>
@@ -7505,7 +8509,14 @@
           <a:p>
             <a:r>
               <a:rPr lang="ru-RU" sz="2400" dirty="0"/>
-              <a:t>Снижает связность кода, что облегает внесение изменений и новых фунциональностей </a:t>
+              <a:t>Снижает связность кода, что облегает внесение изменений и новых </a:t>
+            </a:r>
+            <a:br>
+              <a:rPr lang="en-US" sz="2400" dirty="0"/>
+            </a:br>
+            <a:r>
+              <a:rPr lang="ru-RU" sz="2400" dirty="0"/>
+              <a:t>фунциональностей </a:t>
             </a:r>
             <a:endParaRPr lang="en-US" sz="2400" dirty="0"/>
           </a:p>
@@ -7578,607 +8589,6 @@
           <p:cNvPr id="2" name="Title 1">
             <a:extLst>
               <a:ext uri="{FF2B5EF4-FFF2-40B4-BE49-F238E27FC236}">
-                <a16:creationId xmlns:a16="http://schemas.microsoft.com/office/drawing/2014/main" id="{DD144102-7E32-40F1-A09A-43BFF4A3741A}"/>
-              </a:ext>
-            </a:extLst>
-          </p:cNvPr>
-          <p:cNvSpPr>
-            <a:spLocks noGrp="1"/>
-          </p:cNvSpPr>
-          <p:nvPr>
-            <p:ph type="title" idx="4294967295"/>
-          </p:nvPr>
-        </p:nvSpPr>
-        <p:spPr>
-          <a:xfrm>
-            <a:off x="476251" y="273050"/>
-            <a:ext cx="10970683" cy="923764"/>
-          </a:xfrm>
-        </p:spPr>
-        <p:txBody>
-          <a:bodyPr/>
-          <a:lstStyle/>
-          <a:p>
-            <a:r>
-              <a:rPr lang="ru-RU" sz="4400" dirty="0"/>
-              <a:t>Пример</a:t>
-            </a:r>
-            <a:endParaRPr lang="en-US" sz="4400" dirty="0"/>
-          </a:p>
-        </p:txBody>
-      </p:sp>
-    </p:spTree>
-    <p:extLst>
-      <p:ext uri="{BB962C8B-B14F-4D97-AF65-F5344CB8AC3E}">
-        <p14:creationId xmlns:p14="http://schemas.microsoft.com/office/powerpoint/2010/main" val="960205906"/>
-      </p:ext>
-    </p:extLst>
-  </p:cSld>
-  <p:clrMapOvr>
-    <a:masterClrMapping/>
-  </p:clrMapOvr>
-</p:sld>
-</file>
-
-<file path=ppt/slides/slide13.xml><?xml version="1.0" encoding="utf-8"?>
-<p:sld xmlns:a="http://schemas.openxmlformats.org/drawingml/2006/main" xmlns:r="http://schemas.openxmlformats.org/officeDocument/2006/relationships" xmlns:p="http://schemas.openxmlformats.org/presentationml/2006/main">
-  <p:cSld>
-    <p:spTree>
-      <p:nvGrpSpPr>
-        <p:cNvPr id="1" name=""/>
-        <p:cNvGrpSpPr/>
-        <p:nvPr/>
-      </p:nvGrpSpPr>
-      <p:grpSpPr>
-        <a:xfrm>
-          <a:off x="0" y="0"/>
-          <a:ext cx="0" cy="0"/>
-          <a:chOff x="0" y="0"/>
-          <a:chExt cx="0" cy="0"/>
-        </a:xfrm>
-      </p:grpSpPr>
-      <p:sp>
-        <p:nvSpPr>
-          <p:cNvPr id="2" name="Title 1">
-            <a:extLst>
-              <a:ext uri="{FF2B5EF4-FFF2-40B4-BE49-F238E27FC236}">
-                <a16:creationId xmlns:a16="http://schemas.microsoft.com/office/drawing/2014/main" id="{DD144102-7E32-40F1-A09A-43BFF4A3741A}"/>
-              </a:ext>
-            </a:extLst>
-          </p:cNvPr>
-          <p:cNvSpPr>
-            <a:spLocks noGrp="1"/>
-          </p:cNvSpPr>
-          <p:nvPr>
-            <p:ph type="title" idx="4294967295"/>
-          </p:nvPr>
-        </p:nvSpPr>
-        <p:spPr>
-          <a:xfrm>
-            <a:off x="476251" y="273050"/>
-            <a:ext cx="10970683" cy="923764"/>
-          </a:xfrm>
-        </p:spPr>
-        <p:txBody>
-          <a:bodyPr/>
-          <a:lstStyle/>
-          <a:p>
-            <a:r>
-              <a:rPr lang="ru-RU" sz="4400" dirty="0"/>
-              <a:t>Как убедится что </a:t>
-            </a:r>
-            <a:r>
-              <a:rPr lang="en-US" sz="4400" dirty="0"/>
-              <a:t>MVC </a:t>
-            </a:r>
-            <a:br>
-              <a:rPr lang="en-US" sz="4400" dirty="0"/>
-            </a:br>
-            <a:r>
-              <a:rPr lang="ru-RU" sz="4400" dirty="0"/>
-              <a:t>реализован верно</a:t>
-            </a:r>
-            <a:r>
-              <a:rPr lang="en-US" sz="4400" dirty="0"/>
-              <a:t>?</a:t>
-            </a:r>
-          </a:p>
-        </p:txBody>
-      </p:sp>
-    </p:spTree>
-    <p:extLst>
-      <p:ext uri="{BB962C8B-B14F-4D97-AF65-F5344CB8AC3E}">
-        <p14:creationId xmlns:p14="http://schemas.microsoft.com/office/powerpoint/2010/main" val="794208253"/>
-      </p:ext>
-    </p:extLst>
-  </p:cSld>
-  <p:clrMapOvr>
-    <a:masterClrMapping/>
-  </p:clrMapOvr>
-</p:sld>
-</file>
-
-<file path=ppt/slides/slide2.xml><?xml version="1.0" encoding="utf-8"?>
-<p:sld xmlns:a="http://schemas.openxmlformats.org/drawingml/2006/main" xmlns:r="http://schemas.openxmlformats.org/officeDocument/2006/relationships" xmlns:p="http://schemas.openxmlformats.org/presentationml/2006/main">
-  <p:cSld>
-    <p:spTree>
-      <p:nvGrpSpPr>
-        <p:cNvPr id="1" name=""/>
-        <p:cNvGrpSpPr/>
-        <p:nvPr/>
-      </p:nvGrpSpPr>
-      <p:grpSpPr>
-        <a:xfrm>
-          <a:off x="0" y="0"/>
-          <a:ext cx="0" cy="0"/>
-          <a:chOff x="0" y="0"/>
-          <a:chExt cx="0" cy="0"/>
-        </a:xfrm>
-      </p:grpSpPr>
-      <p:sp>
-        <p:nvSpPr>
-          <p:cNvPr id="2" name="Title 1">
-            <a:extLst>
-              <a:ext uri="{FF2B5EF4-FFF2-40B4-BE49-F238E27FC236}">
-                <a16:creationId xmlns:a16="http://schemas.microsoft.com/office/drawing/2014/main" id="{6FA9C4B6-BAB0-4762-ABAB-5686C70A65B0}"/>
-              </a:ext>
-            </a:extLst>
-          </p:cNvPr>
-          <p:cNvSpPr>
-            <a:spLocks noGrp="1"/>
-          </p:cNvSpPr>
-          <p:nvPr>
-            <p:ph type="title" idx="4294967295"/>
-          </p:nvPr>
-        </p:nvSpPr>
-        <p:spPr/>
-        <p:txBody>
-          <a:bodyPr/>
-          <a:lstStyle/>
-          <a:p>
-            <a:r>
-              <a:rPr lang="ru-RU" sz="4400" dirty="0"/>
-              <a:t>Что означает ООП?</a:t>
-            </a:r>
-            <a:endParaRPr lang="en-US" sz="4400" dirty="0"/>
-          </a:p>
-        </p:txBody>
-      </p:sp>
-    </p:spTree>
-    <p:extLst>
-      <p:ext uri="{BB962C8B-B14F-4D97-AF65-F5344CB8AC3E}">
-        <p14:creationId xmlns:p14="http://schemas.microsoft.com/office/powerpoint/2010/main" val="3165666515"/>
-      </p:ext>
-    </p:extLst>
-  </p:cSld>
-  <p:clrMapOvr>
-    <a:masterClrMapping/>
-  </p:clrMapOvr>
-</p:sld>
-</file>
-
-<file path=ppt/slides/slide3.xml><?xml version="1.0" encoding="utf-8"?>
-<p:sld xmlns:a="http://schemas.openxmlformats.org/drawingml/2006/main" xmlns:r="http://schemas.openxmlformats.org/officeDocument/2006/relationships" xmlns:p="http://schemas.openxmlformats.org/presentationml/2006/main">
-  <p:cSld>
-    <p:spTree>
-      <p:nvGrpSpPr>
-        <p:cNvPr id="1" name=""/>
-        <p:cNvGrpSpPr/>
-        <p:nvPr/>
-      </p:nvGrpSpPr>
-      <p:grpSpPr>
-        <a:xfrm>
-          <a:off x="0" y="0"/>
-          <a:ext cx="0" cy="0"/>
-          <a:chOff x="0" y="0"/>
-          <a:chExt cx="0" cy="0"/>
-        </a:xfrm>
-      </p:grpSpPr>
-      <p:sp>
-        <p:nvSpPr>
-          <p:cNvPr id="3" name="Content Placeholder 2">
-            <a:extLst>
-              <a:ext uri="{FF2B5EF4-FFF2-40B4-BE49-F238E27FC236}">
-                <a16:creationId xmlns:a16="http://schemas.microsoft.com/office/drawing/2014/main" id="{EDE4C5BA-64FB-4E18-8AA7-C02975E8C823}"/>
-              </a:ext>
-            </a:extLst>
-          </p:cNvPr>
-          <p:cNvSpPr>
-            <a:spLocks noGrp="1"/>
-          </p:cNvSpPr>
-          <p:nvPr>
-            <p:ph idx="1"/>
-          </p:nvPr>
-        </p:nvSpPr>
-        <p:spPr/>
-        <p:txBody>
-          <a:bodyPr/>
-          <a:lstStyle/>
-          <a:p>
-            <a:r>
-              <a:rPr lang="ru-RU" sz="2400" dirty="0"/>
-              <a:t>Наследование</a:t>
-            </a:r>
-          </a:p>
-          <a:p>
-            <a:r>
-              <a:rPr lang="ru-RU" sz="2400" dirty="0"/>
-              <a:t>Инкапсуляция</a:t>
-            </a:r>
-          </a:p>
-          <a:p>
-            <a:r>
-              <a:rPr lang="ru-RU" sz="2400" dirty="0"/>
-              <a:t>Полиморфизм</a:t>
-            </a:r>
-            <a:endParaRPr lang="en-US" sz="2400" dirty="0"/>
-          </a:p>
-        </p:txBody>
-      </p:sp>
-      <p:sp>
-        <p:nvSpPr>
-          <p:cNvPr id="2" name="Title 1">
-            <a:extLst>
-              <a:ext uri="{FF2B5EF4-FFF2-40B4-BE49-F238E27FC236}">
-                <a16:creationId xmlns:a16="http://schemas.microsoft.com/office/drawing/2014/main" id="{5C88C871-AC73-421E-96B8-9C0711E8B639}"/>
-              </a:ext>
-            </a:extLst>
-          </p:cNvPr>
-          <p:cNvSpPr>
-            <a:spLocks noGrp="1"/>
-          </p:cNvSpPr>
-          <p:nvPr>
-            <p:ph type="title" idx="4294967295"/>
-          </p:nvPr>
-        </p:nvSpPr>
-        <p:spPr/>
-        <p:txBody>
-          <a:bodyPr/>
-          <a:lstStyle/>
-          <a:p>
-            <a:r>
-              <a:rPr lang="ru-RU" sz="4400" dirty="0"/>
-              <a:t>Что означает ООП?</a:t>
-            </a:r>
-            <a:endParaRPr lang="en-US" sz="4400" dirty="0"/>
-          </a:p>
-        </p:txBody>
-      </p:sp>
-    </p:spTree>
-    <p:extLst>
-      <p:ext uri="{BB962C8B-B14F-4D97-AF65-F5344CB8AC3E}">
-        <p14:creationId xmlns:p14="http://schemas.microsoft.com/office/powerpoint/2010/main" val="4068416782"/>
-      </p:ext>
-    </p:extLst>
-  </p:cSld>
-  <p:clrMapOvr>
-    <a:masterClrMapping/>
-  </p:clrMapOvr>
-</p:sld>
-</file>
-
-<file path=ppt/slides/slide4.xml><?xml version="1.0" encoding="utf-8"?>
-<p:sld xmlns:a="http://schemas.openxmlformats.org/drawingml/2006/main" xmlns:r="http://schemas.openxmlformats.org/officeDocument/2006/relationships" xmlns:p="http://schemas.openxmlformats.org/presentationml/2006/main">
-  <p:cSld>
-    <p:spTree>
-      <p:nvGrpSpPr>
-        <p:cNvPr id="1" name=""/>
-        <p:cNvGrpSpPr/>
-        <p:nvPr/>
-      </p:nvGrpSpPr>
-      <p:grpSpPr>
-        <a:xfrm>
-          <a:off x="0" y="0"/>
-          <a:ext cx="0" cy="0"/>
-          <a:chOff x="0" y="0"/>
-          <a:chExt cx="0" cy="0"/>
-        </a:xfrm>
-      </p:grpSpPr>
-      <p:sp>
-        <p:nvSpPr>
-          <p:cNvPr id="2" name="Title 1">
-            <a:extLst>
-              <a:ext uri="{FF2B5EF4-FFF2-40B4-BE49-F238E27FC236}">
-                <a16:creationId xmlns:a16="http://schemas.microsoft.com/office/drawing/2014/main" id="{52B3999F-E3C5-493E-9083-6B8EC84D38D1}"/>
-              </a:ext>
-            </a:extLst>
-          </p:cNvPr>
-          <p:cNvSpPr>
-            <a:spLocks noGrp="1"/>
-          </p:cNvSpPr>
-          <p:nvPr>
-            <p:ph type="title" idx="4294967295"/>
-          </p:nvPr>
-        </p:nvSpPr>
-        <p:spPr/>
-        <p:txBody>
-          <a:bodyPr/>
-          <a:lstStyle/>
-          <a:p>
-            <a:r>
-              <a:rPr lang="ru-RU" sz="4400" dirty="0"/>
-              <a:t>Зачем? Для чего?</a:t>
-            </a:r>
-            <a:endParaRPr lang="en-US" sz="4400" dirty="0"/>
-          </a:p>
-        </p:txBody>
-      </p:sp>
-    </p:spTree>
-    <p:extLst>
-      <p:ext uri="{BB962C8B-B14F-4D97-AF65-F5344CB8AC3E}">
-        <p14:creationId xmlns:p14="http://schemas.microsoft.com/office/powerpoint/2010/main" val="3118842094"/>
-      </p:ext>
-    </p:extLst>
-  </p:cSld>
-  <p:clrMapOvr>
-    <a:masterClrMapping/>
-  </p:clrMapOvr>
-</p:sld>
-</file>
-
-<file path=ppt/slides/slide5.xml><?xml version="1.0" encoding="utf-8"?>
-<p:sld xmlns:a="http://schemas.openxmlformats.org/drawingml/2006/main" xmlns:r="http://schemas.openxmlformats.org/officeDocument/2006/relationships" xmlns:p="http://schemas.openxmlformats.org/presentationml/2006/main">
-  <p:cSld>
-    <p:spTree>
-      <p:nvGrpSpPr>
-        <p:cNvPr id="1" name=""/>
-        <p:cNvGrpSpPr/>
-        <p:nvPr/>
-      </p:nvGrpSpPr>
-      <p:grpSpPr>
-        <a:xfrm>
-          <a:off x="0" y="0"/>
-          <a:ext cx="0" cy="0"/>
-          <a:chOff x="0" y="0"/>
-          <a:chExt cx="0" cy="0"/>
-        </a:xfrm>
-      </p:grpSpPr>
-      <p:sp>
-        <p:nvSpPr>
-          <p:cNvPr id="3" name="Content Placeholder 2">
-            <a:extLst>
-              <a:ext uri="{FF2B5EF4-FFF2-40B4-BE49-F238E27FC236}">
-                <a16:creationId xmlns:a16="http://schemas.microsoft.com/office/drawing/2014/main" id="{B6881D37-7E04-4EE4-84B9-D4FD82B22103}"/>
-              </a:ext>
-            </a:extLst>
-          </p:cNvPr>
-          <p:cNvSpPr>
-            <a:spLocks noGrp="1"/>
-          </p:cNvSpPr>
-          <p:nvPr>
-            <p:ph idx="1"/>
-          </p:nvPr>
-        </p:nvSpPr>
-        <p:spPr/>
-        <p:txBody>
-          <a:bodyPr/>
-          <a:lstStyle/>
-          <a:p>
-            <a:r>
-              <a:rPr lang="ru-RU" sz="2400" dirty="0"/>
-              <a:t>Борьба со сложностью</a:t>
-            </a:r>
-          </a:p>
-          <a:p>
-            <a:r>
-              <a:rPr lang="ru-RU" sz="2400" dirty="0"/>
-              <a:t>Ответ на будущие изменения</a:t>
-            </a:r>
-            <a:endParaRPr lang="en-US" sz="2400" dirty="0"/>
-          </a:p>
-        </p:txBody>
-      </p:sp>
-      <p:sp>
-        <p:nvSpPr>
-          <p:cNvPr id="2" name="Title 1">
-            <a:extLst>
-              <a:ext uri="{FF2B5EF4-FFF2-40B4-BE49-F238E27FC236}">
-                <a16:creationId xmlns:a16="http://schemas.microsoft.com/office/drawing/2014/main" id="{95184605-EE2A-48C6-AA74-51ABA898C032}"/>
-              </a:ext>
-            </a:extLst>
-          </p:cNvPr>
-          <p:cNvSpPr>
-            <a:spLocks noGrp="1"/>
-          </p:cNvSpPr>
-          <p:nvPr>
-            <p:ph type="title" idx="4294967295"/>
-          </p:nvPr>
-        </p:nvSpPr>
-        <p:spPr/>
-        <p:txBody>
-          <a:bodyPr/>
-          <a:lstStyle/>
-          <a:p>
-            <a:r>
-              <a:rPr lang="ru-RU" sz="4400" dirty="0"/>
-              <a:t>Зачем? Для чего?</a:t>
-            </a:r>
-            <a:endParaRPr lang="en-US" sz="4400" dirty="0"/>
-          </a:p>
-        </p:txBody>
-      </p:sp>
-    </p:spTree>
-    <p:extLst>
-      <p:ext uri="{BB962C8B-B14F-4D97-AF65-F5344CB8AC3E}">
-        <p14:creationId xmlns:p14="http://schemas.microsoft.com/office/powerpoint/2010/main" val="3509309235"/>
-      </p:ext>
-    </p:extLst>
-  </p:cSld>
-  <p:clrMapOvr>
-    <a:masterClrMapping/>
-  </p:clrMapOvr>
-</p:sld>
-</file>
-
-<file path=ppt/slides/slide6.xml><?xml version="1.0" encoding="utf-8"?>
-<p:sld xmlns:a="http://schemas.openxmlformats.org/drawingml/2006/main" xmlns:r="http://schemas.openxmlformats.org/officeDocument/2006/relationships" xmlns:p="http://schemas.openxmlformats.org/presentationml/2006/main">
-  <p:cSld>
-    <p:spTree>
-      <p:nvGrpSpPr>
-        <p:cNvPr id="1" name=""/>
-        <p:cNvGrpSpPr/>
-        <p:nvPr/>
-      </p:nvGrpSpPr>
-      <p:grpSpPr>
-        <a:xfrm>
-          <a:off x="0" y="0"/>
-          <a:ext cx="0" cy="0"/>
-          <a:chOff x="0" y="0"/>
-          <a:chExt cx="0" cy="0"/>
-        </a:xfrm>
-      </p:grpSpPr>
-      <p:sp>
-        <p:nvSpPr>
-          <p:cNvPr id="2" name="Title 1">
-            <a:extLst>
-              <a:ext uri="{FF2B5EF4-FFF2-40B4-BE49-F238E27FC236}">
-                <a16:creationId xmlns:a16="http://schemas.microsoft.com/office/drawing/2014/main" id="{DC1AA079-DF3D-4496-A093-94C493EC2A70}"/>
-              </a:ext>
-            </a:extLst>
-          </p:cNvPr>
-          <p:cNvSpPr>
-            <a:spLocks noGrp="1"/>
-          </p:cNvSpPr>
-          <p:nvPr>
-            <p:ph type="title" idx="4294967295"/>
-          </p:nvPr>
-        </p:nvSpPr>
-        <p:spPr/>
-        <p:txBody>
-          <a:bodyPr/>
-          <a:lstStyle/>
-          <a:p>
-            <a:r>
-              <a:rPr lang="ru-RU" sz="4400" dirty="0"/>
-              <a:t>Что такое паттерн?</a:t>
-            </a:r>
-            <a:endParaRPr lang="en-US" sz="4400" dirty="0"/>
-          </a:p>
-        </p:txBody>
-      </p:sp>
-    </p:spTree>
-    <p:extLst>
-      <p:ext uri="{BB962C8B-B14F-4D97-AF65-F5344CB8AC3E}">
-        <p14:creationId xmlns:p14="http://schemas.microsoft.com/office/powerpoint/2010/main" val="2510951144"/>
-      </p:ext>
-    </p:extLst>
-  </p:cSld>
-  <p:clrMapOvr>
-    <a:masterClrMapping/>
-  </p:clrMapOvr>
-</p:sld>
-</file>
-
-<file path=ppt/slides/slide7.xml><?xml version="1.0" encoding="utf-8"?>
-<p:sld xmlns:a="http://schemas.openxmlformats.org/drawingml/2006/main" xmlns:r="http://schemas.openxmlformats.org/officeDocument/2006/relationships" xmlns:p="http://schemas.openxmlformats.org/presentationml/2006/main">
-  <p:cSld>
-    <p:spTree>
-      <p:nvGrpSpPr>
-        <p:cNvPr id="1" name=""/>
-        <p:cNvGrpSpPr/>
-        <p:nvPr/>
-      </p:nvGrpSpPr>
-      <p:grpSpPr>
-        <a:xfrm>
-          <a:off x="0" y="0"/>
-          <a:ext cx="0" cy="0"/>
-          <a:chOff x="0" y="0"/>
-          <a:chExt cx="0" cy="0"/>
-        </a:xfrm>
-      </p:grpSpPr>
-      <p:sp>
-        <p:nvSpPr>
-          <p:cNvPr id="3" name="Content Placeholder 2">
-            <a:extLst>
-              <a:ext uri="{FF2B5EF4-FFF2-40B4-BE49-F238E27FC236}">
-                <a16:creationId xmlns:a16="http://schemas.microsoft.com/office/drawing/2014/main" id="{78933408-8CFF-4DC3-B9F1-2B248CB54E32}"/>
-              </a:ext>
-            </a:extLst>
-          </p:cNvPr>
-          <p:cNvSpPr>
-            <a:spLocks noGrp="1"/>
-          </p:cNvSpPr>
-          <p:nvPr>
-            <p:ph idx="1"/>
-          </p:nvPr>
-        </p:nvSpPr>
-        <p:spPr/>
-        <p:txBody>
-          <a:bodyPr/>
-          <a:lstStyle/>
-          <a:p>
-            <a:r>
-              <a:rPr lang="ru-RU" sz="2400" dirty="0"/>
-              <a:t>Паттерн -  повторяемая архитектурная конструкция, представляющая собой решение проблемы проектирования в рамках некоторого часто возникающего контекста.</a:t>
-            </a:r>
-            <a:endParaRPr lang="en-US" sz="2400" dirty="0"/>
-          </a:p>
-        </p:txBody>
-      </p:sp>
-      <p:sp>
-        <p:nvSpPr>
-          <p:cNvPr id="2" name="Title 1">
-            <a:extLst>
-              <a:ext uri="{FF2B5EF4-FFF2-40B4-BE49-F238E27FC236}">
-                <a16:creationId xmlns:a16="http://schemas.microsoft.com/office/drawing/2014/main" id="{BC355C78-AFC2-4F75-BE66-190895406904}"/>
-              </a:ext>
-            </a:extLst>
-          </p:cNvPr>
-          <p:cNvSpPr>
-            <a:spLocks noGrp="1"/>
-          </p:cNvSpPr>
-          <p:nvPr>
-            <p:ph type="title" idx="4294967295"/>
-          </p:nvPr>
-        </p:nvSpPr>
-        <p:spPr/>
-        <p:txBody>
-          <a:bodyPr/>
-          <a:lstStyle/>
-          <a:p>
-            <a:r>
-              <a:rPr lang="ru-RU" sz="4400" dirty="0"/>
-              <a:t>Что такое паттерн?</a:t>
-            </a:r>
-            <a:endParaRPr lang="en-US" sz="4400" dirty="0"/>
-          </a:p>
-        </p:txBody>
-      </p:sp>
-    </p:spTree>
-    <p:extLst>
-      <p:ext uri="{BB962C8B-B14F-4D97-AF65-F5344CB8AC3E}">
-        <p14:creationId xmlns:p14="http://schemas.microsoft.com/office/powerpoint/2010/main" val="4205887053"/>
-      </p:ext>
-    </p:extLst>
-  </p:cSld>
-  <p:clrMapOvr>
-    <a:masterClrMapping/>
-  </p:clrMapOvr>
-</p:sld>
-</file>
-
-<file path=ppt/slides/slide8.xml><?xml version="1.0" encoding="utf-8"?>
-<p:sld xmlns:a="http://schemas.openxmlformats.org/drawingml/2006/main" xmlns:r="http://schemas.openxmlformats.org/officeDocument/2006/relationships" xmlns:p="http://schemas.openxmlformats.org/presentationml/2006/main">
-  <p:cSld>
-    <p:spTree>
-      <p:nvGrpSpPr>
-        <p:cNvPr id="1" name=""/>
-        <p:cNvGrpSpPr/>
-        <p:nvPr/>
-      </p:nvGrpSpPr>
-      <p:grpSpPr>
-        <a:xfrm>
-          <a:off x="0" y="0"/>
-          <a:ext cx="0" cy="0"/>
-          <a:chOff x="0" y="0"/>
-          <a:chExt cx="0" cy="0"/>
-        </a:xfrm>
-      </p:grpSpPr>
-      <p:sp>
-        <p:nvSpPr>
-          <p:cNvPr id="2" name="Title 1">
-            <a:extLst>
-              <a:ext uri="{FF2B5EF4-FFF2-40B4-BE49-F238E27FC236}">
                 <a16:creationId xmlns:a16="http://schemas.microsoft.com/office/drawing/2014/main" id="{3EC43ACF-EB10-4ED9-8435-0E1F10ECB835}"/>
               </a:ext>
             </a:extLst>
@@ -8220,8 +8630,8 @@
         </p:nvSpPr>
         <p:spPr>
           <a:xfrm>
-            <a:off x="5188226" y="1789044"/>
-            <a:ext cx="1815548" cy="1325563"/>
+            <a:off x="4606787" y="1613399"/>
+            <a:ext cx="2978426" cy="1509527"/>
           </a:xfrm>
           <a:prstGeom prst="ellipse">
             <a:avLst/>
@@ -8254,7 +8664,7 @@
           <a:p>
             <a:pPr algn="ctr"/>
             <a:r>
-              <a:rPr lang="en-US" dirty="0">
+              <a:rPr lang="en-US" sz="3200" dirty="0">
                 <a:ln w="0"/>
                 <a:solidFill>
                   <a:schemeClr val="tx1"/>
@@ -8287,7 +8697,7 @@
         <p:spPr>
           <a:xfrm>
             <a:off x="7779026" y="4048539"/>
-            <a:ext cx="1815548" cy="1325563"/>
+            <a:ext cx="2363780" cy="1573528"/>
           </a:xfrm>
           <a:prstGeom prst="ellipse">
             <a:avLst/>
@@ -8320,7 +8730,7 @@
           <a:p>
             <a:pPr algn="ctr"/>
             <a:r>
-              <a:rPr lang="en-US" dirty="0">
+              <a:rPr lang="en-US" sz="3200" dirty="0">
                 <a:ln w="0"/>
                 <a:solidFill>
                   <a:schemeClr val="tx1"/>
@@ -8352,8 +8762,8 @@
         </p:nvSpPr>
         <p:spPr>
           <a:xfrm>
-            <a:off x="2597426" y="4048539"/>
-            <a:ext cx="1815548" cy="1325563"/>
+            <a:off x="2049194" y="4048539"/>
+            <a:ext cx="2363780" cy="1573528"/>
           </a:xfrm>
           <a:prstGeom prst="ellipse">
             <a:avLst/>
@@ -8386,7 +8796,7 @@
           <a:p>
             <a:pPr algn="ctr"/>
             <a:r>
-              <a:rPr lang="en-US" dirty="0">
+              <a:rPr lang="en-US" sz="3200" dirty="0">
                 <a:ln w="0"/>
                 <a:solidFill>
                   <a:schemeClr val="tx1"/>
@@ -8414,6 +8824,7 @@
             </a:extLst>
           </p:cNvPr>
           <p:cNvCxnSpPr>
+            <a:cxnSpLocks/>
             <a:stCxn id="5" idx="5"/>
             <a:endCxn id="7" idx="1"/>
           </p:cNvCxnSpPr>
@@ -8421,8 +8832,8 @@
         </p:nvCxnSpPr>
         <p:spPr>
           <a:xfrm>
-            <a:off x="6737893" y="2920483"/>
-            <a:ext cx="1307014" cy="1322180"/>
+            <a:off x="7149033" y="2901861"/>
+            <a:ext cx="976161" cy="1377116"/>
           </a:xfrm>
           <a:prstGeom prst="straightConnector1">
             <a:avLst/>
@@ -8456,6 +8867,7 @@
             </a:extLst>
           </p:cNvPr>
           <p:cNvCxnSpPr>
+            <a:cxnSpLocks/>
             <a:stCxn id="7" idx="2"/>
             <a:endCxn id="8" idx="6"/>
           </p:cNvCxnSpPr>
@@ -8463,7 +8875,7 @@
         </p:nvCxnSpPr>
         <p:spPr>
           <a:xfrm flipH="1">
-            <a:off x="4412974" y="4711321"/>
+            <a:off x="4412974" y="4835303"/>
             <a:ext cx="3366052" cy="0"/>
           </a:xfrm>
           <a:prstGeom prst="straightConnector1">
@@ -8498,6 +8910,7 @@
             </a:extLst>
           </p:cNvPr>
           <p:cNvCxnSpPr>
+            <a:cxnSpLocks/>
             <a:stCxn id="8" idx="7"/>
             <a:endCxn id="5" idx="3"/>
           </p:cNvCxnSpPr>
@@ -8505,8 +8918,8 @@
         </p:nvCxnSpPr>
         <p:spPr>
           <a:xfrm flipV="1">
-            <a:off x="4147093" y="2920483"/>
-            <a:ext cx="1307014" cy="1322180"/>
+            <a:off x="4066806" y="2901861"/>
+            <a:ext cx="976161" cy="1377116"/>
           </a:xfrm>
           <a:prstGeom prst="straightConnector1">
             <a:avLst/>
@@ -8516,14 +8929,14 @@
           </a:ln>
         </p:spPr>
         <p:style>
-          <a:lnRef idx="1">
-            <a:schemeClr val="accent1"/>
+          <a:lnRef idx="3">
+            <a:schemeClr val="accent2"/>
           </a:lnRef>
           <a:fillRef idx="0">
-            <a:schemeClr val="accent1"/>
+            <a:schemeClr val="accent2"/>
           </a:fillRef>
-          <a:effectRef idx="0">
-            <a:schemeClr val="accent1"/>
+          <a:effectRef idx="2">
+            <a:schemeClr val="accent2"/>
           </a:effectRef>
           <a:fontRef idx="minor">
             <a:schemeClr val="tx1"/>
@@ -8544,8 +8957,8 @@
         </p:nvSpPr>
         <p:spPr>
           <a:xfrm>
-            <a:off x="7391400" y="3236070"/>
-            <a:ext cx="854273" cy="369332"/>
+            <a:off x="7579211" y="3154926"/>
+            <a:ext cx="1091966" cy="461665"/>
           </a:xfrm>
           <a:prstGeom prst="rect">
             <a:avLst/>
@@ -8559,7 +8972,7 @@
           <a:lstStyle/>
           <a:p>
             <a:r>
-              <a:rPr lang="en-US" dirty="0"/>
+              <a:rPr lang="en-US" sz="2400" dirty="0"/>
               <a:t>Modify</a:t>
             </a:r>
           </a:p>
@@ -8580,7 +8993,7 @@
         <p:spPr>
           <a:xfrm>
             <a:off x="5614041" y="4810648"/>
-            <a:ext cx="761299" cy="369332"/>
+            <a:ext cx="971741" cy="461665"/>
           </a:xfrm>
           <a:prstGeom prst="rect">
             <a:avLst/>
@@ -8594,7 +9007,7 @@
           <a:lstStyle/>
           <a:p>
             <a:r>
-              <a:rPr lang="en-US" dirty="0"/>
+              <a:rPr lang="en-US" sz="2400" dirty="0"/>
               <a:t>Notify</a:t>
             </a:r>
           </a:p>
@@ -8614,8 +9027,8 @@
         </p:nvSpPr>
         <p:spPr>
           <a:xfrm>
-            <a:off x="3634896" y="3238549"/>
-            <a:ext cx="1165704" cy="369332"/>
+            <a:off x="2901596" y="3178608"/>
+            <a:ext cx="1568058" cy="461665"/>
           </a:xfrm>
           <a:prstGeom prst="rect">
             <a:avLst/>
@@ -8629,8 +9042,16 @@
           <a:lstStyle/>
           <a:p>
             <a:r>
+              <a:rPr lang="en-US" sz="2400" dirty="0"/>
+              <a:t>User</a:t>
+            </a:r>
+            <a:r>
               <a:rPr lang="en-US" dirty="0"/>
-              <a:t>User input</a:t>
+              <a:t> </a:t>
+            </a:r>
+            <a:r>
+              <a:rPr lang="en-US" sz="2400" dirty="0"/>
+              <a:t>input</a:t>
             </a:r>
           </a:p>
         </p:txBody>
@@ -8638,7 +9059,951 @@
     </p:spTree>
     <p:extLst>
       <p:ext uri="{BB962C8B-B14F-4D97-AF65-F5344CB8AC3E}">
-        <p14:creationId xmlns:p14="http://schemas.microsoft.com/office/powerpoint/2010/main" val="686885156"/>
+        <p14:creationId xmlns:p14="http://schemas.microsoft.com/office/powerpoint/2010/main" val="1388772607"/>
+      </p:ext>
+    </p:extLst>
+  </p:cSld>
+  <p:clrMapOvr>
+    <a:masterClrMapping/>
+  </p:clrMapOvr>
+</p:sld>
+</file>
+
+<file path=ppt/slides/slide13.xml><?xml version="1.0" encoding="utf-8"?>
+<p:sld xmlns:a="http://schemas.openxmlformats.org/drawingml/2006/main" xmlns:r="http://schemas.openxmlformats.org/officeDocument/2006/relationships" xmlns:p="http://schemas.openxmlformats.org/presentationml/2006/main">
+  <p:cSld>
+    <p:spTree>
+      <p:nvGrpSpPr>
+        <p:cNvPr id="1" name=""/>
+        <p:cNvGrpSpPr/>
+        <p:nvPr/>
+      </p:nvGrpSpPr>
+      <p:grpSpPr>
+        <a:xfrm>
+          <a:off x="0" y="0"/>
+          <a:ext cx="0" cy="0"/>
+          <a:chOff x="0" y="0"/>
+          <a:chExt cx="0" cy="0"/>
+        </a:xfrm>
+      </p:grpSpPr>
+      <p:sp>
+        <p:nvSpPr>
+          <p:cNvPr id="2" name="Title 1">
+            <a:extLst>
+              <a:ext uri="{FF2B5EF4-FFF2-40B4-BE49-F238E27FC236}">
+                <a16:creationId xmlns:a16="http://schemas.microsoft.com/office/drawing/2014/main" id="{DD144102-7E32-40F1-A09A-43BFF4A3741A}"/>
+              </a:ext>
+            </a:extLst>
+          </p:cNvPr>
+          <p:cNvSpPr>
+            <a:spLocks noGrp="1"/>
+          </p:cNvSpPr>
+          <p:nvPr>
+            <p:ph type="title" idx="4294967295"/>
+          </p:nvPr>
+        </p:nvSpPr>
+        <p:spPr>
+          <a:xfrm>
+            <a:off x="476251" y="273050"/>
+            <a:ext cx="10970683" cy="923764"/>
+          </a:xfrm>
+        </p:spPr>
+        <p:txBody>
+          <a:bodyPr/>
+          <a:lstStyle/>
+          <a:p>
+            <a:r>
+              <a:rPr lang="ru-RU" sz="4400" dirty="0"/>
+              <a:t>Пример</a:t>
+            </a:r>
+            <a:endParaRPr lang="en-US" sz="4400" dirty="0"/>
+          </a:p>
+        </p:txBody>
+      </p:sp>
+    </p:spTree>
+    <p:extLst>
+      <p:ext uri="{BB962C8B-B14F-4D97-AF65-F5344CB8AC3E}">
+        <p14:creationId xmlns:p14="http://schemas.microsoft.com/office/powerpoint/2010/main" val="960205906"/>
+      </p:ext>
+    </p:extLst>
+  </p:cSld>
+  <p:clrMapOvr>
+    <a:masterClrMapping/>
+  </p:clrMapOvr>
+</p:sld>
+</file>
+
+<file path=ppt/slides/slide14.xml><?xml version="1.0" encoding="utf-8"?>
+<p:sld xmlns:a="http://schemas.openxmlformats.org/drawingml/2006/main" xmlns:r="http://schemas.openxmlformats.org/officeDocument/2006/relationships" xmlns:p="http://schemas.openxmlformats.org/presentationml/2006/main">
+  <p:cSld>
+    <p:spTree>
+      <p:nvGrpSpPr>
+        <p:cNvPr id="1" name=""/>
+        <p:cNvGrpSpPr/>
+        <p:nvPr/>
+      </p:nvGrpSpPr>
+      <p:grpSpPr>
+        <a:xfrm>
+          <a:off x="0" y="0"/>
+          <a:ext cx="0" cy="0"/>
+          <a:chOff x="0" y="0"/>
+          <a:chExt cx="0" cy="0"/>
+        </a:xfrm>
+      </p:grpSpPr>
+      <p:sp>
+        <p:nvSpPr>
+          <p:cNvPr id="3" name="Content Placeholder 2">
+            <a:extLst>
+              <a:ext uri="{FF2B5EF4-FFF2-40B4-BE49-F238E27FC236}">
+                <a16:creationId xmlns:a16="http://schemas.microsoft.com/office/drawing/2014/main" id="{3B2C5BE6-D34A-45E7-9D58-0F5E145CB046}"/>
+              </a:ext>
+            </a:extLst>
+          </p:cNvPr>
+          <p:cNvSpPr>
+            <a:spLocks noGrp="1"/>
+          </p:cNvSpPr>
+          <p:nvPr>
+            <p:ph idx="1"/>
+          </p:nvPr>
+        </p:nvSpPr>
+        <p:spPr/>
+        <p:txBody>
+          <a:bodyPr/>
+          <a:lstStyle/>
+          <a:p>
+            <a:r>
+              <a:rPr lang="ru-RU" sz="2400" dirty="0"/>
+              <a:t>Написать тесты на бизнес-логику без графической составляющей</a:t>
+            </a:r>
+          </a:p>
+          <a:p>
+            <a:r>
+              <a:rPr lang="ru-RU" sz="2400" dirty="0"/>
+              <a:t>Проверить что возможно без больших переделок поменять</a:t>
+            </a:r>
+            <a:r>
+              <a:rPr lang="en-US" sz="2400" dirty="0"/>
+              <a:t> View</a:t>
+            </a:r>
+          </a:p>
+          <a:p>
+            <a:r>
+              <a:rPr lang="ru-RU" sz="2400" dirty="0"/>
+              <a:t>Проверить что возможно без больших переделок поменять</a:t>
+            </a:r>
+            <a:r>
+              <a:rPr lang="en-US" sz="2400" dirty="0"/>
+              <a:t> Controller</a:t>
+            </a:r>
+          </a:p>
+          <a:p>
+            <a:endParaRPr lang="en-US" dirty="0"/>
+          </a:p>
+        </p:txBody>
+      </p:sp>
+      <p:sp>
+        <p:nvSpPr>
+          <p:cNvPr id="2" name="Title 1">
+            <a:extLst>
+              <a:ext uri="{FF2B5EF4-FFF2-40B4-BE49-F238E27FC236}">
+                <a16:creationId xmlns:a16="http://schemas.microsoft.com/office/drawing/2014/main" id="{DD144102-7E32-40F1-A09A-43BFF4A3741A}"/>
+              </a:ext>
+            </a:extLst>
+          </p:cNvPr>
+          <p:cNvSpPr>
+            <a:spLocks noGrp="1"/>
+          </p:cNvSpPr>
+          <p:nvPr>
+            <p:ph type="title" idx="4294967295"/>
+          </p:nvPr>
+        </p:nvSpPr>
+        <p:spPr/>
+        <p:txBody>
+          <a:bodyPr/>
+          <a:lstStyle/>
+          <a:p>
+            <a:r>
+              <a:rPr lang="ru-RU" sz="4400" dirty="0"/>
+              <a:t>Как убедится что </a:t>
+            </a:r>
+            <a:r>
+              <a:rPr lang="en-US" sz="4400" dirty="0"/>
+              <a:t>MVC </a:t>
+            </a:r>
+            <a:br>
+              <a:rPr lang="en-US" sz="4400" dirty="0"/>
+            </a:br>
+            <a:r>
+              <a:rPr lang="ru-RU" sz="4400" dirty="0"/>
+              <a:t>реализован верно</a:t>
+            </a:r>
+            <a:r>
+              <a:rPr lang="en-US" sz="4400" dirty="0"/>
+              <a:t>?</a:t>
+            </a:r>
+          </a:p>
+        </p:txBody>
+      </p:sp>
+    </p:spTree>
+    <p:extLst>
+      <p:ext uri="{BB962C8B-B14F-4D97-AF65-F5344CB8AC3E}">
+        <p14:creationId xmlns:p14="http://schemas.microsoft.com/office/powerpoint/2010/main" val="794208253"/>
+      </p:ext>
+    </p:extLst>
+  </p:cSld>
+  <p:clrMapOvr>
+    <a:masterClrMapping/>
+  </p:clrMapOvr>
+</p:sld>
+</file>
+
+<file path=ppt/slides/slide15.xml><?xml version="1.0" encoding="utf-8"?>
+<p:sld xmlns:a="http://schemas.openxmlformats.org/drawingml/2006/main" xmlns:r="http://schemas.openxmlformats.org/officeDocument/2006/relationships" xmlns:p="http://schemas.openxmlformats.org/presentationml/2006/main">
+  <p:cSld>
+    <p:spTree>
+      <p:nvGrpSpPr>
+        <p:cNvPr id="1" name=""/>
+        <p:cNvGrpSpPr/>
+        <p:nvPr/>
+      </p:nvGrpSpPr>
+      <p:grpSpPr>
+        <a:xfrm>
+          <a:off x="0" y="0"/>
+          <a:ext cx="0" cy="0"/>
+          <a:chOff x="0" y="0"/>
+          <a:chExt cx="0" cy="0"/>
+        </a:xfrm>
+      </p:grpSpPr>
+      <p:sp>
+        <p:nvSpPr>
+          <p:cNvPr id="2" name="Content Placeholder 1">
+            <a:extLst>
+              <a:ext uri="{FF2B5EF4-FFF2-40B4-BE49-F238E27FC236}">
+                <a16:creationId xmlns:a16="http://schemas.microsoft.com/office/drawing/2014/main" id="{551FF156-BABA-4913-9098-9733396C9CA4}"/>
+              </a:ext>
+            </a:extLst>
+          </p:cNvPr>
+          <p:cNvSpPr>
+            <a:spLocks noGrp="1"/>
+          </p:cNvSpPr>
+          <p:nvPr>
+            <p:ph idx="1"/>
+          </p:nvPr>
+        </p:nvSpPr>
+        <p:spPr/>
+        <p:txBody>
+          <a:bodyPr/>
+          <a:lstStyle/>
+          <a:p>
+            <a:r>
+              <a:rPr lang="ru-RU" sz="2400" dirty="0"/>
+              <a:t>Исходный код примера - </a:t>
+            </a:r>
+            <a:r>
+              <a:rPr lang="en-US" sz="2400" dirty="0"/>
+              <a:t>https://github.com/dzavodchikov/ChessMVC.git</a:t>
+            </a:r>
+          </a:p>
+        </p:txBody>
+      </p:sp>
+      <p:sp>
+        <p:nvSpPr>
+          <p:cNvPr id="3" name="Title 2">
+            <a:extLst>
+              <a:ext uri="{FF2B5EF4-FFF2-40B4-BE49-F238E27FC236}">
+                <a16:creationId xmlns:a16="http://schemas.microsoft.com/office/drawing/2014/main" id="{BF89FFDB-9289-48E4-B299-C6892A18B621}"/>
+              </a:ext>
+            </a:extLst>
+          </p:cNvPr>
+          <p:cNvSpPr>
+            <a:spLocks noGrp="1"/>
+          </p:cNvSpPr>
+          <p:nvPr>
+            <p:ph type="title" idx="4294967295"/>
+          </p:nvPr>
+        </p:nvSpPr>
+        <p:spPr/>
+        <p:txBody>
+          <a:bodyPr/>
+          <a:lstStyle/>
+          <a:p>
+            <a:r>
+              <a:rPr lang="ru-RU" sz="3200" dirty="0"/>
+              <a:t>Ссылки</a:t>
+            </a:r>
+            <a:endParaRPr lang="en-US" sz="3200" dirty="0"/>
+          </a:p>
+        </p:txBody>
+      </p:sp>
+    </p:spTree>
+    <p:extLst>
+      <p:ext uri="{BB962C8B-B14F-4D97-AF65-F5344CB8AC3E}">
+        <p14:creationId xmlns:p14="http://schemas.microsoft.com/office/powerpoint/2010/main" val="4218408265"/>
+      </p:ext>
+    </p:extLst>
+  </p:cSld>
+  <p:clrMapOvr>
+    <a:masterClrMapping/>
+  </p:clrMapOvr>
+</p:sld>
+</file>
+
+<file path=ppt/slides/slide2.xml><?xml version="1.0" encoding="utf-8"?>
+<p:sld xmlns:a="http://schemas.openxmlformats.org/drawingml/2006/main" xmlns:r="http://schemas.openxmlformats.org/officeDocument/2006/relationships" xmlns:p="http://schemas.openxmlformats.org/presentationml/2006/main">
+  <p:cSld>
+    <p:spTree>
+      <p:nvGrpSpPr>
+        <p:cNvPr id="1" name=""/>
+        <p:cNvGrpSpPr/>
+        <p:nvPr/>
+      </p:nvGrpSpPr>
+      <p:grpSpPr>
+        <a:xfrm>
+          <a:off x="0" y="0"/>
+          <a:ext cx="0" cy="0"/>
+          <a:chOff x="0" y="0"/>
+          <a:chExt cx="0" cy="0"/>
+        </a:xfrm>
+      </p:grpSpPr>
+      <p:sp>
+        <p:nvSpPr>
+          <p:cNvPr id="5" name="Content Placeholder 4">
+            <a:extLst>
+              <a:ext uri="{FF2B5EF4-FFF2-40B4-BE49-F238E27FC236}">
+                <a16:creationId xmlns:a16="http://schemas.microsoft.com/office/drawing/2014/main" id="{B468549D-ACD7-4A10-A139-B0E520826276}"/>
+              </a:ext>
+            </a:extLst>
+          </p:cNvPr>
+          <p:cNvSpPr>
+            <a:spLocks noGrp="1"/>
+          </p:cNvSpPr>
+          <p:nvPr>
+            <p:ph idx="1"/>
+          </p:nvPr>
+        </p:nvSpPr>
+        <p:spPr/>
+        <p:txBody>
+          <a:bodyPr anchor="ctr"/>
+          <a:lstStyle/>
+          <a:p>
+            <a:pPr marL="0" indent="0" algn="ctr">
+              <a:buNone/>
+            </a:pPr>
+            <a:r>
+              <a:rPr lang="en-US" sz="9600" dirty="0"/>
+              <a:t>?</a:t>
+            </a:r>
+          </a:p>
+        </p:txBody>
+      </p:sp>
+      <p:sp>
+        <p:nvSpPr>
+          <p:cNvPr id="2" name="Title 1">
+            <a:extLst>
+              <a:ext uri="{FF2B5EF4-FFF2-40B4-BE49-F238E27FC236}">
+                <a16:creationId xmlns:a16="http://schemas.microsoft.com/office/drawing/2014/main" id="{6FA9C4B6-BAB0-4762-ABAB-5686C70A65B0}"/>
+              </a:ext>
+            </a:extLst>
+          </p:cNvPr>
+          <p:cNvSpPr>
+            <a:spLocks noGrp="1"/>
+          </p:cNvSpPr>
+          <p:nvPr>
+            <p:ph type="title" idx="4294967295"/>
+          </p:nvPr>
+        </p:nvSpPr>
+        <p:spPr/>
+        <p:txBody>
+          <a:bodyPr/>
+          <a:lstStyle/>
+          <a:p>
+            <a:r>
+              <a:rPr lang="ru-RU" sz="4400" dirty="0"/>
+              <a:t>Парадигма ООП</a:t>
+            </a:r>
+            <a:endParaRPr lang="en-US" sz="4400" dirty="0"/>
+          </a:p>
+        </p:txBody>
+      </p:sp>
+    </p:spTree>
+    <p:extLst>
+      <p:ext uri="{BB962C8B-B14F-4D97-AF65-F5344CB8AC3E}">
+        <p14:creationId xmlns:p14="http://schemas.microsoft.com/office/powerpoint/2010/main" val="3165666515"/>
+      </p:ext>
+    </p:extLst>
+  </p:cSld>
+  <p:clrMapOvr>
+    <a:masterClrMapping/>
+  </p:clrMapOvr>
+</p:sld>
+</file>
+
+<file path=ppt/slides/slide3.xml><?xml version="1.0" encoding="utf-8"?>
+<p:sld xmlns:a="http://schemas.openxmlformats.org/drawingml/2006/main" xmlns:r="http://schemas.openxmlformats.org/officeDocument/2006/relationships" xmlns:p="http://schemas.openxmlformats.org/presentationml/2006/main">
+  <p:cSld>
+    <p:spTree>
+      <p:nvGrpSpPr>
+        <p:cNvPr id="1" name=""/>
+        <p:cNvGrpSpPr/>
+        <p:nvPr/>
+      </p:nvGrpSpPr>
+      <p:grpSpPr>
+        <a:xfrm>
+          <a:off x="0" y="0"/>
+          <a:ext cx="0" cy="0"/>
+          <a:chOff x="0" y="0"/>
+          <a:chExt cx="0" cy="0"/>
+        </a:xfrm>
+      </p:grpSpPr>
+      <p:sp>
+        <p:nvSpPr>
+          <p:cNvPr id="3" name="Content Placeholder 2">
+            <a:extLst>
+              <a:ext uri="{FF2B5EF4-FFF2-40B4-BE49-F238E27FC236}">
+                <a16:creationId xmlns:a16="http://schemas.microsoft.com/office/drawing/2014/main" id="{EDE4C5BA-64FB-4E18-8AA7-C02975E8C823}"/>
+              </a:ext>
+            </a:extLst>
+          </p:cNvPr>
+          <p:cNvSpPr>
+            <a:spLocks noGrp="1"/>
+          </p:cNvSpPr>
+          <p:nvPr>
+            <p:ph idx="1"/>
+          </p:nvPr>
+        </p:nvSpPr>
+        <p:spPr/>
+        <p:txBody>
+          <a:bodyPr/>
+          <a:lstStyle/>
+          <a:p>
+            <a:pPr marL="0" indent="0">
+              <a:buNone/>
+            </a:pPr>
+            <a:r>
+              <a:rPr lang="ru-RU" sz="2400" dirty="0"/>
+              <a:t>ООП – парадигма программирования, основанная на представлении </a:t>
+            </a:r>
+            <a:br>
+              <a:rPr lang="ru-RU" sz="2400" dirty="0"/>
+            </a:br>
+            <a:r>
+              <a:rPr lang="ru-RU" sz="2400" dirty="0"/>
+              <a:t>программы в виде совокупности объектов взаимодействующих друг с </a:t>
+            </a:r>
+            <a:br>
+              <a:rPr lang="ru-RU" sz="2400" dirty="0"/>
+            </a:br>
+            <a:r>
+              <a:rPr lang="ru-RU" sz="2400" dirty="0"/>
+              <a:t>другом</a:t>
+            </a:r>
+            <a:endParaRPr lang="en-US" sz="2400" dirty="0"/>
+          </a:p>
+        </p:txBody>
+      </p:sp>
+      <p:sp>
+        <p:nvSpPr>
+          <p:cNvPr id="2" name="Title 1">
+            <a:extLst>
+              <a:ext uri="{FF2B5EF4-FFF2-40B4-BE49-F238E27FC236}">
+                <a16:creationId xmlns:a16="http://schemas.microsoft.com/office/drawing/2014/main" id="{5C88C871-AC73-421E-96B8-9C0711E8B639}"/>
+              </a:ext>
+            </a:extLst>
+          </p:cNvPr>
+          <p:cNvSpPr>
+            <a:spLocks noGrp="1"/>
+          </p:cNvSpPr>
+          <p:nvPr>
+            <p:ph type="title" idx="4294967295"/>
+          </p:nvPr>
+        </p:nvSpPr>
+        <p:spPr/>
+        <p:txBody>
+          <a:bodyPr/>
+          <a:lstStyle/>
+          <a:p>
+            <a:r>
+              <a:rPr lang="ru-RU" sz="4400" dirty="0"/>
+              <a:t>Парадигма ООП</a:t>
+            </a:r>
+            <a:endParaRPr lang="en-US" sz="4400" dirty="0"/>
+          </a:p>
+        </p:txBody>
+      </p:sp>
+    </p:spTree>
+    <p:extLst>
+      <p:ext uri="{BB962C8B-B14F-4D97-AF65-F5344CB8AC3E}">
+        <p14:creationId xmlns:p14="http://schemas.microsoft.com/office/powerpoint/2010/main" val="3169105863"/>
+      </p:ext>
+    </p:extLst>
+  </p:cSld>
+  <p:clrMapOvr>
+    <a:masterClrMapping/>
+  </p:clrMapOvr>
+</p:sld>
+</file>
+
+<file path=ppt/slides/slide4.xml><?xml version="1.0" encoding="utf-8"?>
+<p:sld xmlns:a="http://schemas.openxmlformats.org/drawingml/2006/main" xmlns:r="http://schemas.openxmlformats.org/officeDocument/2006/relationships" xmlns:p="http://schemas.openxmlformats.org/presentationml/2006/main">
+  <p:cSld>
+    <p:spTree>
+      <p:nvGrpSpPr>
+        <p:cNvPr id="1" name=""/>
+        <p:cNvGrpSpPr/>
+        <p:nvPr/>
+      </p:nvGrpSpPr>
+      <p:grpSpPr>
+        <a:xfrm>
+          <a:off x="0" y="0"/>
+          <a:ext cx="0" cy="0"/>
+          <a:chOff x="0" y="0"/>
+          <a:chExt cx="0" cy="0"/>
+        </a:xfrm>
+      </p:grpSpPr>
+      <p:sp>
+        <p:nvSpPr>
+          <p:cNvPr id="5" name="Content Placeholder 4">
+            <a:extLst>
+              <a:ext uri="{FF2B5EF4-FFF2-40B4-BE49-F238E27FC236}">
+                <a16:creationId xmlns:a16="http://schemas.microsoft.com/office/drawing/2014/main" id="{C4845E74-6DF5-4C93-A043-6CF622F08DCF}"/>
+              </a:ext>
+            </a:extLst>
+          </p:cNvPr>
+          <p:cNvSpPr>
+            <a:spLocks noGrp="1"/>
+          </p:cNvSpPr>
+          <p:nvPr>
+            <p:ph idx="1"/>
+          </p:nvPr>
+        </p:nvSpPr>
+        <p:spPr/>
+        <p:txBody>
+          <a:bodyPr anchor="ctr"/>
+          <a:lstStyle/>
+          <a:p>
+            <a:pPr marL="0" indent="0" algn="ctr">
+              <a:buNone/>
+            </a:pPr>
+            <a:r>
+              <a:rPr lang="en-US" sz="9600" dirty="0"/>
+              <a:t>?</a:t>
+            </a:r>
+          </a:p>
+        </p:txBody>
+      </p:sp>
+      <p:sp>
+        <p:nvSpPr>
+          <p:cNvPr id="2" name="Title 1">
+            <a:extLst>
+              <a:ext uri="{FF2B5EF4-FFF2-40B4-BE49-F238E27FC236}">
+                <a16:creationId xmlns:a16="http://schemas.microsoft.com/office/drawing/2014/main" id="{52B3999F-E3C5-493E-9083-6B8EC84D38D1}"/>
+              </a:ext>
+            </a:extLst>
+          </p:cNvPr>
+          <p:cNvSpPr>
+            <a:spLocks noGrp="1"/>
+          </p:cNvSpPr>
+          <p:nvPr>
+            <p:ph type="title" idx="4294967295"/>
+          </p:nvPr>
+        </p:nvSpPr>
+        <p:spPr/>
+        <p:txBody>
+          <a:bodyPr/>
+          <a:lstStyle/>
+          <a:p>
+            <a:r>
+              <a:rPr lang="ru-RU" sz="4400" dirty="0"/>
+              <a:t>Цели и задачи ООП</a:t>
+            </a:r>
+            <a:endParaRPr lang="en-US" sz="4400" dirty="0"/>
+          </a:p>
+        </p:txBody>
+      </p:sp>
+    </p:spTree>
+    <p:extLst>
+      <p:ext uri="{BB962C8B-B14F-4D97-AF65-F5344CB8AC3E}">
+        <p14:creationId xmlns:p14="http://schemas.microsoft.com/office/powerpoint/2010/main" val="3118842094"/>
+      </p:ext>
+    </p:extLst>
+  </p:cSld>
+  <p:clrMapOvr>
+    <a:masterClrMapping/>
+  </p:clrMapOvr>
+</p:sld>
+</file>
+
+<file path=ppt/slides/slide5.xml><?xml version="1.0" encoding="utf-8"?>
+<p:sld xmlns:a="http://schemas.openxmlformats.org/drawingml/2006/main" xmlns:r="http://schemas.openxmlformats.org/officeDocument/2006/relationships" xmlns:p="http://schemas.openxmlformats.org/presentationml/2006/main">
+  <p:cSld>
+    <p:spTree>
+      <p:nvGrpSpPr>
+        <p:cNvPr id="1" name=""/>
+        <p:cNvGrpSpPr/>
+        <p:nvPr/>
+      </p:nvGrpSpPr>
+      <p:grpSpPr>
+        <a:xfrm>
+          <a:off x="0" y="0"/>
+          <a:ext cx="0" cy="0"/>
+          <a:chOff x="0" y="0"/>
+          <a:chExt cx="0" cy="0"/>
+        </a:xfrm>
+      </p:grpSpPr>
+      <p:sp>
+        <p:nvSpPr>
+          <p:cNvPr id="3" name="Content Placeholder 2">
+            <a:extLst>
+              <a:ext uri="{FF2B5EF4-FFF2-40B4-BE49-F238E27FC236}">
+                <a16:creationId xmlns:a16="http://schemas.microsoft.com/office/drawing/2014/main" id="{B6881D37-7E04-4EE4-84B9-D4FD82B22103}"/>
+              </a:ext>
+            </a:extLst>
+          </p:cNvPr>
+          <p:cNvSpPr>
+            <a:spLocks noGrp="1"/>
+          </p:cNvSpPr>
+          <p:nvPr>
+            <p:ph idx="1"/>
+          </p:nvPr>
+        </p:nvSpPr>
+        <p:spPr/>
+        <p:txBody>
+          <a:bodyPr/>
+          <a:lstStyle/>
+          <a:p>
+            <a:r>
+              <a:rPr lang="ru-RU" sz="2400" dirty="0"/>
+              <a:t>Борьба со сложностью</a:t>
+            </a:r>
+          </a:p>
+          <a:p>
+            <a:r>
+              <a:rPr lang="ru-RU" sz="2400" dirty="0"/>
+              <a:t>Повышение качества кода</a:t>
+            </a:r>
+          </a:p>
+          <a:p>
+            <a:r>
+              <a:rPr lang="ru-RU" sz="2400" dirty="0"/>
+              <a:t>Организация больших объемов кода</a:t>
+            </a:r>
+          </a:p>
+          <a:p>
+            <a:r>
+              <a:rPr lang="ru-RU" sz="2400" dirty="0"/>
+              <a:t>Локализация функциональностей</a:t>
+            </a:r>
+          </a:p>
+          <a:p>
+            <a:r>
+              <a:rPr lang="ru-RU" sz="2400" dirty="0"/>
+              <a:t>Совместная разработка</a:t>
+            </a:r>
+          </a:p>
+          <a:p>
+            <a:r>
+              <a:rPr lang="ru-RU" sz="2400" dirty="0"/>
+              <a:t>Читаемость кода</a:t>
+            </a:r>
+          </a:p>
+          <a:p>
+            <a:r>
+              <a:rPr lang="ru-RU" sz="2400" dirty="0"/>
+              <a:t>Ответ на будущие изменения</a:t>
+            </a:r>
+            <a:endParaRPr lang="en-US" sz="2400" dirty="0"/>
+          </a:p>
+        </p:txBody>
+      </p:sp>
+      <p:sp>
+        <p:nvSpPr>
+          <p:cNvPr id="2" name="Title 1">
+            <a:extLst>
+              <a:ext uri="{FF2B5EF4-FFF2-40B4-BE49-F238E27FC236}">
+                <a16:creationId xmlns:a16="http://schemas.microsoft.com/office/drawing/2014/main" id="{95184605-EE2A-48C6-AA74-51ABA898C032}"/>
+              </a:ext>
+            </a:extLst>
+          </p:cNvPr>
+          <p:cNvSpPr>
+            <a:spLocks noGrp="1"/>
+          </p:cNvSpPr>
+          <p:nvPr>
+            <p:ph type="title" idx="4294967295"/>
+          </p:nvPr>
+        </p:nvSpPr>
+        <p:spPr/>
+        <p:txBody>
+          <a:bodyPr/>
+          <a:lstStyle/>
+          <a:p>
+            <a:r>
+              <a:rPr lang="ru-RU" sz="4400" dirty="0"/>
+              <a:t>Цели и задачи ООП</a:t>
+            </a:r>
+            <a:endParaRPr lang="en-US" sz="4400" dirty="0"/>
+          </a:p>
+        </p:txBody>
+      </p:sp>
+    </p:spTree>
+    <p:extLst>
+      <p:ext uri="{BB962C8B-B14F-4D97-AF65-F5344CB8AC3E}">
+        <p14:creationId xmlns:p14="http://schemas.microsoft.com/office/powerpoint/2010/main" val="3509309235"/>
+      </p:ext>
+    </p:extLst>
+  </p:cSld>
+  <p:clrMapOvr>
+    <a:masterClrMapping/>
+  </p:clrMapOvr>
+</p:sld>
+</file>
+
+<file path=ppt/slides/slide6.xml><?xml version="1.0" encoding="utf-8"?>
+<p:sld xmlns:a="http://schemas.openxmlformats.org/drawingml/2006/main" xmlns:r="http://schemas.openxmlformats.org/officeDocument/2006/relationships" xmlns:p="http://schemas.openxmlformats.org/presentationml/2006/main">
+  <p:cSld>
+    <p:spTree>
+      <p:nvGrpSpPr>
+        <p:cNvPr id="1" name=""/>
+        <p:cNvGrpSpPr/>
+        <p:nvPr/>
+      </p:nvGrpSpPr>
+      <p:grpSpPr>
+        <a:xfrm>
+          <a:off x="0" y="0"/>
+          <a:ext cx="0" cy="0"/>
+          <a:chOff x="0" y="0"/>
+          <a:chExt cx="0" cy="0"/>
+        </a:xfrm>
+      </p:grpSpPr>
+      <p:sp>
+        <p:nvSpPr>
+          <p:cNvPr id="3" name="Content Placeholder 2">
+            <a:extLst>
+              <a:ext uri="{FF2B5EF4-FFF2-40B4-BE49-F238E27FC236}">
+                <a16:creationId xmlns:a16="http://schemas.microsoft.com/office/drawing/2014/main" id="{B6881D37-7E04-4EE4-84B9-D4FD82B22103}"/>
+              </a:ext>
+            </a:extLst>
+          </p:cNvPr>
+          <p:cNvSpPr>
+            <a:spLocks noGrp="1"/>
+          </p:cNvSpPr>
+          <p:nvPr>
+            <p:ph idx="1"/>
+          </p:nvPr>
+        </p:nvSpPr>
+        <p:spPr/>
+        <p:txBody>
+          <a:bodyPr anchor="ctr"/>
+          <a:lstStyle/>
+          <a:p>
+            <a:pPr marL="0" indent="0" algn="ctr">
+              <a:buNone/>
+            </a:pPr>
+            <a:r>
+              <a:rPr lang="ru-RU" sz="3600" dirty="0"/>
+              <a:t>Повышение эффективности разработки</a:t>
+            </a:r>
+            <a:endParaRPr lang="en-US" sz="3600" dirty="0"/>
+          </a:p>
+        </p:txBody>
+      </p:sp>
+      <p:sp>
+        <p:nvSpPr>
+          <p:cNvPr id="2" name="Title 1">
+            <a:extLst>
+              <a:ext uri="{FF2B5EF4-FFF2-40B4-BE49-F238E27FC236}">
+                <a16:creationId xmlns:a16="http://schemas.microsoft.com/office/drawing/2014/main" id="{95184605-EE2A-48C6-AA74-51ABA898C032}"/>
+              </a:ext>
+            </a:extLst>
+          </p:cNvPr>
+          <p:cNvSpPr>
+            <a:spLocks noGrp="1"/>
+          </p:cNvSpPr>
+          <p:nvPr>
+            <p:ph type="title" idx="4294967295"/>
+          </p:nvPr>
+        </p:nvSpPr>
+        <p:spPr/>
+        <p:txBody>
+          <a:bodyPr/>
+          <a:lstStyle/>
+          <a:p>
+            <a:r>
+              <a:rPr lang="ru-RU" sz="4400" dirty="0"/>
+              <a:t>Цели и задачи ООП</a:t>
+            </a:r>
+            <a:endParaRPr lang="en-US" sz="4400" dirty="0"/>
+          </a:p>
+        </p:txBody>
+      </p:sp>
+    </p:spTree>
+    <p:extLst>
+      <p:ext uri="{BB962C8B-B14F-4D97-AF65-F5344CB8AC3E}">
+        <p14:creationId xmlns:p14="http://schemas.microsoft.com/office/powerpoint/2010/main" val="3349275770"/>
+      </p:ext>
+    </p:extLst>
+  </p:cSld>
+  <p:clrMapOvr>
+    <a:masterClrMapping/>
+  </p:clrMapOvr>
+</p:sld>
+</file>
+
+<file path=ppt/slides/slide7.xml><?xml version="1.0" encoding="utf-8"?>
+<p:sld xmlns:a="http://schemas.openxmlformats.org/drawingml/2006/main" xmlns:r="http://schemas.openxmlformats.org/officeDocument/2006/relationships" xmlns:p="http://schemas.openxmlformats.org/presentationml/2006/main">
+  <p:cSld>
+    <p:spTree>
+      <p:nvGrpSpPr>
+        <p:cNvPr id="1" name=""/>
+        <p:cNvGrpSpPr/>
+        <p:nvPr/>
+      </p:nvGrpSpPr>
+      <p:grpSpPr>
+        <a:xfrm>
+          <a:off x="0" y="0"/>
+          <a:ext cx="0" cy="0"/>
+          <a:chOff x="0" y="0"/>
+          <a:chExt cx="0" cy="0"/>
+        </a:xfrm>
+      </p:grpSpPr>
+      <p:sp>
+        <p:nvSpPr>
+          <p:cNvPr id="2" name="Title 1">
+            <a:extLst>
+              <a:ext uri="{FF2B5EF4-FFF2-40B4-BE49-F238E27FC236}">
+                <a16:creationId xmlns:a16="http://schemas.microsoft.com/office/drawing/2014/main" id="{DC1AA079-DF3D-4496-A093-94C493EC2A70}"/>
+              </a:ext>
+            </a:extLst>
+          </p:cNvPr>
+          <p:cNvSpPr>
+            <a:spLocks noGrp="1"/>
+          </p:cNvSpPr>
+          <p:nvPr>
+            <p:ph type="title" idx="4294967295"/>
+          </p:nvPr>
+        </p:nvSpPr>
+        <p:spPr/>
+        <p:txBody>
+          <a:bodyPr/>
+          <a:lstStyle/>
+          <a:p>
+            <a:r>
+              <a:rPr lang="ru-RU" sz="4400" dirty="0"/>
+              <a:t>Что такое паттерн?</a:t>
+            </a:r>
+            <a:endParaRPr lang="en-US" sz="4400" dirty="0"/>
+          </a:p>
+        </p:txBody>
+      </p:sp>
+    </p:spTree>
+    <p:extLst>
+      <p:ext uri="{BB962C8B-B14F-4D97-AF65-F5344CB8AC3E}">
+        <p14:creationId xmlns:p14="http://schemas.microsoft.com/office/powerpoint/2010/main" val="2510951144"/>
+      </p:ext>
+    </p:extLst>
+  </p:cSld>
+  <p:clrMapOvr>
+    <a:masterClrMapping/>
+  </p:clrMapOvr>
+</p:sld>
+</file>
+
+<file path=ppt/slides/slide8.xml><?xml version="1.0" encoding="utf-8"?>
+<p:sld xmlns:a="http://schemas.openxmlformats.org/drawingml/2006/main" xmlns:r="http://schemas.openxmlformats.org/officeDocument/2006/relationships" xmlns:p="http://schemas.openxmlformats.org/presentationml/2006/main">
+  <p:cSld>
+    <p:spTree>
+      <p:nvGrpSpPr>
+        <p:cNvPr id="1" name=""/>
+        <p:cNvGrpSpPr/>
+        <p:nvPr/>
+      </p:nvGrpSpPr>
+      <p:grpSpPr>
+        <a:xfrm>
+          <a:off x="0" y="0"/>
+          <a:ext cx="0" cy="0"/>
+          <a:chOff x="0" y="0"/>
+          <a:chExt cx="0" cy="0"/>
+        </a:xfrm>
+      </p:grpSpPr>
+      <p:sp>
+        <p:nvSpPr>
+          <p:cNvPr id="3" name="Content Placeholder 2">
+            <a:extLst>
+              <a:ext uri="{FF2B5EF4-FFF2-40B4-BE49-F238E27FC236}">
+                <a16:creationId xmlns:a16="http://schemas.microsoft.com/office/drawing/2014/main" id="{78933408-8CFF-4DC3-B9F1-2B248CB54E32}"/>
+              </a:ext>
+            </a:extLst>
+          </p:cNvPr>
+          <p:cNvSpPr>
+            <a:spLocks noGrp="1"/>
+          </p:cNvSpPr>
+          <p:nvPr>
+            <p:ph idx="1"/>
+          </p:nvPr>
+        </p:nvSpPr>
+        <p:spPr/>
+        <p:txBody>
+          <a:bodyPr/>
+          <a:lstStyle/>
+          <a:p>
+            <a:pPr marL="0" indent="0">
+              <a:buNone/>
+            </a:pPr>
+            <a:r>
+              <a:rPr lang="ru-RU" sz="2400" dirty="0"/>
+              <a:t>Паттерн - повторяемая архитектурная конструкция, представляющая собой решение проблемы проектирования в рамках некоторого часто </a:t>
+            </a:r>
+            <a:br>
+              <a:rPr lang="en-US" sz="2400" dirty="0"/>
+            </a:br>
+            <a:r>
+              <a:rPr lang="ru-RU" sz="2400" dirty="0"/>
+              <a:t>возникающего контекста.</a:t>
+            </a:r>
+          </a:p>
+          <a:p>
+            <a:pPr marL="0" indent="0">
+              <a:buNone/>
+            </a:pPr>
+            <a:r>
+              <a:rPr lang="ru-RU" sz="2400" dirty="0"/>
+              <a:t>Существует около 2х десятков стандартных паттернов.</a:t>
+            </a:r>
+          </a:p>
+        </p:txBody>
+      </p:sp>
+      <p:sp>
+        <p:nvSpPr>
+          <p:cNvPr id="2" name="Title 1">
+            <a:extLst>
+              <a:ext uri="{FF2B5EF4-FFF2-40B4-BE49-F238E27FC236}">
+                <a16:creationId xmlns:a16="http://schemas.microsoft.com/office/drawing/2014/main" id="{BC355C78-AFC2-4F75-BE66-190895406904}"/>
+              </a:ext>
+            </a:extLst>
+          </p:cNvPr>
+          <p:cNvSpPr>
+            <a:spLocks noGrp="1"/>
+          </p:cNvSpPr>
+          <p:nvPr>
+            <p:ph type="title" idx="4294967295"/>
+          </p:nvPr>
+        </p:nvSpPr>
+        <p:spPr/>
+        <p:txBody>
+          <a:bodyPr/>
+          <a:lstStyle/>
+          <a:p>
+            <a:r>
+              <a:rPr lang="ru-RU" sz="4400" dirty="0"/>
+              <a:t>Что такое паттерн?</a:t>
+            </a:r>
+            <a:endParaRPr lang="en-US" sz="4400" dirty="0"/>
+          </a:p>
+        </p:txBody>
+      </p:sp>
+    </p:spTree>
+    <p:extLst>
+      <p:ext uri="{BB962C8B-B14F-4D97-AF65-F5344CB8AC3E}">
+        <p14:creationId xmlns:p14="http://schemas.microsoft.com/office/powerpoint/2010/main" val="4205887053"/>
       </p:ext>
     </p:extLst>
   </p:cSld>
@@ -8670,7 +10035,7 @@
           <p:cNvPr id="2" name="Title 1">
             <a:extLst>
               <a:ext uri="{FF2B5EF4-FFF2-40B4-BE49-F238E27FC236}">
-                <a16:creationId xmlns:a16="http://schemas.microsoft.com/office/drawing/2014/main" id="{DD144102-7E32-40F1-A09A-43BFF4A3741A}"/>
+                <a16:creationId xmlns:a16="http://schemas.microsoft.com/office/drawing/2014/main" id="{3EC43ACF-EB10-4ED9-8435-0E1F10ECB835}"/>
               </a:ext>
             </a:extLst>
           </p:cNvPr>
@@ -8678,7 +10043,7 @@
             <a:spLocks noGrp="1"/>
           </p:cNvSpPr>
           <p:nvPr>
-            <p:ph type="title" idx="4294967295"/>
+            <p:ph type="title"/>
           </p:nvPr>
         </p:nvSpPr>
         <p:spPr/>
@@ -8688,19 +10053,58 @@
           <a:p>
             <a:r>
               <a:rPr lang="ru-RU" sz="4400" dirty="0"/>
-              <a:t>Какие проблемы решает </a:t>
+              <a:t>Паттерн </a:t>
             </a:r>
             <a:r>
               <a:rPr lang="en-US" sz="4400" dirty="0"/>
-              <a:t>MVC?</a:t>
-            </a:r>
+              <a:t>MVC</a:t>
+            </a:r>
+          </a:p>
+        </p:txBody>
+      </p:sp>
+      <p:sp>
+        <p:nvSpPr>
+          <p:cNvPr id="3" name="Content Placeholder 2">
+            <a:extLst>
+              <a:ext uri="{FF2B5EF4-FFF2-40B4-BE49-F238E27FC236}">
+                <a16:creationId xmlns:a16="http://schemas.microsoft.com/office/drawing/2014/main" id="{07C6A765-34DD-452D-9F5D-637C2A5BA552}"/>
+              </a:ext>
+            </a:extLst>
+          </p:cNvPr>
+          <p:cNvSpPr>
+            <a:spLocks noGrp="1"/>
+          </p:cNvSpPr>
+          <p:nvPr>
+            <p:ph idx="1"/>
+          </p:nvPr>
+        </p:nvSpPr>
+        <p:spPr/>
+        <p:txBody>
+          <a:bodyPr/>
+          <a:lstStyle/>
+          <a:p>
+            <a:pPr marL="0" indent="0">
+              <a:buNone/>
+            </a:pPr>
+            <a:r>
+              <a:rPr lang="ru-RU" sz="2400" dirty="0"/>
+              <a:t>Решает задачи возникающие при разработке приложений с графическими </a:t>
+            </a:r>
+            <a:br>
+              <a:rPr lang="ru-RU" sz="2400" dirty="0"/>
+            </a:br>
+            <a:r>
+              <a:rPr lang="ru-RU" sz="2400" dirty="0"/>
+              <a:t>интерфейсами. </a:t>
+            </a:r>
+            <a:endParaRPr lang="en-US" sz="2400" dirty="0"/>
           </a:p>
         </p:txBody>
       </p:sp>
     </p:spTree>
     <p:extLst>
       <p:ext uri="{BB962C8B-B14F-4D97-AF65-F5344CB8AC3E}">
-        <p14:creationId xmlns:p14="http://schemas.microsoft.com/office/powerpoint/2010/main" val="3930091100"/>
+        <p14:creationId xmlns:p14="http://schemas.microsoft.com/office/powerpoint/2010/main" val="686885156"/>
       </p:ext>
     </p:extLst>
   </p:cSld>
@@ -9672,4 +11076,299 @@
     </a:ext>
   </a:extLst>
 </a:theme>
+</file>
+
+<file path=ppt/theme/theme4.xml><?xml version="1.0" encoding="utf-8"?>
+<a:theme xmlns:a="http://schemas.openxmlformats.org/drawingml/2006/main" name="Office Theme">
+  <a:themeElements>
+    <a:clrScheme name="Office">
+      <a:dk1>
+        <a:sysClr val="windowText" lastClr="000000"/>
+      </a:dk1>
+      <a:lt1>
+        <a:sysClr val="window" lastClr="FFFFFF"/>
+      </a:lt1>
+      <a:dk2>
+        <a:srgbClr val="44546A"/>
+      </a:dk2>
+      <a:lt2>
+        <a:srgbClr val="E7E6E6"/>
+      </a:lt2>
+      <a:accent1>
+        <a:srgbClr val="4472C4"/>
+      </a:accent1>
+      <a:accent2>
+        <a:srgbClr val="ED7D31"/>
+      </a:accent2>
+      <a:accent3>
+        <a:srgbClr val="A5A5A5"/>
+      </a:accent3>
+      <a:accent4>
+        <a:srgbClr val="FFC000"/>
+      </a:accent4>
+      <a:accent5>
+        <a:srgbClr val="5B9BD5"/>
+      </a:accent5>
+      <a:accent6>
+        <a:srgbClr val="70AD47"/>
+      </a:accent6>
+      <a:hlink>
+        <a:srgbClr val="0563C1"/>
+      </a:hlink>
+      <a:folHlink>
+        <a:srgbClr val="954F72"/>
+      </a:folHlink>
+    </a:clrScheme>
+    <a:fontScheme name="Office">
+      <a:majorFont>
+        <a:latin typeface="Calibri Light" panose="020F0302020204030204"/>
+        <a:ea typeface=""/>
+        <a:cs typeface=""/>
+        <a:font script="Jpan" typeface="游ゴシック Light"/>
+        <a:font script="Hang" typeface="맑은 고딕"/>
+        <a:font script="Hans" typeface="等线 Light"/>
+        <a:font script="Hant" typeface="新細明體"/>
+        <a:font script="Arab" typeface="Times New Roman"/>
+        <a:font script="Hebr" typeface="Times New Roman"/>
+        <a:font script="Thai" typeface="Angsana New"/>
+        <a:font script="Ethi" typeface="Nyala"/>
+        <a:font script="Beng" typeface="Vrinda"/>
+        <a:font script="Gujr" typeface="Shruti"/>
+        <a:font script="Khmr" typeface="MoolBoran"/>
+        <a:font script="Knda" typeface="Tunga"/>
+        <a:font script="Guru" typeface="Raavi"/>
+        <a:font script="Cans" typeface="Euphemia"/>
+        <a:font script="Cher" typeface="Plantagenet Cherokee"/>
+        <a:font script="Yiii" typeface="Microsoft Yi Baiti"/>
+        <a:font script="Tibt" typeface="Microsoft Himalaya"/>
+        <a:font script="Thaa" typeface="MV Boli"/>
+        <a:font script="Deva" typeface="Mangal"/>
+        <a:font script="Telu" typeface="Gautami"/>
+        <a:font script="Taml" typeface="Latha"/>
+        <a:font script="Syrc" typeface="Estrangelo Edessa"/>
+        <a:font script="Orya" typeface="Kalinga"/>
+        <a:font script="Mlym" typeface="Kartika"/>
+        <a:font script="Laoo" typeface="DokChampa"/>
+        <a:font script="Sinh" typeface="Iskoola Pota"/>
+        <a:font script="Mong" typeface="Mongolian Baiti"/>
+        <a:font script="Viet" typeface="Times New Roman"/>
+        <a:font script="Uigh" typeface="Microsoft Uighur"/>
+        <a:font script="Geor" typeface="Sylfaen"/>
+        <a:font script="Armn" typeface="Arial"/>
+        <a:font script="Bugi" typeface="Leelawadee UI"/>
+        <a:font script="Bopo" typeface="Microsoft JhengHei"/>
+        <a:font script="Java" typeface="Javanese Text"/>
+        <a:font script="Lisu" typeface="Segoe UI"/>
+        <a:font script="Mymr" typeface="Myanmar Text"/>
+        <a:font script="Nkoo" typeface="Ebrima"/>
+        <a:font script="Olck" typeface="Nirmala UI"/>
+        <a:font script="Osma" typeface="Ebrima"/>
+        <a:font script="Phag" typeface="Phagspa"/>
+        <a:font script="Syrn" typeface="Estrangelo Edessa"/>
+        <a:font script="Syrj" typeface="Estrangelo Edessa"/>
+        <a:font script="Syre" typeface="Estrangelo Edessa"/>
+        <a:font script="Sora" typeface="Nirmala UI"/>
+        <a:font script="Tale" typeface="Microsoft Tai Le"/>
+        <a:font script="Talu" typeface="Microsoft New Tai Lue"/>
+        <a:font script="Tfng" typeface="Ebrima"/>
+      </a:majorFont>
+      <a:minorFont>
+        <a:latin typeface="Calibri" panose="020F0502020204030204"/>
+        <a:ea typeface=""/>
+        <a:cs typeface=""/>
+        <a:font script="Jpan" typeface="游ゴシック"/>
+        <a:font script="Hang" typeface="맑은 고딕"/>
+        <a:font script="Hans" typeface="等线"/>
+        <a:font script="Hant" typeface="新細明體"/>
+        <a:font script="Arab" typeface="Arial"/>
+        <a:font script="Hebr" typeface="Arial"/>
+        <a:font script="Thai" typeface="Cordia New"/>
+        <a:font script="Ethi" typeface="Nyala"/>
+        <a:font script="Beng" typeface="Vrinda"/>
+        <a:font script="Gujr" typeface="Shruti"/>
+        <a:font script="Khmr" typeface="DaunPenh"/>
+        <a:font script="Knda" typeface="Tunga"/>
+        <a:font script="Guru" typeface="Raavi"/>
+        <a:font script="Cans" typeface="Euphemia"/>
+        <a:font script="Cher" typeface="Plantagenet Cherokee"/>
+        <a:font script="Yiii" typeface="Microsoft Yi Baiti"/>
+        <a:font script="Tibt" typeface="Microsoft Himalaya"/>
+        <a:font script="Thaa" typeface="MV Boli"/>
+        <a:font script="Deva" typeface="Mangal"/>
+        <a:font script="Telu" typeface="Gautami"/>
+        <a:font script="Taml" typeface="Latha"/>
+        <a:font script="Syrc" typeface="Estrangelo Edessa"/>
+        <a:font script="Orya" typeface="Kalinga"/>
+        <a:font script="Mlym" typeface="Kartika"/>
+        <a:font script="Laoo" typeface="DokChampa"/>
+        <a:font script="Sinh" typeface="Iskoola Pota"/>
+        <a:font script="Mong" typeface="Mongolian Baiti"/>
+        <a:font script="Viet" typeface="Arial"/>
+        <a:font script="Uigh" typeface="Microsoft Uighur"/>
+        <a:font script="Geor" typeface="Sylfaen"/>
+        <a:font script="Armn" typeface="Arial"/>
+        <a:font script="Bugi" typeface="Leelawadee UI"/>
+        <a:font script="Bopo" typeface="Microsoft JhengHei"/>
+        <a:font script="Java" typeface="Javanese Text"/>
+        <a:font script="Lisu" typeface="Segoe UI"/>
+        <a:font script="Mymr" typeface="Myanmar Text"/>
+        <a:font script="Nkoo" typeface="Ebrima"/>
+        <a:font script="Olck" typeface="Nirmala UI"/>
+        <a:font script="Osma" typeface="Ebrima"/>
+        <a:font script="Phag" typeface="Phagspa"/>
+        <a:font script="Syrn" typeface="Estrangelo Edessa"/>
+        <a:font script="Syrj" typeface="Estrangelo Edessa"/>
+        <a:font script="Syre" typeface="Estrangelo Edessa"/>
+        <a:font script="Sora" typeface="Nirmala UI"/>
+        <a:font script="Tale" typeface="Microsoft Tai Le"/>
+        <a:font script="Talu" typeface="Microsoft New Tai Lue"/>
+        <a:font script="Tfng" typeface="Ebrima"/>
+      </a:minorFont>
+    </a:fontScheme>
+    <a:fmtScheme name="Office">
+      <a:fillStyleLst>
+        <a:solidFill>
+          <a:schemeClr val="phClr"/>
+        </a:solidFill>
+        <a:gradFill rotWithShape="1">
+          <a:gsLst>
+            <a:gs pos="0">
+              <a:schemeClr val="phClr">
+                <a:lumMod val="110000"/>
+                <a:satMod val="105000"/>
+                <a:tint val="67000"/>
+              </a:schemeClr>
+            </a:gs>
+            <a:gs pos="50000">
+              <a:schemeClr val="phClr">
+                <a:lumMod val="105000"/>
+                <a:satMod val="103000"/>
+                <a:tint val="73000"/>
+              </a:schemeClr>
+            </a:gs>
+            <a:gs pos="100000">
+              <a:schemeClr val="phClr">
+                <a:lumMod val="105000"/>
+                <a:satMod val="109000"/>
+                <a:tint val="81000"/>
+              </a:schemeClr>
+            </a:gs>
+          </a:gsLst>
+          <a:lin ang="5400000" scaled="0"/>
+        </a:gradFill>
+        <a:gradFill rotWithShape="1">
+          <a:gsLst>
+            <a:gs pos="0">
+              <a:schemeClr val="phClr">
+                <a:satMod val="103000"/>
+                <a:lumMod val="102000"/>
+                <a:tint val="94000"/>
+              </a:schemeClr>
+            </a:gs>
+            <a:gs pos="50000">
+              <a:schemeClr val="phClr">
+                <a:satMod val="110000"/>
+                <a:lumMod val="100000"/>
+                <a:shade val="100000"/>
+              </a:schemeClr>
+            </a:gs>
+            <a:gs pos="100000">
+              <a:schemeClr val="phClr">
+                <a:lumMod val="99000"/>
+                <a:satMod val="120000"/>
+                <a:shade val="78000"/>
+              </a:schemeClr>
+            </a:gs>
+          </a:gsLst>
+          <a:lin ang="5400000" scaled="0"/>
+        </a:gradFill>
+      </a:fillStyleLst>
+      <a:lnStyleLst>
+        <a:ln w="6350" cap="flat" cmpd="sng" algn="ctr">
+          <a:solidFill>
+            <a:schemeClr val="phClr"/>
+          </a:solidFill>
+          <a:prstDash val="solid"/>
+          <a:miter lim="800000"/>
+        </a:ln>
+        <a:ln w="12700" cap="flat" cmpd="sng" algn="ctr">
+          <a:solidFill>
+            <a:schemeClr val="phClr"/>
+          </a:solidFill>
+          <a:prstDash val="solid"/>
+          <a:miter lim="800000"/>
+        </a:ln>
+        <a:ln w="19050" cap="flat" cmpd="sng" algn="ctr">
+          <a:solidFill>
+            <a:schemeClr val="phClr"/>
+          </a:solidFill>
+          <a:prstDash val="solid"/>
+          <a:miter lim="800000"/>
+        </a:ln>
+      </a:lnStyleLst>
+      <a:effectStyleLst>
+        <a:effectStyle>
+          <a:effectLst/>
+        </a:effectStyle>
+        <a:effectStyle>
+          <a:effectLst/>
+        </a:effectStyle>
+        <a:effectStyle>
+          <a:effectLst>
+            <a:outerShdw blurRad="57150" dist="19050" dir="5400000" algn="ctr" rotWithShape="0">
+              <a:srgbClr val="000000">
+                <a:alpha val="63000"/>
+              </a:srgbClr>
+            </a:outerShdw>
+          </a:effectLst>
+        </a:effectStyle>
+      </a:effectStyleLst>
+      <a:bgFillStyleLst>
+        <a:solidFill>
+          <a:schemeClr val="phClr"/>
+        </a:solidFill>
+        <a:solidFill>
+          <a:schemeClr val="phClr">
+            <a:tint val="95000"/>
+            <a:satMod val="170000"/>
+          </a:schemeClr>
+        </a:solidFill>
+        <a:gradFill rotWithShape="1">
+          <a:gsLst>
+            <a:gs pos="0">
+              <a:schemeClr val="phClr">
+                <a:tint val="93000"/>
+                <a:satMod val="150000"/>
+                <a:shade val="98000"/>
+                <a:lumMod val="102000"/>
+              </a:schemeClr>
+            </a:gs>
+            <a:gs pos="50000">
+              <a:schemeClr val="phClr">
+                <a:tint val="98000"/>
+                <a:satMod val="130000"/>
+                <a:shade val="90000"/>
+                <a:lumMod val="103000"/>
+              </a:schemeClr>
+            </a:gs>
+            <a:gs pos="100000">
+              <a:schemeClr val="phClr">
+                <a:shade val="63000"/>
+                <a:satMod val="120000"/>
+              </a:schemeClr>
+            </a:gs>
+          </a:gsLst>
+          <a:lin ang="5400000" scaled="0"/>
+        </a:gradFill>
+      </a:bgFillStyleLst>
+    </a:fmtScheme>
+  </a:themeElements>
+  <a:objectDefaults/>
+  <a:extraClrSchemeLst/>
+  <a:extLst>
+    <a:ext uri="{05A4C25C-085E-4340-85A3-A5531E510DB2}">
+      <thm15:themeFamily xmlns:thm15="http://schemas.microsoft.com/office/thememl/2012/main" name="Office Theme" id="{62F939B6-93AF-4DB8-9C6B-D6C7DFDC589F}" vid="{4A3C46E8-61CC-4603-A589-7422A47A8E4A}"/>
+    </a:ext>
+  </a:extLst>
+</a:theme>
 </file>
--- a/Паттерн MVC.pptx
+++ b/Паттерн MVC.pptx
@@ -1134,6 +1134,102 @@
 </p:notes>
 </file>
 
+<file path=ppt/notesSlides/notesSlide8.xml><?xml version="1.0" encoding="utf-8"?>
+<p:notes xmlns:a="http://schemas.openxmlformats.org/drawingml/2006/main" xmlns:r="http://schemas.openxmlformats.org/officeDocument/2006/relationships" xmlns:p="http://schemas.openxmlformats.org/presentationml/2006/main">
+  <p:cSld>
+    <p:spTree>
+      <p:nvGrpSpPr>
+        <p:cNvPr id="1" name=""/>
+        <p:cNvGrpSpPr/>
+        <p:nvPr/>
+      </p:nvGrpSpPr>
+      <p:grpSpPr>
+        <a:xfrm>
+          <a:off x="0" y="0"/>
+          <a:ext cx="0" cy="0"/>
+          <a:chOff x="0" y="0"/>
+          <a:chExt cx="0" cy="0"/>
+        </a:xfrm>
+      </p:grpSpPr>
+      <p:sp>
+        <p:nvSpPr>
+          <p:cNvPr id="2" name="Slide Image Placeholder 1"/>
+          <p:cNvSpPr>
+            <a:spLocks noGrp="1" noRot="1" noChangeAspect="1"/>
+          </p:cNvSpPr>
+          <p:nvPr>
+            <p:ph type="sldImg"/>
+          </p:nvPr>
+        </p:nvSpPr>
+        <p:spPr/>
+      </p:sp>
+      <p:sp>
+        <p:nvSpPr>
+          <p:cNvPr id="3" name="Notes Placeholder 2"/>
+          <p:cNvSpPr>
+            <a:spLocks noGrp="1"/>
+          </p:cNvSpPr>
+          <p:nvPr>
+            <p:ph type="body" idx="1"/>
+          </p:nvPr>
+        </p:nvSpPr>
+        <p:spPr/>
+        <p:txBody>
+          <a:bodyPr/>
+          <a:lstStyle/>
+          <a:p>
+            <a:r>
+              <a:rPr lang="ru-RU" dirty="0"/>
+              <a:t>Паттерн </a:t>
+            </a:r>
+            <a:r>
+              <a:rPr lang="en-US" dirty="0"/>
+              <a:t>MVC </a:t>
+            </a:r>
+            <a:r>
+              <a:rPr lang="ru-RU"/>
+              <a:t>подразумевает разделение программы на 3 части</a:t>
+            </a:r>
+            <a:endParaRPr lang="en-US"/>
+          </a:p>
+        </p:txBody>
+      </p:sp>
+      <p:sp>
+        <p:nvSpPr>
+          <p:cNvPr id="4" name="Slide Number Placeholder 3"/>
+          <p:cNvSpPr>
+            <a:spLocks noGrp="1"/>
+          </p:cNvSpPr>
+          <p:nvPr>
+            <p:ph type="sldNum" sz="quarter" idx="5"/>
+          </p:nvPr>
+        </p:nvSpPr>
+        <p:spPr/>
+        <p:txBody>
+          <a:bodyPr/>
+          <a:lstStyle/>
+          <a:p>
+            <a:fld id="{13EFAFE1-556C-4699-B5AC-21C248603E02}" type="slidenum">
+              <a:rPr lang="en-US" smtClean="0"/>
+              <a:t>12</a:t>
+            </a:fld>
+            <a:endParaRPr lang="en-US"/>
+          </a:p>
+        </p:txBody>
+      </p:sp>
+    </p:spTree>
+    <p:extLst>
+      <p:ext uri="{BB962C8B-B14F-4D97-AF65-F5344CB8AC3E}">
+        <p14:creationId xmlns:p14="http://schemas.microsoft.com/office/powerpoint/2010/main" val="4092314495"/>
+      </p:ext>
+    </p:extLst>
+  </p:cSld>
+  <p:clrMapOvr>
+    <a:masterClrMapping/>
+  </p:clrMapOvr>
+</p:notes>
+</file>
+
 <file path=ppt/slideLayouts/slideLayout1.xml><?xml version="1.0" encoding="utf-8"?>
 <p:sldLayout xmlns:a="http://schemas.openxmlformats.org/drawingml/2006/main" xmlns:r="http://schemas.openxmlformats.org/officeDocument/2006/relationships" xmlns:p="http://schemas.openxmlformats.org/presentationml/2006/main">
   <p:cSld name="Пользовательский макет">
@@ -2114,7 +2210,7 @@
           <a:p>
             <a:fld id="{98B268AD-4E81-4577-BD5E-7A237943881D}" type="datetimeFigureOut">
               <a:rPr lang="en-US" smtClean="0"/>
-              <a:t>2/18/2019</a:t>
+              <a:t>2/21/2019</a:t>
             </a:fld>
             <a:endParaRPr lang="en-US"/>
           </a:p>
@@ -2312,7 +2408,7 @@
           <a:p>
             <a:fld id="{98B268AD-4E81-4577-BD5E-7A237943881D}" type="datetimeFigureOut">
               <a:rPr lang="en-US" smtClean="0"/>
-              <a:t>2/18/2019</a:t>
+              <a:t>2/21/2019</a:t>
             </a:fld>
             <a:endParaRPr lang="en-US"/>
           </a:p>
@@ -2516,7 +2612,7 @@
           <a:p>
             <a:fld id="{C764DE79-268F-4C1A-8933-263129D2AF90}" type="datetimeFigureOut">
               <a:rPr lang="en-US" dirty="0"/>
-              <a:t>2/18/2019</a:t>
+              <a:t>2/21/2019</a:t>
             </a:fld>
             <a:endParaRPr lang="en-US" dirty="0"/>
           </a:p>
@@ -2686,7 +2782,7 @@
           <a:p>
             <a:fld id="{C764DE79-268F-4C1A-8933-263129D2AF90}" type="datetimeFigureOut">
               <a:rPr lang="en-US" dirty="0"/>
-              <a:t>2/18/2019</a:t>
+              <a:t>2/21/2019</a:t>
             </a:fld>
             <a:endParaRPr lang="en-US" dirty="0"/>
           </a:p>
@@ -2894,7 +2990,7 @@
           <a:p>
             <a:fld id="{98B268AD-4E81-4577-BD5E-7A237943881D}" type="datetimeFigureOut">
               <a:rPr lang="en-US" smtClean="0"/>
-              <a:t>2/18/2019</a:t>
+              <a:t>2/21/2019</a:t>
             </a:fld>
             <a:endParaRPr lang="en-US"/>
           </a:p>
@@ -3152,7 +3248,7 @@
           <a:p>
             <a:fld id="{C764DE79-268F-4C1A-8933-263129D2AF90}" type="datetimeFigureOut">
               <a:rPr lang="en-US" dirty="0"/>
-              <a:t>2/18/2019</a:t>
+              <a:t>2/21/2019</a:t>
             </a:fld>
             <a:endParaRPr lang="en-US" dirty="0"/>
           </a:p>
@@ -3384,7 +3480,7 @@
           <a:p>
             <a:fld id="{C764DE79-268F-4C1A-8933-263129D2AF90}" type="datetimeFigureOut">
               <a:rPr lang="en-US" dirty="0"/>
-              <a:t>2/18/2019</a:t>
+              <a:t>2/21/2019</a:t>
             </a:fld>
             <a:endParaRPr lang="en-US" dirty="0"/>
           </a:p>
@@ -3751,7 +3847,7 @@
           <a:p>
             <a:fld id="{C764DE79-268F-4C1A-8933-263129D2AF90}" type="datetimeFigureOut">
               <a:rPr lang="en-US" dirty="0"/>
-              <a:t>2/18/2019</a:t>
+              <a:t>2/21/2019</a:t>
             </a:fld>
             <a:endParaRPr lang="en-US" dirty="0"/>
           </a:p>
@@ -3869,7 +3965,7 @@
           <a:p>
             <a:fld id="{C764DE79-268F-4C1A-8933-263129D2AF90}" type="datetimeFigureOut">
               <a:rPr lang="en-US" dirty="0"/>
-              <a:t>2/18/2019</a:t>
+              <a:t>2/21/2019</a:t>
             </a:fld>
             <a:endParaRPr lang="en-US" dirty="0"/>
           </a:p>
@@ -3964,7 +4060,7 @@
           <a:p>
             <a:fld id="{C764DE79-268F-4C1A-8933-263129D2AF90}" type="datetimeFigureOut">
               <a:rPr lang="en-US" dirty="0"/>
-              <a:t>2/18/2019</a:t>
+              <a:t>2/21/2019</a:t>
             </a:fld>
             <a:endParaRPr lang="en-US" dirty="0"/>
           </a:p>
@@ -4241,7 +4337,7 @@
           <a:p>
             <a:fld id="{C764DE79-268F-4C1A-8933-263129D2AF90}" type="datetimeFigureOut">
               <a:rPr lang="en-US" dirty="0"/>
-              <a:t>2/18/2019</a:t>
+              <a:t>2/21/2019</a:t>
             </a:fld>
             <a:endParaRPr lang="en-US" dirty="0"/>
           </a:p>
@@ -4498,7 +4594,7 @@
           <a:p>
             <a:fld id="{C764DE79-268F-4C1A-8933-263129D2AF90}" type="datetimeFigureOut">
               <a:rPr lang="en-US" dirty="0"/>
-              <a:t>2/18/2019</a:t>
+              <a:t>2/21/2019</a:t>
             </a:fld>
             <a:endParaRPr lang="en-US" dirty="0"/>
           </a:p>
@@ -4668,7 +4764,7 @@
           <a:p>
             <a:fld id="{C764DE79-268F-4C1A-8933-263129D2AF90}" type="datetimeFigureOut">
               <a:rPr lang="en-US" dirty="0"/>
-              <a:t>2/18/2019</a:t>
+              <a:t>2/21/2019</a:t>
             </a:fld>
             <a:endParaRPr lang="en-US" dirty="0"/>
           </a:p>
@@ -4848,7 +4944,7 @@
           <a:p>
             <a:fld id="{C764DE79-268F-4C1A-8933-263129D2AF90}" type="datetimeFigureOut">
               <a:rPr lang="en-US" dirty="0"/>
-              <a:t>2/18/2019</a:t>
+              <a:t>2/21/2019</a:t>
             </a:fld>
             <a:endParaRPr lang="en-US" dirty="0"/>
           </a:p>
@@ -5035,7 +5131,7 @@
           <a:p>
             <a:fld id="{98B268AD-4E81-4577-BD5E-7A237943881D}" type="datetimeFigureOut">
               <a:rPr lang="en-US" smtClean="0"/>
-              <a:t>2/18/2019</a:t>
+              <a:t>2/21/2019</a:t>
             </a:fld>
             <a:endParaRPr lang="en-US"/>
           </a:p>
@@ -7781,7 +7877,7 @@
           <a:p>
             <a:fld id="{C764DE79-268F-4C1A-8933-263129D2AF90}" type="datetimeFigureOut">
               <a:rPr lang="en-US" dirty="0"/>
-              <a:t>2/18/2019</a:t>
+              <a:t>2/21/2019</a:t>
             </a:fld>
             <a:endParaRPr lang="en-US" dirty="0"/>
           </a:p>
